--- a/instructor/l18/l18-pad.pptx
+++ b/instructor/l18/l18-pad.pptx
@@ -5,14 +5,16 @@
     <p:sldMasterId id="2147483648" r:id="rId1"/>
   </p:sldMasterIdLst>
   <p:sldIdLst>
-    <p:sldId id="261" r:id="rId2"/>
-    <p:sldId id="257" r:id="rId3"/>
-    <p:sldId id="258" r:id="rId4"/>
-    <p:sldId id="259" r:id="rId5"/>
-    <p:sldId id="256" r:id="rId6"/>
-    <p:sldId id="262" r:id="rId7"/>
-    <p:sldId id="263" r:id="rId8"/>
-    <p:sldId id="260" r:id="rId9"/>
+    <p:sldId id="265" r:id="rId2"/>
+    <p:sldId id="266" r:id="rId3"/>
+    <p:sldId id="261" r:id="rId4"/>
+    <p:sldId id="264" r:id="rId5"/>
+    <p:sldId id="258" r:id="rId6"/>
+    <p:sldId id="259" r:id="rId7"/>
+    <p:sldId id="256" r:id="rId8"/>
+    <p:sldId id="262" r:id="rId9"/>
+    <p:sldId id="263" r:id="rId10"/>
+    <p:sldId id="260" r:id="rId11"/>
   </p:sldIdLst>
   <p:sldSz cx="12192000" cy="6858000"/>
   <p:notesSz cx="6858000" cy="9144000"/>
@@ -266,7 +268,7 @@
           <a:p>
             <a:fld id="{B259A58A-5D35-C149-92D6-90CB95B83E4C}" type="datetimeFigureOut">
               <a:rPr lang="en-US" smtClean="0"/>
-              <a:t>3/22/23</a:t>
+              <a:t>11/20/23</a:t>
             </a:fld>
             <a:endParaRPr lang="en-US"/>
           </a:p>
@@ -464,7 +466,7 @@
           <a:p>
             <a:fld id="{B259A58A-5D35-C149-92D6-90CB95B83E4C}" type="datetimeFigureOut">
               <a:rPr lang="en-US" smtClean="0"/>
-              <a:t>3/22/23</a:t>
+              <a:t>11/20/23</a:t>
             </a:fld>
             <a:endParaRPr lang="en-US"/>
           </a:p>
@@ -672,7 +674,7 @@
           <a:p>
             <a:fld id="{B259A58A-5D35-C149-92D6-90CB95B83E4C}" type="datetimeFigureOut">
               <a:rPr lang="en-US" smtClean="0"/>
-              <a:t>3/22/23</a:t>
+              <a:t>11/20/23</a:t>
             </a:fld>
             <a:endParaRPr lang="en-US"/>
           </a:p>
@@ -870,7 +872,7 @@
           <a:p>
             <a:fld id="{B259A58A-5D35-C149-92D6-90CB95B83E4C}" type="datetimeFigureOut">
               <a:rPr lang="en-US" smtClean="0"/>
-              <a:t>3/22/23</a:t>
+              <a:t>11/20/23</a:t>
             </a:fld>
             <a:endParaRPr lang="en-US"/>
           </a:p>
@@ -1145,7 +1147,7 @@
           <a:p>
             <a:fld id="{B259A58A-5D35-C149-92D6-90CB95B83E4C}" type="datetimeFigureOut">
               <a:rPr lang="en-US" smtClean="0"/>
-              <a:t>3/22/23</a:t>
+              <a:t>11/20/23</a:t>
             </a:fld>
             <a:endParaRPr lang="en-US"/>
           </a:p>
@@ -1410,7 +1412,7 @@
           <a:p>
             <a:fld id="{B259A58A-5D35-C149-92D6-90CB95B83E4C}" type="datetimeFigureOut">
               <a:rPr lang="en-US" smtClean="0"/>
-              <a:t>3/22/23</a:t>
+              <a:t>11/20/23</a:t>
             </a:fld>
             <a:endParaRPr lang="en-US"/>
           </a:p>
@@ -1822,7 +1824,7 @@
           <a:p>
             <a:fld id="{B259A58A-5D35-C149-92D6-90CB95B83E4C}" type="datetimeFigureOut">
               <a:rPr lang="en-US" smtClean="0"/>
-              <a:t>3/22/23</a:t>
+              <a:t>11/20/23</a:t>
             </a:fld>
             <a:endParaRPr lang="en-US"/>
           </a:p>
@@ -1963,7 +1965,7 @@
           <a:p>
             <a:fld id="{B259A58A-5D35-C149-92D6-90CB95B83E4C}" type="datetimeFigureOut">
               <a:rPr lang="en-US" smtClean="0"/>
-              <a:t>3/22/23</a:t>
+              <a:t>11/20/23</a:t>
             </a:fld>
             <a:endParaRPr lang="en-US"/>
           </a:p>
@@ -2076,7 +2078,7 @@
           <a:p>
             <a:fld id="{B259A58A-5D35-C149-92D6-90CB95B83E4C}" type="datetimeFigureOut">
               <a:rPr lang="en-US" smtClean="0"/>
-              <a:t>3/22/23</a:t>
+              <a:t>11/20/23</a:t>
             </a:fld>
             <a:endParaRPr lang="en-US"/>
           </a:p>
@@ -2387,7 +2389,7 @@
           <a:p>
             <a:fld id="{B259A58A-5D35-C149-92D6-90CB95B83E4C}" type="datetimeFigureOut">
               <a:rPr lang="en-US" smtClean="0"/>
-              <a:t>3/22/23</a:t>
+              <a:t>11/20/23</a:t>
             </a:fld>
             <a:endParaRPr lang="en-US"/>
           </a:p>
@@ -2675,7 +2677,7 @@
           <a:p>
             <a:fld id="{B259A58A-5D35-C149-92D6-90CB95B83E4C}" type="datetimeFigureOut">
               <a:rPr lang="en-US" smtClean="0"/>
-              <a:t>3/22/23</a:t>
+              <a:t>11/20/23</a:t>
             </a:fld>
             <a:endParaRPr lang="en-US"/>
           </a:p>
@@ -2916,7 +2918,7 @@
           <a:p>
             <a:fld id="{B259A58A-5D35-C149-92D6-90CB95B83E4C}" type="datetimeFigureOut">
               <a:rPr lang="en-US" smtClean="0"/>
-              <a:t>3/22/23</a:t>
+              <a:t>11/20/23</a:t>
             </a:fld>
             <a:endParaRPr lang="en-US"/>
           </a:p>
@@ -3333,12 +3335,131 @@
           <a:chExt cx="0" cy="0"/>
         </a:xfrm>
       </p:grpSpPr>
+      <p:sp>
+        <p:nvSpPr>
+          <p:cNvPr id="2" name="Title 1">
+            <a:extLst>
+              <a:ext uri="{FF2B5EF4-FFF2-40B4-BE49-F238E27FC236}">
+                <a16:creationId xmlns:a16="http://schemas.microsoft.com/office/drawing/2014/main" id="{CD53DA19-6AFD-6018-8FFB-DC713421AEC4}"/>
+              </a:ext>
+            </a:extLst>
+          </p:cNvPr>
+          <p:cNvSpPr>
+            <a:spLocks noGrp="1"/>
+          </p:cNvSpPr>
+          <p:nvPr>
+            <p:ph type="title"/>
+          </p:nvPr>
+        </p:nvSpPr>
+        <p:spPr/>
+        <p:txBody>
+          <a:bodyPr/>
+          <a:lstStyle/>
+          <a:p>
+            <a:r>
+              <a:rPr lang="en-US" dirty="0"/>
+              <a:t>Clicker</a:t>
+            </a:r>
+          </a:p>
+        </p:txBody>
+      </p:sp>
+      <p:sp>
+        <p:nvSpPr>
+          <p:cNvPr id="3" name="Content Placeholder 2">
+            <a:extLst>
+              <a:ext uri="{FF2B5EF4-FFF2-40B4-BE49-F238E27FC236}">
+                <a16:creationId xmlns:a16="http://schemas.microsoft.com/office/drawing/2014/main" id="{66EA9D5C-4DA8-2E0F-284E-383F26844C8A}"/>
+              </a:ext>
+            </a:extLst>
+          </p:cNvPr>
+          <p:cNvSpPr>
+            <a:spLocks noGrp="1"/>
+          </p:cNvSpPr>
+          <p:nvPr>
+            <p:ph idx="1"/>
+          </p:nvPr>
+        </p:nvSpPr>
+        <p:spPr/>
+        <p:txBody>
+          <a:bodyPr/>
+          <a:lstStyle/>
+          <a:p>
+            <a:pPr marL="0" indent="0">
+              <a:buNone/>
+            </a:pPr>
+            <a:r>
+              <a:rPr lang="en-US" dirty="0"/>
+              <a:t>I thought the midterm was:</a:t>
+            </a:r>
+          </a:p>
+          <a:p>
+            <a:pPr marL="514350" indent="-514350">
+              <a:buFont typeface="+mj-lt"/>
+              <a:buAutoNum type="alphaUcPeriod"/>
+            </a:pPr>
+            <a:r>
+              <a:rPr lang="en-US" dirty="0"/>
+              <a:t>Easier than expected</a:t>
+            </a:r>
+          </a:p>
+          <a:p>
+            <a:pPr marL="514350" indent="-514350">
+              <a:buFont typeface="+mj-lt"/>
+              <a:buAutoNum type="alphaUcPeriod"/>
+            </a:pPr>
+            <a:r>
+              <a:rPr lang="en-US" dirty="0"/>
+              <a:t>About as hard as expected</a:t>
+            </a:r>
+          </a:p>
+          <a:p>
+            <a:pPr marL="514350" indent="-514350">
+              <a:buFont typeface="+mj-lt"/>
+              <a:buAutoNum type="alphaUcPeriod"/>
+            </a:pPr>
+            <a:r>
+              <a:rPr lang="en-US" dirty="0"/>
+              <a:t>Harder than expected</a:t>
+            </a:r>
+          </a:p>
+        </p:txBody>
+      </p:sp>
+    </p:spTree>
+    <p:extLst>
+      <p:ext uri="{BB962C8B-B14F-4D97-AF65-F5344CB8AC3E}">
+        <p14:creationId xmlns:p14="http://schemas.microsoft.com/office/powerpoint/2010/main" val="1065252764"/>
+      </p:ext>
+    </p:extLst>
+  </p:cSld>
+  <p:clrMapOvr>
+    <a:masterClrMapping/>
+  </p:clrMapOvr>
+</p:sld>
+</file>
+
+<file path=ppt/slides/slide10.xml><?xml version="1.0" encoding="utf-8"?>
+<p:sld xmlns:a="http://schemas.openxmlformats.org/drawingml/2006/main" xmlns:r="http://schemas.openxmlformats.org/officeDocument/2006/relationships" xmlns:p="http://schemas.openxmlformats.org/presentationml/2006/main">
+  <p:cSld>
+    <p:spTree>
+      <p:nvGrpSpPr>
+        <p:cNvPr id="1" name=""/>
+        <p:cNvGrpSpPr/>
+        <p:nvPr/>
+      </p:nvGrpSpPr>
+      <p:grpSpPr>
+        <a:xfrm>
+          <a:off x="0" y="0"/>
+          <a:ext cx="0" cy="0"/>
+          <a:chOff x="0" y="0"/>
+          <a:chExt cx="0" cy="0"/>
+        </a:xfrm>
+      </p:grpSpPr>
       <p:pic>
         <p:nvPicPr>
-          <p:cNvPr id="4" name="Picture 3">
-            <a:extLst>
-              <a:ext uri="{FF2B5EF4-FFF2-40B4-BE49-F238E27FC236}">
-                <a16:creationId xmlns:a16="http://schemas.microsoft.com/office/drawing/2014/main" id="{170162AF-A98B-013E-157F-3CFFD6F8C24A}"/>
+          <p:cNvPr id="3" name="Picture 2">
+            <a:extLst>
+              <a:ext uri="{FF2B5EF4-FFF2-40B4-BE49-F238E27FC236}">
+                <a16:creationId xmlns:a16="http://schemas.microsoft.com/office/drawing/2014/main" id="{6CC7FBDE-71A1-1028-7753-E49F9DE400F3}"/>
               </a:ext>
             </a:extLst>
           </p:cNvPr>
@@ -3355,976 +3476,18 @@
         </p:blipFill>
         <p:spPr>
           <a:xfrm>
-            <a:off x="2209800" y="353443"/>
-            <a:ext cx="7772400" cy="6151113"/>
+            <a:off x="2209800" y="461296"/>
+            <a:ext cx="7772400" cy="5935407"/>
           </a:xfrm>
           <a:prstGeom prst="rect">
             <a:avLst/>
           </a:prstGeom>
         </p:spPr>
       </p:pic>
-      <p:grpSp>
-        <p:nvGrpSpPr>
-          <p:cNvPr id="2" name="Group 1">
-            <a:extLst>
-              <a:ext uri="{FF2B5EF4-FFF2-40B4-BE49-F238E27FC236}">
-                <a16:creationId xmlns:a16="http://schemas.microsoft.com/office/drawing/2014/main" id="{FBD1F0E5-1ED0-7BC5-FC24-3923A52276F3}"/>
-              </a:ext>
-            </a:extLst>
-          </p:cNvPr>
-          <p:cNvGrpSpPr/>
-          <p:nvPr/>
-        </p:nvGrpSpPr>
-        <p:grpSpPr>
-          <a:xfrm>
-            <a:off x="2209798" y="2140085"/>
-            <a:ext cx="6434033" cy="5008928"/>
-            <a:chOff x="2209798" y="2140085"/>
-            <a:chExt cx="6434033" cy="5008928"/>
-          </a:xfrm>
-        </p:grpSpPr>
-        <p:sp>
-          <p:nvSpPr>
-            <p:cNvPr id="7" name="TextBox 6">
-              <a:extLst>
-                <a:ext uri="{FF2B5EF4-FFF2-40B4-BE49-F238E27FC236}">
-                  <a16:creationId xmlns:a16="http://schemas.microsoft.com/office/drawing/2014/main" id="{5D8C59D4-AEAA-2DD2-50FA-973B042650E9}"/>
-                </a:ext>
-              </a:extLst>
-            </p:cNvPr>
-            <p:cNvSpPr txBox="1"/>
-            <p:nvPr/>
-          </p:nvSpPr>
-          <p:spPr>
-            <a:xfrm>
-              <a:off x="2209800" y="2140085"/>
-              <a:ext cx="496111" cy="1077218"/>
-            </a:xfrm>
-            <a:prstGeom prst="rect">
-              <a:avLst/>
-            </a:prstGeom>
-            <a:noFill/>
-          </p:spPr>
-          <p:txBody>
-            <a:bodyPr wrap="square" rtlCol="0">
-              <a:spAutoFit/>
-            </a:bodyPr>
-            <a:lstStyle/>
-            <a:p>
-              <a:r>
-                <a:rPr lang="en-CA" sz="3200" b="1" i="0" dirty="0">
-                  <a:solidFill>
-                    <a:srgbClr val="333333"/>
-                  </a:solidFill>
-                  <a:effectLst/>
-                  <a:latin typeface="none"/>
-                </a:rPr>
-                <a:t>👍</a:t>
-              </a:r>
-              <a:endParaRPr lang="en-CA" sz="3200" b="1" i="0" dirty="0">
-                <a:solidFill>
-                  <a:srgbClr val="333333"/>
-                </a:solidFill>
-                <a:effectLst/>
-                <a:latin typeface="Proxima Nova Lt"/>
-              </a:endParaRPr>
-            </a:p>
-            <a:p>
-              <a:endParaRPr lang="en-US" sz="3200" dirty="0"/>
-            </a:p>
-          </p:txBody>
-        </p:sp>
-        <p:sp>
-          <p:nvSpPr>
-            <p:cNvPr id="8" name="TextBox 7">
-              <a:extLst>
-                <a:ext uri="{FF2B5EF4-FFF2-40B4-BE49-F238E27FC236}">
-                  <a16:creationId xmlns:a16="http://schemas.microsoft.com/office/drawing/2014/main" id="{AE3D9222-2C83-19F4-3E97-4726EE3F3070}"/>
-                </a:ext>
-              </a:extLst>
-            </p:cNvPr>
-            <p:cNvSpPr txBox="1"/>
-            <p:nvPr/>
-          </p:nvSpPr>
-          <p:spPr>
-            <a:xfrm>
-              <a:off x="2209799" y="3428999"/>
-              <a:ext cx="496111" cy="1077218"/>
-            </a:xfrm>
-            <a:prstGeom prst="rect">
-              <a:avLst/>
-            </a:prstGeom>
-            <a:noFill/>
-          </p:spPr>
-          <p:txBody>
-            <a:bodyPr wrap="square" rtlCol="0">
-              <a:spAutoFit/>
-            </a:bodyPr>
-            <a:lstStyle/>
-            <a:p>
-              <a:r>
-                <a:rPr lang="en-CA" sz="3200" b="1" i="0" dirty="0">
-                  <a:solidFill>
-                    <a:srgbClr val="333333"/>
-                  </a:solidFill>
-                  <a:effectLst/>
-                  <a:latin typeface="none"/>
-                </a:rPr>
-                <a:t>👍</a:t>
-              </a:r>
-              <a:endParaRPr lang="en-CA" sz="3200" b="1" i="0" dirty="0">
-                <a:solidFill>
-                  <a:srgbClr val="333333"/>
-                </a:solidFill>
-                <a:effectLst/>
-                <a:latin typeface="Proxima Nova Lt"/>
-              </a:endParaRPr>
-            </a:p>
-            <a:p>
-              <a:endParaRPr lang="en-US" sz="3200" dirty="0"/>
-            </a:p>
-          </p:txBody>
-        </p:sp>
-        <p:sp>
-          <p:nvSpPr>
-            <p:cNvPr id="9" name="TextBox 8">
-              <a:extLst>
-                <a:ext uri="{FF2B5EF4-FFF2-40B4-BE49-F238E27FC236}">
-                  <a16:creationId xmlns:a16="http://schemas.microsoft.com/office/drawing/2014/main" id="{0A45984E-F957-4304-5E3E-7594B2C04231}"/>
-                </a:ext>
-              </a:extLst>
-            </p:cNvPr>
-            <p:cNvSpPr txBox="1"/>
-            <p:nvPr/>
-          </p:nvSpPr>
-          <p:spPr>
-            <a:xfrm>
-              <a:off x="2209798" y="4506217"/>
-              <a:ext cx="496111" cy="1077218"/>
-            </a:xfrm>
-            <a:prstGeom prst="rect">
-              <a:avLst/>
-            </a:prstGeom>
-            <a:noFill/>
-          </p:spPr>
-          <p:txBody>
-            <a:bodyPr wrap="square" rtlCol="0">
-              <a:spAutoFit/>
-            </a:bodyPr>
-            <a:lstStyle/>
-            <a:p>
-              <a:r>
-                <a:rPr lang="en-CA" sz="3200" b="1" i="0" dirty="0">
-                  <a:solidFill>
-                    <a:srgbClr val="333333"/>
-                  </a:solidFill>
-                  <a:effectLst/>
-                  <a:latin typeface="none"/>
-                </a:rPr>
-                <a:t>👍</a:t>
-              </a:r>
-              <a:endParaRPr lang="en-CA" sz="3200" b="1" i="0" dirty="0">
-                <a:solidFill>
-                  <a:srgbClr val="333333"/>
-                </a:solidFill>
-                <a:effectLst/>
-                <a:latin typeface="Proxima Nova Lt"/>
-              </a:endParaRPr>
-            </a:p>
-            <a:p>
-              <a:endParaRPr lang="en-US" sz="3200" dirty="0"/>
-            </a:p>
-          </p:txBody>
-        </p:sp>
-        <p:sp>
-          <p:nvSpPr>
-            <p:cNvPr id="10" name="TextBox 9">
-              <a:extLst>
-                <a:ext uri="{FF2B5EF4-FFF2-40B4-BE49-F238E27FC236}">
-                  <a16:creationId xmlns:a16="http://schemas.microsoft.com/office/drawing/2014/main" id="{EF1C0A03-2A32-832A-A702-2D062C84D16F}"/>
-                </a:ext>
-              </a:extLst>
-            </p:cNvPr>
-            <p:cNvSpPr txBox="1"/>
-            <p:nvPr/>
-          </p:nvSpPr>
-          <p:spPr>
-            <a:xfrm>
-              <a:off x="4385553" y="2140085"/>
-              <a:ext cx="496111" cy="1077218"/>
-            </a:xfrm>
-            <a:prstGeom prst="rect">
-              <a:avLst/>
-            </a:prstGeom>
-            <a:noFill/>
-          </p:spPr>
-          <p:txBody>
-            <a:bodyPr wrap="square" rtlCol="0">
-              <a:spAutoFit/>
-            </a:bodyPr>
-            <a:lstStyle/>
-            <a:p>
-              <a:r>
-                <a:rPr lang="en-CA" sz="3200" b="1" i="0" dirty="0">
-                  <a:solidFill>
-                    <a:srgbClr val="333333"/>
-                  </a:solidFill>
-                  <a:effectLst/>
-                  <a:latin typeface="none"/>
-                </a:rPr>
-                <a:t>👍</a:t>
-              </a:r>
-              <a:endParaRPr lang="en-CA" sz="3200" b="1" i="0" dirty="0">
-                <a:solidFill>
-                  <a:srgbClr val="333333"/>
-                </a:solidFill>
-                <a:effectLst/>
-                <a:latin typeface="Proxima Nova Lt"/>
-              </a:endParaRPr>
-            </a:p>
-            <a:p>
-              <a:endParaRPr lang="en-US" sz="3200" dirty="0"/>
-            </a:p>
-          </p:txBody>
-        </p:sp>
-        <p:sp>
-          <p:nvSpPr>
-            <p:cNvPr id="11" name="TextBox 10">
-              <a:extLst>
-                <a:ext uri="{FF2B5EF4-FFF2-40B4-BE49-F238E27FC236}">
-                  <a16:creationId xmlns:a16="http://schemas.microsoft.com/office/drawing/2014/main" id="{DD5721F5-6206-02FE-4892-33FC5BA11D20}"/>
-                </a:ext>
-              </a:extLst>
-            </p:cNvPr>
-            <p:cNvSpPr txBox="1"/>
-            <p:nvPr/>
-          </p:nvSpPr>
-          <p:spPr>
-            <a:xfrm>
-              <a:off x="4385552" y="3428999"/>
-              <a:ext cx="496111" cy="1077218"/>
-            </a:xfrm>
-            <a:prstGeom prst="rect">
-              <a:avLst/>
-            </a:prstGeom>
-            <a:noFill/>
-          </p:spPr>
-          <p:txBody>
-            <a:bodyPr wrap="square" rtlCol="0">
-              <a:spAutoFit/>
-            </a:bodyPr>
-            <a:lstStyle/>
-            <a:p>
-              <a:r>
-                <a:rPr lang="en-CA" sz="3200" b="1" i="0" dirty="0">
-                  <a:solidFill>
-                    <a:srgbClr val="333333"/>
-                  </a:solidFill>
-                  <a:effectLst/>
-                  <a:latin typeface="none"/>
-                </a:rPr>
-                <a:t>👍</a:t>
-              </a:r>
-              <a:endParaRPr lang="en-CA" sz="3200" b="1" i="0" dirty="0">
-                <a:solidFill>
-                  <a:srgbClr val="333333"/>
-                </a:solidFill>
-                <a:effectLst/>
-                <a:latin typeface="Proxima Nova Lt"/>
-              </a:endParaRPr>
-            </a:p>
-            <a:p>
-              <a:endParaRPr lang="en-US" sz="3200" dirty="0"/>
-            </a:p>
-          </p:txBody>
-        </p:sp>
-        <p:sp>
-          <p:nvSpPr>
-            <p:cNvPr id="13" name="TextBox 12">
-              <a:extLst>
-                <a:ext uri="{FF2B5EF4-FFF2-40B4-BE49-F238E27FC236}">
-                  <a16:creationId xmlns:a16="http://schemas.microsoft.com/office/drawing/2014/main" id="{1AA34F5F-E62E-05CA-E5A5-5D3CD9A64F5C}"/>
-                </a:ext>
-              </a:extLst>
-            </p:cNvPr>
-            <p:cNvSpPr txBox="1"/>
-            <p:nvPr/>
-          </p:nvSpPr>
-          <p:spPr>
-            <a:xfrm>
-              <a:off x="6245151" y="2140085"/>
-              <a:ext cx="496111" cy="1077218"/>
-            </a:xfrm>
-            <a:prstGeom prst="rect">
-              <a:avLst/>
-            </a:prstGeom>
-            <a:noFill/>
-          </p:spPr>
-          <p:txBody>
-            <a:bodyPr wrap="square" rtlCol="0">
-              <a:spAutoFit/>
-            </a:bodyPr>
-            <a:lstStyle/>
-            <a:p>
-              <a:r>
-                <a:rPr lang="en-CA" sz="3200" b="1" i="0" dirty="0">
-                  <a:solidFill>
-                    <a:srgbClr val="333333"/>
-                  </a:solidFill>
-                  <a:effectLst/>
-                  <a:latin typeface="none"/>
-                </a:rPr>
-                <a:t>👍</a:t>
-              </a:r>
-              <a:endParaRPr lang="en-CA" sz="3200" b="1" i="0" dirty="0">
-                <a:solidFill>
-                  <a:srgbClr val="333333"/>
-                </a:solidFill>
-                <a:effectLst/>
-                <a:latin typeface="Proxima Nova Lt"/>
-              </a:endParaRPr>
-            </a:p>
-            <a:p>
-              <a:endParaRPr lang="en-US" sz="3200" dirty="0"/>
-            </a:p>
-          </p:txBody>
-        </p:sp>
-        <p:sp>
-          <p:nvSpPr>
-            <p:cNvPr id="14" name="TextBox 13">
-              <a:extLst>
-                <a:ext uri="{FF2B5EF4-FFF2-40B4-BE49-F238E27FC236}">
-                  <a16:creationId xmlns:a16="http://schemas.microsoft.com/office/drawing/2014/main" id="{55320D4B-33BC-DD35-D878-3BDAEA9D284A}"/>
-                </a:ext>
-              </a:extLst>
-            </p:cNvPr>
-            <p:cNvSpPr txBox="1"/>
-            <p:nvPr/>
-          </p:nvSpPr>
-          <p:spPr>
-            <a:xfrm>
-              <a:off x="6245150" y="3428999"/>
-              <a:ext cx="496111" cy="1077218"/>
-            </a:xfrm>
-            <a:prstGeom prst="rect">
-              <a:avLst/>
-            </a:prstGeom>
-            <a:noFill/>
-          </p:spPr>
-          <p:txBody>
-            <a:bodyPr wrap="square" rtlCol="0">
-              <a:spAutoFit/>
-            </a:bodyPr>
-            <a:lstStyle/>
-            <a:p>
-              <a:r>
-                <a:rPr lang="en-CA" sz="3200" b="1" i="0" dirty="0">
-                  <a:solidFill>
-                    <a:srgbClr val="333333"/>
-                  </a:solidFill>
-                  <a:effectLst/>
-                  <a:latin typeface="none"/>
-                </a:rPr>
-                <a:t>👍</a:t>
-              </a:r>
-              <a:endParaRPr lang="en-CA" sz="3200" b="1" i="0" dirty="0">
-                <a:solidFill>
-                  <a:srgbClr val="333333"/>
-                </a:solidFill>
-                <a:effectLst/>
-                <a:latin typeface="Proxima Nova Lt"/>
-              </a:endParaRPr>
-            </a:p>
-            <a:p>
-              <a:endParaRPr lang="en-US" sz="3200" dirty="0"/>
-            </a:p>
-          </p:txBody>
-        </p:sp>
-        <p:sp>
-          <p:nvSpPr>
-            <p:cNvPr id="15" name="TextBox 14">
-              <a:extLst>
-                <a:ext uri="{FF2B5EF4-FFF2-40B4-BE49-F238E27FC236}">
-                  <a16:creationId xmlns:a16="http://schemas.microsoft.com/office/drawing/2014/main" id="{26E2F9B2-818C-3558-1BDF-A448F48F3E9E}"/>
-                </a:ext>
-              </a:extLst>
-            </p:cNvPr>
-            <p:cNvSpPr txBox="1"/>
-            <p:nvPr/>
-          </p:nvSpPr>
-          <p:spPr>
-            <a:xfrm>
-              <a:off x="6245149" y="4506217"/>
-              <a:ext cx="496111" cy="1077218"/>
-            </a:xfrm>
-            <a:prstGeom prst="rect">
-              <a:avLst/>
-            </a:prstGeom>
-            <a:noFill/>
-          </p:spPr>
-          <p:txBody>
-            <a:bodyPr wrap="square" rtlCol="0">
-              <a:spAutoFit/>
-            </a:bodyPr>
-            <a:lstStyle/>
-            <a:p>
-              <a:r>
-                <a:rPr lang="en-CA" sz="3200" b="1" i="0" dirty="0">
-                  <a:solidFill>
-                    <a:srgbClr val="333333"/>
-                  </a:solidFill>
-                  <a:effectLst/>
-                  <a:latin typeface="none"/>
-                </a:rPr>
-                <a:t>👍</a:t>
-              </a:r>
-              <a:endParaRPr lang="en-CA" sz="3200" b="1" i="0" dirty="0">
-                <a:solidFill>
-                  <a:srgbClr val="333333"/>
-                </a:solidFill>
-                <a:effectLst/>
-                <a:latin typeface="Proxima Nova Lt"/>
-              </a:endParaRPr>
-            </a:p>
-            <a:p>
-              <a:endParaRPr lang="en-US" sz="3200" dirty="0"/>
-            </a:p>
-          </p:txBody>
-        </p:sp>
-        <p:sp>
-          <p:nvSpPr>
-            <p:cNvPr id="16" name="TextBox 15">
-              <a:extLst>
-                <a:ext uri="{FF2B5EF4-FFF2-40B4-BE49-F238E27FC236}">
-                  <a16:creationId xmlns:a16="http://schemas.microsoft.com/office/drawing/2014/main" id="{06AE74D7-E495-CB93-EC2B-C461823467DB}"/>
-                </a:ext>
-              </a:extLst>
-            </p:cNvPr>
-            <p:cNvSpPr txBox="1"/>
-            <p:nvPr/>
-          </p:nvSpPr>
-          <p:spPr>
-            <a:xfrm>
-              <a:off x="8147720" y="2140085"/>
-              <a:ext cx="496111" cy="1077218"/>
-            </a:xfrm>
-            <a:prstGeom prst="rect">
-              <a:avLst/>
-            </a:prstGeom>
-            <a:noFill/>
-          </p:spPr>
-          <p:txBody>
-            <a:bodyPr wrap="square" rtlCol="0">
-              <a:spAutoFit/>
-            </a:bodyPr>
-            <a:lstStyle/>
-            <a:p>
-              <a:r>
-                <a:rPr lang="en-CA" sz="3200" b="1" i="0" dirty="0">
-                  <a:solidFill>
-                    <a:srgbClr val="333333"/>
-                  </a:solidFill>
-                  <a:effectLst/>
-                  <a:latin typeface="none"/>
-                </a:rPr>
-                <a:t>👍</a:t>
-              </a:r>
-              <a:endParaRPr lang="en-CA" sz="3200" b="1" i="0" dirty="0">
-                <a:solidFill>
-                  <a:srgbClr val="333333"/>
-                </a:solidFill>
-                <a:effectLst/>
-                <a:latin typeface="Proxima Nova Lt"/>
-              </a:endParaRPr>
-            </a:p>
-            <a:p>
-              <a:endParaRPr lang="en-US" sz="3200" dirty="0"/>
-            </a:p>
-          </p:txBody>
-        </p:sp>
-        <p:sp>
-          <p:nvSpPr>
-            <p:cNvPr id="17" name="TextBox 16">
-              <a:extLst>
-                <a:ext uri="{FF2B5EF4-FFF2-40B4-BE49-F238E27FC236}">
-                  <a16:creationId xmlns:a16="http://schemas.microsoft.com/office/drawing/2014/main" id="{E25D5A55-861E-4BF0-1E28-A7D18F5EFEBE}"/>
-                </a:ext>
-              </a:extLst>
-            </p:cNvPr>
-            <p:cNvSpPr txBox="1"/>
-            <p:nvPr/>
-          </p:nvSpPr>
-          <p:spPr>
-            <a:xfrm>
-              <a:off x="8147719" y="3428999"/>
-              <a:ext cx="496111" cy="1077218"/>
-            </a:xfrm>
-            <a:prstGeom prst="rect">
-              <a:avLst/>
-            </a:prstGeom>
-            <a:noFill/>
-          </p:spPr>
-          <p:txBody>
-            <a:bodyPr wrap="square" rtlCol="0">
-              <a:spAutoFit/>
-            </a:bodyPr>
-            <a:lstStyle/>
-            <a:p>
-              <a:r>
-                <a:rPr lang="en-CA" sz="3200" b="1" i="0" dirty="0">
-                  <a:solidFill>
-                    <a:srgbClr val="333333"/>
-                  </a:solidFill>
-                  <a:effectLst/>
-                  <a:latin typeface="none"/>
-                </a:rPr>
-                <a:t>👍</a:t>
-              </a:r>
-              <a:endParaRPr lang="en-CA" sz="3200" b="1" i="0" dirty="0">
-                <a:solidFill>
-                  <a:srgbClr val="333333"/>
-                </a:solidFill>
-                <a:effectLst/>
-                <a:latin typeface="Proxima Nova Lt"/>
-              </a:endParaRPr>
-            </a:p>
-            <a:p>
-              <a:endParaRPr lang="en-US" sz="3200" dirty="0"/>
-            </a:p>
-          </p:txBody>
-        </p:sp>
-        <p:sp>
-          <p:nvSpPr>
-            <p:cNvPr id="18" name="TextBox 17">
-              <a:extLst>
-                <a:ext uri="{FF2B5EF4-FFF2-40B4-BE49-F238E27FC236}">
-                  <a16:creationId xmlns:a16="http://schemas.microsoft.com/office/drawing/2014/main" id="{1E92155B-C936-3AAA-D9B7-F15DD54578BC}"/>
-                </a:ext>
-              </a:extLst>
-            </p:cNvPr>
-            <p:cNvSpPr txBox="1"/>
-            <p:nvPr/>
-          </p:nvSpPr>
-          <p:spPr>
-            <a:xfrm>
-              <a:off x="6245142" y="5215641"/>
-              <a:ext cx="496111" cy="1077218"/>
-            </a:xfrm>
-            <a:prstGeom prst="rect">
-              <a:avLst/>
-            </a:prstGeom>
-            <a:noFill/>
-          </p:spPr>
-          <p:txBody>
-            <a:bodyPr wrap="square" rtlCol="0">
-              <a:spAutoFit/>
-            </a:bodyPr>
-            <a:lstStyle/>
-            <a:p>
-              <a:r>
-                <a:rPr lang="en-CA" sz="3200" b="1" i="0" dirty="0">
-                  <a:solidFill>
-                    <a:srgbClr val="333333"/>
-                  </a:solidFill>
-                  <a:effectLst/>
-                  <a:latin typeface="none"/>
-                </a:rPr>
-                <a:t>👍</a:t>
-              </a:r>
-              <a:endParaRPr lang="en-CA" sz="3200" b="1" i="0" dirty="0">
-                <a:solidFill>
-                  <a:srgbClr val="333333"/>
-                </a:solidFill>
-                <a:effectLst/>
-                <a:latin typeface="Proxima Nova Lt"/>
-              </a:endParaRPr>
-            </a:p>
-            <a:p>
-              <a:endParaRPr lang="en-US" sz="3200" dirty="0"/>
-            </a:p>
-          </p:txBody>
-        </p:sp>
-        <p:sp>
-          <p:nvSpPr>
-            <p:cNvPr id="19" name="TextBox 18">
-              <a:extLst>
-                <a:ext uri="{FF2B5EF4-FFF2-40B4-BE49-F238E27FC236}">
-                  <a16:creationId xmlns:a16="http://schemas.microsoft.com/office/drawing/2014/main" id="{26E2DEAE-06ED-08E5-6813-0F4B46110776}"/>
-                </a:ext>
-              </a:extLst>
-            </p:cNvPr>
-            <p:cNvSpPr txBox="1"/>
-            <p:nvPr/>
-          </p:nvSpPr>
-          <p:spPr>
-            <a:xfrm>
-              <a:off x="8147719" y="5215641"/>
-              <a:ext cx="496111" cy="1077218"/>
-            </a:xfrm>
-            <a:prstGeom prst="rect">
-              <a:avLst/>
-            </a:prstGeom>
-            <a:noFill/>
-          </p:spPr>
-          <p:txBody>
-            <a:bodyPr wrap="square" rtlCol="0">
-              <a:spAutoFit/>
-            </a:bodyPr>
-            <a:lstStyle/>
-            <a:p>
-              <a:r>
-                <a:rPr lang="en-CA" sz="3200" b="1" i="0" dirty="0">
-                  <a:solidFill>
-                    <a:srgbClr val="333333"/>
-                  </a:solidFill>
-                  <a:effectLst/>
-                  <a:latin typeface="none"/>
-                </a:rPr>
-                <a:t>👍</a:t>
-              </a:r>
-              <a:endParaRPr lang="en-CA" sz="3200" b="1" i="0" dirty="0">
-                <a:solidFill>
-                  <a:srgbClr val="333333"/>
-                </a:solidFill>
-                <a:effectLst/>
-                <a:latin typeface="Proxima Nova Lt"/>
-              </a:endParaRPr>
-            </a:p>
-            <a:p>
-              <a:endParaRPr lang="en-US" sz="3200" dirty="0"/>
-            </a:p>
-          </p:txBody>
-        </p:sp>
-        <p:sp>
-          <p:nvSpPr>
-            <p:cNvPr id="20" name="TextBox 19">
-              <a:extLst>
-                <a:ext uri="{FF2B5EF4-FFF2-40B4-BE49-F238E27FC236}">
-                  <a16:creationId xmlns:a16="http://schemas.microsoft.com/office/drawing/2014/main" id="{CD4BFF80-F4C5-72CE-3401-B932BA6BC690}"/>
-                </a:ext>
-              </a:extLst>
-            </p:cNvPr>
-            <p:cNvSpPr txBox="1"/>
-            <p:nvPr/>
-          </p:nvSpPr>
-          <p:spPr>
-            <a:xfrm>
-              <a:off x="4540392" y="6071795"/>
-              <a:ext cx="496111" cy="1077218"/>
-            </a:xfrm>
-            <a:prstGeom prst="rect">
-              <a:avLst/>
-            </a:prstGeom>
-            <a:noFill/>
-          </p:spPr>
-          <p:txBody>
-            <a:bodyPr wrap="square" rtlCol="0">
-              <a:spAutoFit/>
-            </a:bodyPr>
-            <a:lstStyle/>
-            <a:p>
-              <a:r>
-                <a:rPr lang="en-CA" sz="3200" b="1" i="0" dirty="0">
-                  <a:solidFill>
-                    <a:srgbClr val="333333"/>
-                  </a:solidFill>
-                  <a:effectLst/>
-                  <a:latin typeface="none"/>
-                </a:rPr>
-                <a:t>👍</a:t>
-              </a:r>
-              <a:endParaRPr lang="en-CA" sz="3200" b="1" i="0" dirty="0">
-                <a:solidFill>
-                  <a:srgbClr val="333333"/>
-                </a:solidFill>
-                <a:effectLst/>
-                <a:latin typeface="Proxima Nova Lt"/>
-              </a:endParaRPr>
-            </a:p>
-            <a:p>
-              <a:endParaRPr lang="en-US" sz="3200" dirty="0"/>
-            </a:p>
-          </p:txBody>
-        </p:sp>
-      </p:grpSp>
-      <p:sp>
-        <p:nvSpPr>
-          <p:cNvPr id="21" name="Left Arrow 20">
-            <a:extLst>
-              <a:ext uri="{FF2B5EF4-FFF2-40B4-BE49-F238E27FC236}">
-                <a16:creationId xmlns:a16="http://schemas.microsoft.com/office/drawing/2014/main" id="{EC556514-2B1A-E699-9788-E98F56D1053A}"/>
-              </a:ext>
-            </a:extLst>
-          </p:cNvPr>
-          <p:cNvSpPr/>
-          <p:nvPr/>
-        </p:nvSpPr>
-        <p:spPr>
-          <a:xfrm>
-            <a:off x="8014340" y="5673898"/>
-            <a:ext cx="2231694" cy="397897"/>
-          </a:xfrm>
-          <a:prstGeom prst="leftArrow">
-            <a:avLst/>
-          </a:prstGeom>
-          <a:solidFill>
-            <a:srgbClr val="FF0000"/>
-          </a:solidFill>
-        </p:spPr>
-        <p:style>
-          <a:lnRef idx="2">
-            <a:schemeClr val="accent1">
-              <a:shade val="50000"/>
-            </a:schemeClr>
-          </a:lnRef>
-          <a:fillRef idx="1">
-            <a:schemeClr val="accent1"/>
-          </a:fillRef>
-          <a:effectRef idx="0">
-            <a:schemeClr val="accent1"/>
-          </a:effectRef>
-          <a:fontRef idx="minor">
-            <a:schemeClr val="lt1"/>
-          </a:fontRef>
-        </p:style>
-        <p:txBody>
-          <a:bodyPr rtlCol="0" anchor="ctr"/>
-          <a:lstStyle/>
-          <a:p>
-            <a:pPr algn="ctr"/>
-            <a:endParaRPr lang="en-US"/>
-          </a:p>
-        </p:txBody>
-      </p:sp>
-      <p:sp>
-        <p:nvSpPr>
-          <p:cNvPr id="6" name="TextBox 5">
-            <a:extLst>
-              <a:ext uri="{FF2B5EF4-FFF2-40B4-BE49-F238E27FC236}">
-                <a16:creationId xmlns:a16="http://schemas.microsoft.com/office/drawing/2014/main" id="{06642995-119E-F796-1657-3B592DD759A0}"/>
-              </a:ext>
-            </a:extLst>
-          </p:cNvPr>
-          <p:cNvSpPr txBox="1"/>
-          <p:nvPr/>
-        </p:nvSpPr>
-        <p:spPr>
-          <a:xfrm>
-            <a:off x="379141" y="1828800"/>
-            <a:ext cx="1830650" cy="4154984"/>
-          </a:xfrm>
-          <a:prstGeom prst="rect">
-            <a:avLst/>
-          </a:prstGeom>
-          <a:noFill/>
-        </p:spPr>
-        <p:txBody>
-          <a:bodyPr wrap="square" rtlCol="0">
-            <a:spAutoFit/>
-          </a:bodyPr>
-          <a:lstStyle/>
-          <a:p>
-            <a:endParaRPr lang="en-US" sz="2400" dirty="0"/>
-          </a:p>
-          <a:p>
-            <a:r>
-              <a:rPr lang="en-US" sz="2400" dirty="0"/>
-              <a:t>atomic</a:t>
-            </a:r>
-          </a:p>
-          <a:p>
-            <a:r>
-              <a:rPr lang="en-US" sz="2400" dirty="0"/>
-              <a:t>compound</a:t>
-            </a:r>
-          </a:p>
-          <a:p>
-            <a:r>
-              <a:rPr lang="en-US" sz="2400" dirty="0"/>
-              <a:t>lists</a:t>
-            </a:r>
-          </a:p>
-          <a:p>
-            <a:r>
-              <a:rPr lang="en-US" sz="2400" dirty="0"/>
-              <a:t>trees</a:t>
-            </a:r>
-          </a:p>
-          <a:p>
-            <a:r>
-              <a:rPr lang="en-US" sz="2400" dirty="0"/>
-              <a:t>graphs</a:t>
-            </a:r>
-          </a:p>
-          <a:p>
-            <a:endParaRPr lang="en-US" sz="2400" dirty="0"/>
-          </a:p>
-          <a:p>
-            <a:endParaRPr lang="en-US" sz="2400" dirty="0"/>
-          </a:p>
-          <a:p>
-            <a:r>
-              <a:rPr lang="en-US" sz="2400" dirty="0"/>
-              <a:t>search</a:t>
-            </a:r>
-          </a:p>
-          <a:p>
-            <a:r>
-              <a:rPr lang="en-US" sz="2400" dirty="0"/>
-              <a:t>  trees</a:t>
-            </a:r>
-          </a:p>
-          <a:p>
-            <a:r>
-              <a:rPr lang="en-US" sz="2400" dirty="0"/>
-              <a:t>  graphs</a:t>
-            </a:r>
-          </a:p>
-        </p:txBody>
-      </p:sp>
-      <p:sp>
-        <p:nvSpPr>
-          <p:cNvPr id="12" name="TextBox 11">
-            <a:extLst>
-              <a:ext uri="{FF2B5EF4-FFF2-40B4-BE49-F238E27FC236}">
-                <a16:creationId xmlns:a16="http://schemas.microsoft.com/office/drawing/2014/main" id="{3464D162-7FD4-0251-2620-42EB4698C045}"/>
-              </a:ext>
-            </a:extLst>
-          </p:cNvPr>
-          <p:cNvSpPr txBox="1"/>
-          <p:nvPr/>
-        </p:nvSpPr>
-        <p:spPr>
-          <a:xfrm>
-            <a:off x="34046" y="1828800"/>
-            <a:ext cx="496111" cy="3785652"/>
-          </a:xfrm>
-          <a:prstGeom prst="rect">
-            <a:avLst/>
-          </a:prstGeom>
-          <a:noFill/>
-        </p:spPr>
-        <p:txBody>
-          <a:bodyPr wrap="square" rtlCol="0">
-            <a:spAutoFit/>
-          </a:bodyPr>
-          <a:lstStyle/>
-          <a:p>
-            <a:endParaRPr lang="en-CA" sz="2400" b="1" dirty="0">
-              <a:solidFill>
-                <a:srgbClr val="333333"/>
-              </a:solidFill>
-              <a:latin typeface="none"/>
-            </a:endParaRPr>
-          </a:p>
-          <a:p>
-            <a:r>
-              <a:rPr lang="en-CA" sz="2400" b="1" i="0" dirty="0">
-                <a:solidFill>
-                  <a:srgbClr val="333333"/>
-                </a:solidFill>
-                <a:effectLst/>
-                <a:latin typeface="none"/>
-              </a:rPr>
-              <a:t>👍</a:t>
-            </a:r>
-          </a:p>
-          <a:p>
-            <a:r>
-              <a:rPr lang="en-CA" sz="2400" b="1" i="0" dirty="0">
-                <a:solidFill>
-                  <a:srgbClr val="333333"/>
-                </a:solidFill>
-                <a:effectLst/>
-                <a:latin typeface="none"/>
-              </a:rPr>
-              <a:t>👍</a:t>
-            </a:r>
-            <a:endParaRPr lang="en-CA" sz="2400" b="1" dirty="0">
-              <a:solidFill>
-                <a:srgbClr val="333333"/>
-              </a:solidFill>
-              <a:latin typeface="none"/>
-            </a:endParaRPr>
-          </a:p>
-          <a:p>
-            <a:r>
-              <a:rPr lang="en-CA" sz="2400" b="1" i="0" dirty="0">
-                <a:solidFill>
-                  <a:srgbClr val="333333"/>
-                </a:solidFill>
-                <a:effectLst/>
-                <a:latin typeface="none"/>
-              </a:rPr>
-              <a:t>👍</a:t>
-            </a:r>
-          </a:p>
-          <a:p>
-            <a:r>
-              <a:rPr lang="en-CA" sz="2400" b="1" i="0" dirty="0">
-                <a:solidFill>
-                  <a:srgbClr val="333333"/>
-                </a:solidFill>
-                <a:effectLst/>
-                <a:latin typeface="none"/>
-              </a:rPr>
-              <a:t>👍</a:t>
-            </a:r>
-          </a:p>
-          <a:p>
-            <a:endParaRPr lang="en-CA" sz="2400" b="1" i="0" dirty="0">
-              <a:solidFill>
-                <a:srgbClr val="333333"/>
-              </a:solidFill>
-              <a:effectLst/>
-              <a:latin typeface="Proxima Nova Lt"/>
-            </a:endParaRPr>
-          </a:p>
-          <a:p>
-            <a:endParaRPr lang="en-CA" sz="2400" b="1" dirty="0">
-              <a:solidFill>
-                <a:srgbClr val="333333"/>
-              </a:solidFill>
-              <a:latin typeface="Proxima Nova Lt"/>
-            </a:endParaRPr>
-          </a:p>
-          <a:p>
-            <a:endParaRPr lang="en-CA" sz="2400" b="1" i="0" dirty="0">
-              <a:solidFill>
-                <a:srgbClr val="333333"/>
-              </a:solidFill>
-              <a:effectLst/>
-              <a:latin typeface="Proxima Nova Lt"/>
-            </a:endParaRPr>
-          </a:p>
-          <a:p>
-            <a:endParaRPr lang="en-CA" sz="2400" b="1" i="0" dirty="0">
-              <a:solidFill>
-                <a:srgbClr val="333333"/>
-              </a:solidFill>
-              <a:effectLst/>
-              <a:latin typeface="Proxima Nova Lt"/>
-            </a:endParaRPr>
-          </a:p>
-          <a:p>
-            <a:r>
-              <a:rPr lang="en-CA" sz="2400" b="1" i="0" dirty="0">
-                <a:solidFill>
-                  <a:srgbClr val="333333"/>
-                </a:solidFill>
-                <a:effectLst/>
-                <a:latin typeface="none"/>
-              </a:rPr>
-              <a:t>👍</a:t>
-            </a:r>
-            <a:endParaRPr lang="en-US" sz="2400" dirty="0"/>
-          </a:p>
-        </p:txBody>
-      </p:sp>
     </p:spTree>
     <p:extLst>
       <p:ext uri="{BB962C8B-B14F-4D97-AF65-F5344CB8AC3E}">
-        <p14:creationId xmlns:p14="http://schemas.microsoft.com/office/powerpoint/2010/main" val="2765578283"/>
+        <p14:creationId xmlns:p14="http://schemas.microsoft.com/office/powerpoint/2010/main" val="507859634"/>
       </p:ext>
     </p:extLst>
   </p:cSld>
@@ -4356,7 +3519,7 @@
           <p:cNvPr id="2" name="Title 1">
             <a:extLst>
               <a:ext uri="{FF2B5EF4-FFF2-40B4-BE49-F238E27FC236}">
-                <a16:creationId xmlns:a16="http://schemas.microsoft.com/office/drawing/2014/main" id="{0AD0C761-12F8-F740-B616-577786F38611}"/>
+                <a16:creationId xmlns:a16="http://schemas.microsoft.com/office/drawing/2014/main" id="{CD53DA19-6AFD-6018-8FFB-DC713421AEC4}"/>
               </a:ext>
             </a:extLst>
           </p:cNvPr>
@@ -4374,340 +3537,76 @@
           <a:p>
             <a:r>
               <a:rPr lang="en-US" dirty="0"/>
-              <a:t>Accumulators – 2 goals, 3 kinds</a:t>
-            </a:r>
-          </a:p>
-        </p:txBody>
-      </p:sp>
-      <p:graphicFrame>
-        <p:nvGraphicFramePr>
-          <p:cNvPr id="4" name="Table 4">
-            <a:extLst>
-              <a:ext uri="{FF2B5EF4-FFF2-40B4-BE49-F238E27FC236}">
-                <a16:creationId xmlns:a16="http://schemas.microsoft.com/office/drawing/2014/main" id="{6972E0CB-DB9E-0140-9A41-219491020D26}"/>
-              </a:ext>
-            </a:extLst>
-          </p:cNvPr>
-          <p:cNvGraphicFramePr>
-            <a:graphicFrameLocks noGrp="1"/>
-          </p:cNvGraphicFramePr>
+              <a:t>Clicker</a:t>
+            </a:r>
+          </a:p>
+        </p:txBody>
+      </p:sp>
+      <p:sp>
+        <p:nvSpPr>
+          <p:cNvPr id="3" name="Content Placeholder 2">
+            <a:extLst>
+              <a:ext uri="{FF2B5EF4-FFF2-40B4-BE49-F238E27FC236}">
+                <a16:creationId xmlns:a16="http://schemas.microsoft.com/office/drawing/2014/main" id="{66EA9D5C-4DA8-2E0F-284E-383F26844C8A}"/>
+              </a:ext>
+            </a:extLst>
+          </p:cNvPr>
+          <p:cNvSpPr>
+            <a:spLocks noGrp="1"/>
+          </p:cNvSpPr>
           <p:nvPr>
             <p:ph idx="1"/>
-            <p:extLst>
-              <p:ext uri="{D42A27DB-BD31-4B8C-83A1-F6EECF244321}">
-                <p14:modId xmlns:p14="http://schemas.microsoft.com/office/powerpoint/2010/main" val="1505626183"/>
-              </p:ext>
-            </p:extLst>
           </p:nvPr>
-        </p:nvGraphicFramePr>
-        <p:xfrm>
-          <a:off x="838200" y="1825625"/>
-          <a:ext cx="10515600" cy="4023360"/>
-        </p:xfrm>
-        <a:graphic>
-          <a:graphicData uri="http://schemas.openxmlformats.org/drawingml/2006/table">
-            <a:tbl>
-              <a:tblPr firstRow="1" bandRow="1">
-                <a:tableStyleId>{5C22544A-7EE6-4342-B048-85BDC9FD1C3A}</a:tableStyleId>
-              </a:tblPr>
-              <a:tblGrid>
-                <a:gridCol w="5257800">
-                  <a:extLst>
-                    <a:ext uri="{9D8B030D-6E8A-4147-A177-3AD203B41FA5}">
-                      <a16:colId xmlns:a16="http://schemas.microsoft.com/office/drawing/2014/main" val="1146061858"/>
-                    </a:ext>
-                  </a:extLst>
-                </a:gridCol>
-                <a:gridCol w="5257800">
-                  <a:extLst>
-                    <a:ext uri="{9D8B030D-6E8A-4147-A177-3AD203B41FA5}">
-                      <a16:colId xmlns:a16="http://schemas.microsoft.com/office/drawing/2014/main" val="92401818"/>
-                    </a:ext>
-                  </a:extLst>
-                </a:gridCol>
-              </a:tblGrid>
-              <a:tr h="370840">
-                <a:tc>
-                  <a:txBody>
-                    <a:bodyPr/>
-                    <a:lstStyle/>
-                    <a:p>
-                      <a:r>
-                        <a:rPr lang="en-US" sz="2800" dirty="0"/>
-                        <a:t>Goal</a:t>
-                      </a:r>
-                    </a:p>
-                  </a:txBody>
-                  <a:tcPr>
-                    <a:lnB w="12700" cap="flat" cmpd="sng" algn="ctr">
-                      <a:solidFill>
-                        <a:schemeClr val="tx1"/>
-                      </a:solidFill>
-                      <a:prstDash val="solid"/>
-                      <a:round/>
-                      <a:headEnd type="none" w="med" len="med"/>
-                      <a:tailEnd type="none" w="med" len="med"/>
-                    </a:lnB>
-                  </a:tcPr>
-                </a:tc>
-                <a:tc>
-                  <a:txBody>
-                    <a:bodyPr/>
-                    <a:lstStyle/>
-                    <a:p>
-                      <a:r>
-                        <a:rPr lang="en-US" sz="2800" dirty="0"/>
-                        <a:t>Kind of invariant</a:t>
-                      </a:r>
-                    </a:p>
-                  </a:txBody>
-                  <a:tcPr>
-                    <a:lnB w="12700" cap="flat" cmpd="sng" algn="ctr">
-                      <a:solidFill>
-                        <a:schemeClr val="tx1"/>
-                      </a:solidFill>
-                      <a:prstDash val="solid"/>
-                      <a:round/>
-                      <a:headEnd type="none" w="med" len="med"/>
-                      <a:tailEnd type="none" w="med" len="med"/>
-                    </a:lnB>
-                  </a:tcPr>
-                </a:tc>
-                <a:extLst>
-                  <a:ext uri="{0D108BD9-81ED-4DB2-BD59-A6C34878D82A}">
-                    <a16:rowId xmlns:a16="http://schemas.microsoft.com/office/drawing/2014/main" val="1608955753"/>
-                  </a:ext>
-                </a:extLst>
-              </a:tr>
-              <a:tr h="370840">
-                <a:tc>
-                  <a:txBody>
-                    <a:bodyPr/>
-                    <a:lstStyle/>
-                    <a:p>
-                      <a:r>
-                        <a:rPr lang="en-US" sz="2800" dirty="0"/>
-                        <a:t>Preserve context from prior recursive calls</a:t>
-                      </a:r>
-                    </a:p>
-                  </a:txBody>
-                  <a:tcPr>
-                    <a:lnL w="12700" cap="flat" cmpd="sng" algn="ctr">
-                      <a:solidFill>
-                        <a:schemeClr val="tx1"/>
-                      </a:solidFill>
-                      <a:prstDash val="solid"/>
-                      <a:round/>
-                      <a:headEnd type="none" w="med" len="med"/>
-                      <a:tailEnd type="none" w="med" len="med"/>
-                    </a:lnL>
-                    <a:lnR w="12700" cap="flat" cmpd="sng" algn="ctr">
-                      <a:solidFill>
-                        <a:schemeClr val="tx1"/>
-                      </a:solidFill>
-                      <a:prstDash val="solid"/>
-                      <a:round/>
-                      <a:headEnd type="none" w="med" len="med"/>
-                      <a:tailEnd type="none" w="med" len="med"/>
-                    </a:lnR>
-                    <a:lnT w="12700" cap="flat" cmpd="sng" algn="ctr">
-                      <a:solidFill>
-                        <a:schemeClr val="tx1"/>
-                      </a:solidFill>
-                      <a:prstDash val="solid"/>
-                      <a:round/>
-                      <a:headEnd type="none" w="med" len="med"/>
-                      <a:tailEnd type="none" w="med" len="med"/>
-                    </a:lnT>
-                    <a:lnB w="12700" cap="flat" cmpd="sng" algn="ctr">
-                      <a:solidFill>
-                        <a:schemeClr val="tx1"/>
-                      </a:solidFill>
-                      <a:prstDash val="solid"/>
-                      <a:round/>
-                      <a:headEnd type="none" w="med" len="med"/>
-                      <a:tailEnd type="none" w="med" len="med"/>
-                    </a:lnB>
-                    <a:noFill/>
-                  </a:tcPr>
-                </a:tc>
-                <a:tc rowSpan="2">
-                  <a:txBody>
-                    <a:bodyPr/>
-                    <a:lstStyle/>
-                    <a:p>
-                      <a:r>
-                        <a:rPr lang="en-US" sz="2800" dirty="0"/>
-                        <a:t>Context preserving</a:t>
-                      </a:r>
-                    </a:p>
-                    <a:p>
-                      <a:r>
-                        <a:rPr lang="en-US" sz="2800" dirty="0"/>
-                        <a:t>  parent house in same house…</a:t>
-                      </a:r>
-                    </a:p>
-                    <a:p>
-                      <a:endParaRPr lang="en-US" sz="2800" dirty="0"/>
-                    </a:p>
-                    <a:p>
-                      <a:r>
-                        <a:rPr lang="en-US" sz="2800" dirty="0"/>
-                        <a:t>Result so far</a:t>
-                      </a:r>
-                    </a:p>
-                    <a:p>
-                      <a:r>
-                        <a:rPr lang="en-US" sz="2800" dirty="0"/>
-                        <a:t>  </a:t>
-                      </a:r>
-                      <a:r>
-                        <a:rPr lang="en-US" sz="2800" dirty="0" err="1"/>
-                        <a:t>rsf</a:t>
-                      </a:r>
-                      <a:r>
-                        <a:rPr lang="en-US" sz="2800" dirty="0"/>
-                        <a:t> in sum, product</a:t>
-                      </a:r>
-                    </a:p>
-                    <a:p>
-                      <a:endParaRPr lang="en-US" sz="2800" dirty="0"/>
-                    </a:p>
-                    <a:p>
-                      <a:r>
-                        <a:rPr lang="en-US" sz="2800" dirty="0"/>
-                        <a:t>Work list</a:t>
-                      </a:r>
-                    </a:p>
-                    <a:p>
-                      <a:r>
-                        <a:rPr lang="en-US" sz="2800" dirty="0"/>
-                        <a:t>  right fringe of tree</a:t>
-                      </a:r>
-                    </a:p>
-                  </a:txBody>
-                  <a:tcPr>
-                    <a:lnL w="12700" cap="flat" cmpd="sng" algn="ctr">
-                      <a:solidFill>
-                        <a:schemeClr val="tx1"/>
-                      </a:solidFill>
-                      <a:prstDash val="solid"/>
-                      <a:round/>
-                      <a:headEnd type="none" w="med" len="med"/>
-                      <a:tailEnd type="none" w="med" len="med"/>
-                    </a:lnL>
-                    <a:lnR w="12700" cap="flat" cmpd="sng" algn="ctr">
-                      <a:solidFill>
-                        <a:schemeClr val="tx1"/>
-                      </a:solidFill>
-                      <a:prstDash val="solid"/>
-                      <a:round/>
-                      <a:headEnd type="none" w="med" len="med"/>
-                      <a:tailEnd type="none" w="med" len="med"/>
-                    </a:lnR>
-                    <a:lnT w="12700" cap="flat" cmpd="sng" algn="ctr">
-                      <a:solidFill>
-                        <a:schemeClr val="tx1"/>
-                      </a:solidFill>
-                      <a:prstDash val="solid"/>
-                      <a:round/>
-                      <a:headEnd type="none" w="med" len="med"/>
-                      <a:tailEnd type="none" w="med" len="med"/>
-                    </a:lnT>
-                    <a:lnB w="12700" cap="flat" cmpd="sng" algn="ctr">
-                      <a:solidFill>
-                        <a:schemeClr val="tx1"/>
-                      </a:solidFill>
-                      <a:prstDash val="solid"/>
-                      <a:round/>
-                      <a:headEnd type="none" w="med" len="med"/>
-                      <a:tailEnd type="none" w="med" len="med"/>
-                    </a:lnB>
-                    <a:noFill/>
-                  </a:tcPr>
-                </a:tc>
-                <a:extLst>
-                  <a:ext uri="{0D108BD9-81ED-4DB2-BD59-A6C34878D82A}">
-                    <a16:rowId xmlns:a16="http://schemas.microsoft.com/office/drawing/2014/main" val="3025458217"/>
-                  </a:ext>
-                </a:extLst>
-              </a:tr>
-              <a:tr h="370840">
-                <a:tc>
-                  <a:txBody>
-                    <a:bodyPr/>
-                    <a:lstStyle/>
-                    <a:p>
-                      <a:r>
-                        <a:rPr lang="en-US" sz="2800" dirty="0"/>
-                        <a:t>Achieve tail recursion</a:t>
-                      </a:r>
-                    </a:p>
-                  </a:txBody>
-                  <a:tcPr>
-                    <a:lnL w="12700" cap="flat" cmpd="sng" algn="ctr">
-                      <a:solidFill>
-                        <a:schemeClr val="tx1"/>
-                      </a:solidFill>
-                      <a:prstDash val="solid"/>
-                      <a:round/>
-                      <a:headEnd type="none" w="med" len="med"/>
-                      <a:tailEnd type="none" w="med" len="med"/>
-                    </a:lnL>
-                    <a:lnR w="12700" cap="flat" cmpd="sng" algn="ctr">
-                      <a:solidFill>
-                        <a:schemeClr val="tx1"/>
-                      </a:solidFill>
-                      <a:prstDash val="solid"/>
-                      <a:round/>
-                      <a:headEnd type="none" w="med" len="med"/>
-                      <a:tailEnd type="none" w="med" len="med"/>
-                    </a:lnR>
-                    <a:lnT w="12700" cap="flat" cmpd="sng" algn="ctr">
-                      <a:solidFill>
-                        <a:schemeClr val="tx1"/>
-                      </a:solidFill>
-                      <a:prstDash val="solid"/>
-                      <a:round/>
-                      <a:headEnd type="none" w="med" len="med"/>
-                      <a:tailEnd type="none" w="med" len="med"/>
-                    </a:lnT>
-                    <a:lnB w="12700" cap="flat" cmpd="sng" algn="ctr">
-                      <a:solidFill>
-                        <a:schemeClr val="tx1"/>
-                      </a:solidFill>
-                      <a:prstDash val="solid"/>
-                      <a:round/>
-                      <a:headEnd type="none" w="med" len="med"/>
-                      <a:tailEnd type="none" w="med" len="med"/>
-                    </a:lnB>
-                    <a:noFill/>
-                  </a:tcPr>
-                </a:tc>
-                <a:tc vMerge="1">
-                  <a:txBody>
-                    <a:bodyPr/>
-                    <a:lstStyle/>
-                    <a:p>
-                      <a:endParaRPr lang="en-US" dirty="0"/>
-                    </a:p>
-                  </a:txBody>
-                  <a:tcPr/>
-                </a:tc>
-                <a:extLst>
-                  <a:ext uri="{0D108BD9-81ED-4DB2-BD59-A6C34878D82A}">
-                    <a16:rowId xmlns:a16="http://schemas.microsoft.com/office/drawing/2014/main" val="3437924304"/>
-                  </a:ext>
-                </a:extLst>
-              </a:tr>
-            </a:tbl>
-          </a:graphicData>
-        </a:graphic>
-      </p:graphicFrame>
+        </p:nvSpPr>
+        <p:spPr/>
+        <p:txBody>
+          <a:bodyPr/>
+          <a:lstStyle/>
+          <a:p>
+            <a:pPr marL="0" indent="0">
+              <a:buNone/>
+            </a:pPr>
+            <a:r>
+              <a:rPr lang="en-US" dirty="0"/>
+              <a:t>I should have:</a:t>
+            </a:r>
+          </a:p>
+          <a:p>
+            <a:pPr marL="514350" indent="-514350">
+              <a:buFont typeface="+mj-lt"/>
+              <a:buAutoNum type="alphaUcPeriod"/>
+            </a:pPr>
+            <a:r>
+              <a:rPr lang="en-US" dirty="0"/>
+              <a:t>Completed fewer practice exams than I did</a:t>
+            </a:r>
+          </a:p>
+          <a:p>
+            <a:pPr marL="514350" indent="-514350">
+              <a:buFont typeface="+mj-lt"/>
+              <a:buAutoNum type="alphaUcPeriod"/>
+            </a:pPr>
+            <a:r>
+              <a:rPr lang="en-US" dirty="0"/>
+              <a:t>Completed the same number of practice exams as I did </a:t>
+            </a:r>
+          </a:p>
+          <a:p>
+            <a:pPr marL="514350" indent="-514350">
+              <a:buFont typeface="+mj-lt"/>
+              <a:buAutoNum type="alphaUcPeriod"/>
+            </a:pPr>
+            <a:r>
+              <a:rPr lang="en-US" dirty="0"/>
+              <a:t>Completed more practice exams than I did</a:t>
+            </a:r>
+          </a:p>
+        </p:txBody>
+      </p:sp>
     </p:spTree>
     <p:extLst>
       <p:ext uri="{BB962C8B-B14F-4D97-AF65-F5344CB8AC3E}">
-        <p14:creationId xmlns:p14="http://schemas.microsoft.com/office/powerpoint/2010/main" val="2660598791"/>
+        <p14:creationId xmlns:p14="http://schemas.microsoft.com/office/powerpoint/2010/main" val="2671309939"/>
       </p:ext>
     </p:extLst>
   </p:cSld>
@@ -4734,155 +3633,349 @@
           <a:chExt cx="0" cy="0"/>
         </a:xfrm>
       </p:grpSpPr>
-      <p:sp>
-        <p:nvSpPr>
-          <p:cNvPr id="2" name="Title 1">
-            <a:extLst>
-              <a:ext uri="{FF2B5EF4-FFF2-40B4-BE49-F238E27FC236}">
-                <a16:creationId xmlns:a16="http://schemas.microsoft.com/office/drawing/2014/main" id="{2D38E52A-E703-A1C3-6B56-606A95BCA989}"/>
-              </a:ext>
-            </a:extLst>
-          </p:cNvPr>
-          <p:cNvSpPr>
-            <a:spLocks noGrp="1"/>
-          </p:cNvSpPr>
-          <p:nvPr>
-            <p:ph type="title"/>
-          </p:nvPr>
-        </p:nvSpPr>
-        <p:spPr/>
-        <p:txBody>
-          <a:bodyPr/>
-          <a:lstStyle/>
-          <a:p>
-            <a:r>
-              <a:rPr lang="en-US" dirty="0"/>
-              <a:t>accumulator design recipe (</a:t>
-            </a:r>
-            <a:r>
-              <a:rPr lang="en-US" dirty="0" err="1"/>
-              <a:t>htdf</a:t>
-            </a:r>
-            <a:r>
-              <a:rPr lang="en-US" dirty="0"/>
-              <a:t> + this)</a:t>
-            </a:r>
-          </a:p>
-        </p:txBody>
-      </p:sp>
-      <p:sp>
-        <p:nvSpPr>
-          <p:cNvPr id="3" name="Content Placeholder 2">
-            <a:extLst>
-              <a:ext uri="{FF2B5EF4-FFF2-40B4-BE49-F238E27FC236}">
-                <a16:creationId xmlns:a16="http://schemas.microsoft.com/office/drawing/2014/main" id="{DB3336A1-1181-BBDA-269A-121C95A043F5}"/>
-              </a:ext>
-            </a:extLst>
-          </p:cNvPr>
-          <p:cNvSpPr>
-            <a:spLocks noGrp="1"/>
-          </p:cNvSpPr>
-          <p:nvPr>
-            <p:ph idx="1"/>
-          </p:nvPr>
-        </p:nvSpPr>
-        <p:spPr/>
-        <p:txBody>
-          <a:bodyPr>
-            <a:normAutofit fontScale="92500" lnSpcReduction="20000"/>
+      <p:pic>
+        <p:nvPicPr>
+          <p:cNvPr id="4" name="Picture 3">
+            <a:extLst>
+              <a:ext uri="{FF2B5EF4-FFF2-40B4-BE49-F238E27FC236}">
+                <a16:creationId xmlns:a16="http://schemas.microsoft.com/office/drawing/2014/main" id="{170162AF-A98B-013E-157F-3CFFD6F8C24A}"/>
+              </a:ext>
+            </a:extLst>
+          </p:cNvPr>
+          <p:cNvPicPr>
+            <a:picLocks noChangeAspect="1"/>
+          </p:cNvPicPr>
+          <p:nvPr/>
+        </p:nvPicPr>
+        <p:blipFill>
+          <a:blip r:embed="rId2"/>
+          <a:stretch>
+            <a:fillRect/>
+          </a:stretch>
+        </p:blipFill>
+        <p:spPr>
+          <a:xfrm>
+            <a:off x="2209800" y="353443"/>
+            <a:ext cx="7772400" cy="6151113"/>
+          </a:xfrm>
+          <a:prstGeom prst="rect">
+            <a:avLst/>
+          </a:prstGeom>
+        </p:spPr>
+      </p:pic>
+      <p:sp>
+        <p:nvSpPr>
+          <p:cNvPr id="21" name="Left Arrow 20">
+            <a:extLst>
+              <a:ext uri="{FF2B5EF4-FFF2-40B4-BE49-F238E27FC236}">
+                <a16:creationId xmlns:a16="http://schemas.microsoft.com/office/drawing/2014/main" id="{EC556514-2B1A-E699-9788-E98F56D1053A}"/>
+              </a:ext>
+            </a:extLst>
+          </p:cNvPr>
+          <p:cNvSpPr/>
+          <p:nvPr/>
+        </p:nvSpPr>
+        <p:spPr>
+          <a:xfrm>
+            <a:off x="8014340" y="5673898"/>
+            <a:ext cx="2231694" cy="397897"/>
+          </a:xfrm>
+          <a:prstGeom prst="leftArrow">
+            <a:avLst/>
+          </a:prstGeom>
+          <a:solidFill>
+            <a:srgbClr val="FF0000"/>
+          </a:solidFill>
+        </p:spPr>
+        <p:style>
+          <a:lnRef idx="2">
+            <a:schemeClr val="accent1">
+              <a:shade val="50000"/>
+            </a:schemeClr>
+          </a:lnRef>
+          <a:fillRef idx="1">
+            <a:schemeClr val="accent1"/>
+          </a:fillRef>
+          <a:effectRef idx="0">
+            <a:schemeClr val="accent1"/>
+          </a:effectRef>
+          <a:fontRef idx="minor">
+            <a:schemeClr val="lt1"/>
+          </a:fontRef>
+        </p:style>
+        <p:txBody>
+          <a:bodyPr rtlCol="0" anchor="ctr"/>
+          <a:lstStyle/>
+          <a:p>
+            <a:pPr algn="ctr"/>
+            <a:endParaRPr lang="en-US"/>
+          </a:p>
+        </p:txBody>
+      </p:sp>
+      <p:sp>
+        <p:nvSpPr>
+          <p:cNvPr id="6" name="TextBox 5">
+            <a:extLst>
+              <a:ext uri="{FF2B5EF4-FFF2-40B4-BE49-F238E27FC236}">
+                <a16:creationId xmlns:a16="http://schemas.microsoft.com/office/drawing/2014/main" id="{06642995-119E-F796-1657-3B592DD759A0}"/>
+              </a:ext>
+            </a:extLst>
+          </p:cNvPr>
+          <p:cNvSpPr txBox="1"/>
+          <p:nvPr/>
+        </p:nvSpPr>
+        <p:spPr>
+          <a:xfrm>
+            <a:off x="379141" y="1828800"/>
+            <a:ext cx="1830650" cy="4154984"/>
+          </a:xfrm>
+          <a:prstGeom prst="rect">
+            <a:avLst/>
+          </a:prstGeom>
+          <a:noFill/>
+        </p:spPr>
+        <p:txBody>
+          <a:bodyPr wrap="square" rtlCol="0">
+            <a:spAutoFit/>
           </a:bodyPr>
           <a:lstStyle/>
           <a:p>
-            <a:r>
-              <a:rPr lang="en-US" dirty="0"/>
-              <a:t>templating:</a:t>
-            </a:r>
-          </a:p>
-          <a:p>
-            <a:pPr lvl="1"/>
-            <a:r>
-              <a:rPr lang="en-US" dirty="0"/>
-              <a:t>recursive template wrapped in local and top-level function</a:t>
-            </a:r>
-          </a:p>
-          <a:p>
-            <a:pPr lvl="1"/>
-            <a:r>
-              <a:rPr lang="en-US" dirty="0"/>
-              <a:t>add acc(</a:t>
-            </a:r>
-            <a:r>
-              <a:rPr lang="en-US" dirty="0" err="1"/>
-              <a:t>umulator</a:t>
-            </a:r>
-            <a:r>
-              <a:rPr lang="en-US" dirty="0"/>
-              <a:t>) parameter to inner function</a:t>
-            </a:r>
-          </a:p>
-          <a:p>
-            <a:pPr lvl="2"/>
-            <a:r>
-              <a:rPr lang="en-US" dirty="0"/>
-              <a:t>add acc after all …</a:t>
-            </a:r>
-          </a:p>
-          <a:p>
-            <a:pPr lvl="2"/>
-            <a:r>
-              <a:rPr lang="en-US" dirty="0"/>
-              <a:t>add (… acc) in recursive call</a:t>
-            </a:r>
-          </a:p>
-          <a:p>
-            <a:pPr lvl="2"/>
-            <a:r>
-              <a:rPr lang="en-US" dirty="0"/>
-              <a:t>add … in trampoline</a:t>
-            </a:r>
-          </a:p>
-          <a:p>
-            <a:r>
-              <a:rPr lang="en-US" dirty="0"/>
-              <a:t>work out example progression of recursive calls</a:t>
-            </a:r>
-          </a:p>
-          <a:p>
-            <a:r>
-              <a:rPr lang="en-US" dirty="0"/>
-              <a:t>wish for what the accumulator should be at the end</a:t>
-            </a:r>
-          </a:p>
-          <a:p>
-            <a:r>
-              <a:rPr lang="en-US" dirty="0"/>
-              <a:t>work backward through progression to get accumulator at each step</a:t>
-            </a:r>
-          </a:p>
-          <a:p>
-            <a:r>
-              <a:rPr lang="en-US" dirty="0"/>
-              <a:t>design type and invariant (</a:t>
-            </a:r>
-            <a:r>
-              <a:rPr lang="en-US" u="sng" dirty="0"/>
-              <a:t>may</a:t>
-            </a:r>
-            <a:r>
-              <a:rPr lang="en-US" dirty="0"/>
-              <a:t> need a new data definition)</a:t>
-            </a:r>
-          </a:p>
-          <a:p>
-            <a:r>
-              <a:rPr lang="en-US" dirty="0"/>
-              <a:t>initialize invariant, preserve invariant, exploit invariant</a:t>
-            </a:r>
-          </a:p>
-          <a:p>
-            <a:r>
-              <a:rPr lang="en-US" dirty="0"/>
-              <a:t>test and debug</a:t>
+            <a:endParaRPr lang="en-US" sz="2400" dirty="0"/>
+          </a:p>
+          <a:p>
+            <a:r>
+              <a:rPr lang="en-US" sz="2400" dirty="0"/>
+              <a:t>atomic</a:t>
+            </a:r>
+          </a:p>
+          <a:p>
+            <a:r>
+              <a:rPr lang="en-US" sz="2400" dirty="0"/>
+              <a:t>compound</a:t>
+            </a:r>
+          </a:p>
+          <a:p>
+            <a:r>
+              <a:rPr lang="en-US" sz="2400" dirty="0"/>
+              <a:t>lists</a:t>
+            </a:r>
+          </a:p>
+          <a:p>
+            <a:r>
+              <a:rPr lang="en-US" sz="2400" dirty="0"/>
+              <a:t>trees</a:t>
+            </a:r>
+          </a:p>
+          <a:p>
+            <a:r>
+              <a:rPr lang="en-US" sz="2400" dirty="0"/>
+              <a:t>graphs</a:t>
+            </a:r>
+          </a:p>
+          <a:p>
+            <a:endParaRPr lang="en-US" sz="2400" dirty="0"/>
+          </a:p>
+          <a:p>
+            <a:endParaRPr lang="en-US" sz="2400" dirty="0"/>
+          </a:p>
+          <a:p>
+            <a:r>
+              <a:rPr lang="en-US" sz="2400" dirty="0"/>
+              <a:t>search</a:t>
+            </a:r>
+          </a:p>
+          <a:p>
+            <a:r>
+              <a:rPr lang="en-US" sz="2400" dirty="0"/>
+              <a:t>  trees</a:t>
+            </a:r>
+          </a:p>
+          <a:p>
+            <a:r>
+              <a:rPr lang="en-US" sz="2400" dirty="0"/>
+              <a:t>  graphs</a:t>
+            </a:r>
+          </a:p>
+        </p:txBody>
+      </p:sp>
+      <p:sp>
+        <p:nvSpPr>
+          <p:cNvPr id="3" name="TextBox 2">
+            <a:extLst>
+              <a:ext uri="{FF2B5EF4-FFF2-40B4-BE49-F238E27FC236}">
+                <a16:creationId xmlns:a16="http://schemas.microsoft.com/office/drawing/2014/main" id="{FFA7EEC2-A2EB-8B94-47E4-B1A196941A9C}"/>
+              </a:ext>
+            </a:extLst>
+          </p:cNvPr>
+          <p:cNvSpPr txBox="1"/>
+          <p:nvPr/>
+        </p:nvSpPr>
+        <p:spPr>
+          <a:xfrm>
+            <a:off x="10273331" y="5673898"/>
+            <a:ext cx="1690389" cy="461665"/>
+          </a:xfrm>
+          <a:prstGeom prst="rect">
+            <a:avLst/>
+          </a:prstGeom>
+          <a:noFill/>
+        </p:spPr>
+        <p:txBody>
+          <a:bodyPr wrap="square" rtlCol="0">
+            <a:spAutoFit/>
+          </a:bodyPr>
+          <a:lstStyle/>
+          <a:p>
+            <a:r>
+              <a:rPr lang="en-US" sz="2400" dirty="0">
+                <a:solidFill>
+                  <a:srgbClr val="FF0000"/>
+                </a:solidFill>
+              </a:rPr>
+              <a:t>L18 L19 L20</a:t>
+            </a:r>
+          </a:p>
+        </p:txBody>
+      </p:sp>
+      <p:sp>
+        <p:nvSpPr>
+          <p:cNvPr id="5" name="Left Arrow 4">
+            <a:extLst>
+              <a:ext uri="{FF2B5EF4-FFF2-40B4-BE49-F238E27FC236}">
+                <a16:creationId xmlns:a16="http://schemas.microsoft.com/office/drawing/2014/main" id="{DA695BEC-6ECA-7B93-013B-319E20364B91}"/>
+              </a:ext>
+            </a:extLst>
+          </p:cNvPr>
+          <p:cNvSpPr/>
+          <p:nvPr/>
+        </p:nvSpPr>
+        <p:spPr>
+          <a:xfrm rot="2367113">
+            <a:off x="1064152" y="4534702"/>
+            <a:ext cx="2231694" cy="397897"/>
+          </a:xfrm>
+          <a:prstGeom prst="leftArrow">
+            <a:avLst>
+              <a:gd name="adj1" fmla="val 43789"/>
+              <a:gd name="adj2" fmla="val 65528"/>
+            </a:avLst>
+          </a:prstGeom>
+          <a:solidFill>
+            <a:srgbClr val="FF0000"/>
+          </a:solidFill>
+        </p:spPr>
+        <p:style>
+          <a:lnRef idx="2">
+            <a:schemeClr val="accent1">
+              <a:shade val="50000"/>
+            </a:schemeClr>
+          </a:lnRef>
+          <a:fillRef idx="1">
+            <a:schemeClr val="accent1"/>
+          </a:fillRef>
+          <a:effectRef idx="0">
+            <a:schemeClr val="accent1"/>
+          </a:effectRef>
+          <a:fontRef idx="minor">
+            <a:schemeClr val="lt1"/>
+          </a:fontRef>
+        </p:style>
+        <p:txBody>
+          <a:bodyPr rtlCol="0" anchor="ctr"/>
+          <a:lstStyle/>
+          <a:p>
+            <a:pPr algn="ctr"/>
+            <a:endParaRPr lang="en-US"/>
+          </a:p>
+        </p:txBody>
+      </p:sp>
+      <p:sp>
+        <p:nvSpPr>
+          <p:cNvPr id="22" name="Left Arrow 21">
+            <a:extLst>
+              <a:ext uri="{FF2B5EF4-FFF2-40B4-BE49-F238E27FC236}">
+                <a16:creationId xmlns:a16="http://schemas.microsoft.com/office/drawing/2014/main" id="{B6BCE122-33A0-4512-CF6A-3E1BF3B6DED0}"/>
+              </a:ext>
+            </a:extLst>
+          </p:cNvPr>
+          <p:cNvSpPr/>
+          <p:nvPr/>
+        </p:nvSpPr>
+        <p:spPr>
+          <a:xfrm>
+            <a:off x="1545096" y="5555301"/>
+            <a:ext cx="1326508" cy="397897"/>
+          </a:xfrm>
+          <a:prstGeom prst="leftArrow">
+            <a:avLst>
+              <a:gd name="adj1" fmla="val 43789"/>
+              <a:gd name="adj2" fmla="val 65528"/>
+            </a:avLst>
+          </a:prstGeom>
+          <a:solidFill>
+            <a:srgbClr val="FF0000"/>
+          </a:solidFill>
+        </p:spPr>
+        <p:style>
+          <a:lnRef idx="2">
+            <a:schemeClr val="accent1">
+              <a:shade val="50000"/>
+            </a:schemeClr>
+          </a:lnRef>
+          <a:fillRef idx="1">
+            <a:schemeClr val="accent1"/>
+          </a:fillRef>
+          <a:effectRef idx="0">
+            <a:schemeClr val="accent1"/>
+          </a:effectRef>
+          <a:fontRef idx="minor">
+            <a:schemeClr val="lt1"/>
+          </a:fontRef>
+        </p:style>
+        <p:txBody>
+          <a:bodyPr rtlCol="0" anchor="ctr"/>
+          <a:lstStyle/>
+          <a:p>
+            <a:pPr algn="ctr"/>
+            <a:endParaRPr lang="en-US"/>
+          </a:p>
+        </p:txBody>
+      </p:sp>
+      <p:sp>
+        <p:nvSpPr>
+          <p:cNvPr id="23" name="TextBox 22">
+            <a:extLst>
+              <a:ext uri="{FF2B5EF4-FFF2-40B4-BE49-F238E27FC236}">
+                <a16:creationId xmlns:a16="http://schemas.microsoft.com/office/drawing/2014/main" id="{38222A83-FE93-55F5-618E-28087D432B86}"/>
+              </a:ext>
+            </a:extLst>
+          </p:cNvPr>
+          <p:cNvSpPr txBox="1"/>
+          <p:nvPr/>
+        </p:nvSpPr>
+        <p:spPr>
+          <a:xfrm>
+            <a:off x="2886477" y="5569583"/>
+            <a:ext cx="1690389" cy="461665"/>
+          </a:xfrm>
+          <a:prstGeom prst="rect">
+            <a:avLst/>
+          </a:prstGeom>
+          <a:noFill/>
+        </p:spPr>
+        <p:txBody>
+          <a:bodyPr wrap="square" rtlCol="0">
+            <a:spAutoFit/>
+          </a:bodyPr>
+          <a:lstStyle/>
+          <a:p>
+            <a:r>
+              <a:rPr lang="en-US" sz="2400" dirty="0">
+                <a:solidFill>
+                  <a:srgbClr val="FF0000"/>
+                </a:solidFill>
+              </a:rPr>
+              <a:t>L20 L21 L22</a:t>
             </a:r>
           </a:p>
         </p:txBody>
@@ -4890,7 +3983,7 @@
     </p:spTree>
     <p:extLst>
       <p:ext uri="{BB962C8B-B14F-4D97-AF65-F5344CB8AC3E}">
-        <p14:creationId xmlns:p14="http://schemas.microsoft.com/office/powerpoint/2010/main" val="1660299820"/>
+        <p14:creationId xmlns:p14="http://schemas.microsoft.com/office/powerpoint/2010/main" val="2765578283"/>
       </p:ext>
     </p:extLst>
   </p:cSld>
@@ -4917,40 +4010,231 @@
           <a:chExt cx="0" cy="0"/>
         </a:xfrm>
       </p:grpSpPr>
-      <p:pic>
-        <p:nvPicPr>
-          <p:cNvPr id="2" name="Picture 1">
-            <a:extLst>
-              <a:ext uri="{FF2B5EF4-FFF2-40B4-BE49-F238E27FC236}">
-                <a16:creationId xmlns:a16="http://schemas.microsoft.com/office/drawing/2014/main" id="{9F50E298-F676-BD2E-1096-DABA5361B7AF}"/>
-              </a:ext>
-            </a:extLst>
-          </p:cNvPr>
-          <p:cNvPicPr>
-            <a:picLocks noChangeAspect="1"/>
-          </p:cNvPicPr>
+      <p:sp>
+        <p:nvSpPr>
+          <p:cNvPr id="2" name="Title 1">
+            <a:extLst>
+              <a:ext uri="{FF2B5EF4-FFF2-40B4-BE49-F238E27FC236}">
+                <a16:creationId xmlns:a16="http://schemas.microsoft.com/office/drawing/2014/main" id="{0AD0C761-12F8-F740-B616-577786F38611}"/>
+              </a:ext>
+            </a:extLst>
+          </p:cNvPr>
+          <p:cNvSpPr>
+            <a:spLocks noGrp="1"/>
+          </p:cNvSpPr>
+          <p:nvPr>
+            <p:ph type="title"/>
+          </p:nvPr>
+        </p:nvSpPr>
+        <p:spPr/>
+        <p:txBody>
+          <a:bodyPr/>
+          <a:lstStyle/>
+          <a:p>
+            <a:r>
+              <a:rPr lang="en-US" dirty="0"/>
+              <a:t>Accumulators</a:t>
+            </a:r>
+          </a:p>
+        </p:txBody>
+      </p:sp>
+      <p:sp>
+        <p:nvSpPr>
+          <p:cNvPr id="5" name="Content Placeholder 4">
+            <a:extLst>
+              <a:ext uri="{FF2B5EF4-FFF2-40B4-BE49-F238E27FC236}">
+                <a16:creationId xmlns:a16="http://schemas.microsoft.com/office/drawing/2014/main" id="{45FF338C-00AF-DC80-BFF7-97666471C784}"/>
+              </a:ext>
+            </a:extLst>
+          </p:cNvPr>
+          <p:cNvSpPr>
+            <a:spLocks noGrp="1"/>
+          </p:cNvSpPr>
+          <p:nvPr>
+            <p:ph idx="1"/>
+          </p:nvPr>
+        </p:nvSpPr>
+        <p:spPr/>
+        <p:txBody>
+          <a:bodyPr/>
+          <a:lstStyle/>
+          <a:p>
+            <a:r>
+              <a:rPr lang="en-US" dirty="0"/>
+              <a:t>accumulate information from prior recursive calls</a:t>
+            </a:r>
+          </a:p>
+          <a:p>
+            <a:r>
+              <a:rPr lang="en-US" dirty="0"/>
+              <a:t>three categories</a:t>
+            </a:r>
+          </a:p>
+          <a:p>
+            <a:pPr lvl="1"/>
+            <a:r>
+              <a:rPr lang="en-US" dirty="0"/>
+              <a:t>preserve context from prior recursive calls</a:t>
+            </a:r>
+          </a:p>
+          <a:p>
+            <a:pPr lvl="1"/>
+            <a:r>
+              <a:rPr lang="en-US" dirty="0"/>
+              <a:t>result so far</a:t>
+            </a:r>
+          </a:p>
+          <a:p>
+            <a:pPr lvl="1"/>
+            <a:endParaRPr lang="en-US" dirty="0"/>
+          </a:p>
+          <a:p>
+            <a:pPr lvl="1"/>
+            <a:endParaRPr lang="en-US" dirty="0"/>
+          </a:p>
+          <a:p>
+            <a:pPr lvl="1"/>
+            <a:r>
+              <a:rPr lang="en-US" dirty="0"/>
+              <a:t>worklist</a:t>
+            </a:r>
+          </a:p>
+        </p:txBody>
+      </p:sp>
+      <p:sp>
+        <p:nvSpPr>
+          <p:cNvPr id="6" name="Rectangle 5">
+            <a:extLst>
+              <a:ext uri="{FF2B5EF4-FFF2-40B4-BE49-F238E27FC236}">
+                <a16:creationId xmlns:a16="http://schemas.microsoft.com/office/drawing/2014/main" id="{23E91D9E-5951-8CAD-36DC-D5942D089756}"/>
+              </a:ext>
+            </a:extLst>
+          </p:cNvPr>
+          <p:cNvSpPr/>
           <p:nvPr/>
-        </p:nvPicPr>
-        <p:blipFill>
-          <a:blip r:embed="rId2"/>
-          <a:stretch>
-            <a:fillRect/>
-          </a:stretch>
-        </p:blipFill>
-        <p:spPr>
-          <a:xfrm>
-            <a:off x="2209800" y="962069"/>
-            <a:ext cx="7772400" cy="4933862"/>
+        </p:nvSpPr>
+        <p:spPr>
+          <a:xfrm>
+            <a:off x="1186774" y="2811294"/>
+            <a:ext cx="6439711" cy="749029"/>
           </a:xfrm>
           <a:prstGeom prst="rect">
             <a:avLst/>
           </a:prstGeom>
-        </p:spPr>
-      </p:pic>
+          <a:noFill/>
+          <a:ln w="34925">
+            <a:solidFill>
+              <a:srgbClr val="FF0000"/>
+            </a:solidFill>
+          </a:ln>
+        </p:spPr>
+        <p:style>
+          <a:lnRef idx="2">
+            <a:schemeClr val="accent1">
+              <a:shade val="15000"/>
+            </a:schemeClr>
+          </a:lnRef>
+          <a:fillRef idx="1">
+            <a:schemeClr val="accent1"/>
+          </a:fillRef>
+          <a:effectRef idx="0">
+            <a:schemeClr val="accent1"/>
+          </a:effectRef>
+          <a:fontRef idx="minor">
+            <a:schemeClr val="lt1"/>
+          </a:fontRef>
+        </p:style>
+        <p:txBody>
+          <a:bodyPr rtlCol="0" anchor="ctr"/>
+          <a:lstStyle/>
+          <a:p>
+            <a:pPr algn="ctr"/>
+            <a:endParaRPr lang="en-US"/>
+          </a:p>
+        </p:txBody>
+      </p:sp>
+      <p:sp>
+        <p:nvSpPr>
+          <p:cNvPr id="7" name="TextBox 6">
+            <a:extLst>
+              <a:ext uri="{FF2B5EF4-FFF2-40B4-BE49-F238E27FC236}">
+                <a16:creationId xmlns:a16="http://schemas.microsoft.com/office/drawing/2014/main" id="{1D1283DB-B29F-810F-E004-C646B511D30D}"/>
+              </a:ext>
+            </a:extLst>
+          </p:cNvPr>
+          <p:cNvSpPr txBox="1"/>
+          <p:nvPr/>
+        </p:nvSpPr>
+        <p:spPr>
+          <a:xfrm>
+            <a:off x="7902299" y="2905780"/>
+            <a:ext cx="3175687" cy="523220"/>
+          </a:xfrm>
+          <a:prstGeom prst="rect">
+            <a:avLst/>
+          </a:prstGeom>
+          <a:noFill/>
+        </p:spPr>
+        <p:txBody>
+          <a:bodyPr wrap="square" rtlCol="0">
+            <a:spAutoFit/>
+          </a:bodyPr>
+          <a:lstStyle/>
+          <a:p>
+            <a:r>
+              <a:rPr lang="en-US" sz="2800" dirty="0">
+                <a:solidFill>
+                  <a:srgbClr val="FF0000"/>
+                </a:solidFill>
+              </a:rPr>
+              <a:t>these overlap some</a:t>
+            </a:r>
+          </a:p>
+        </p:txBody>
+      </p:sp>
+      <p:sp>
+        <p:nvSpPr>
+          <p:cNvPr id="8" name="TextBox 7">
+            <a:extLst>
+              <a:ext uri="{FF2B5EF4-FFF2-40B4-BE49-F238E27FC236}">
+                <a16:creationId xmlns:a16="http://schemas.microsoft.com/office/drawing/2014/main" id="{D20C71CE-0DB1-F9B9-F0E5-E27D8FA0920F}"/>
+              </a:ext>
+            </a:extLst>
+          </p:cNvPr>
+          <p:cNvSpPr txBox="1"/>
+          <p:nvPr/>
+        </p:nvSpPr>
+        <p:spPr>
+          <a:xfrm>
+            <a:off x="2920313" y="4284382"/>
+            <a:ext cx="3175687" cy="523220"/>
+          </a:xfrm>
+          <a:prstGeom prst="rect">
+            <a:avLst/>
+          </a:prstGeom>
+          <a:noFill/>
+        </p:spPr>
+        <p:txBody>
+          <a:bodyPr wrap="square" rtlCol="0">
+            <a:spAutoFit/>
+          </a:bodyPr>
+          <a:lstStyle/>
+          <a:p>
+            <a:r>
+              <a:rPr lang="en-US" sz="2800" dirty="0">
+                <a:solidFill>
+                  <a:srgbClr val="FF0000"/>
+                </a:solidFill>
+              </a:rPr>
+              <a:t>next lecture</a:t>
+            </a:r>
+          </a:p>
+        </p:txBody>
+      </p:sp>
     </p:spTree>
     <p:extLst>
       <p:ext uri="{BB962C8B-B14F-4D97-AF65-F5344CB8AC3E}">
-        <p14:creationId xmlns:p14="http://schemas.microsoft.com/office/powerpoint/2010/main" val="3099252108"/>
+        <p14:creationId xmlns:p14="http://schemas.microsoft.com/office/powerpoint/2010/main" val="3048761920"/>
       </p:ext>
     </p:extLst>
   </p:cSld>
@@ -4979,697 +4263,161 @@
       </p:grpSpPr>
       <p:sp>
         <p:nvSpPr>
-          <p:cNvPr id="4" name="TextBox 3">
-            <a:extLst>
-              <a:ext uri="{FF2B5EF4-FFF2-40B4-BE49-F238E27FC236}">
-                <a16:creationId xmlns:a16="http://schemas.microsoft.com/office/drawing/2014/main" id="{1B8634E9-EDF6-AA44-9D39-BF81C76C9473}"/>
-              </a:ext>
-            </a:extLst>
-          </p:cNvPr>
-          <p:cNvSpPr txBox="1"/>
-          <p:nvPr/>
-        </p:nvSpPr>
-        <p:spPr>
-          <a:xfrm>
-            <a:off x="5710586" y="580735"/>
-            <a:ext cx="903111" cy="461665"/>
-          </a:xfrm>
-          <a:prstGeom prst="rect">
-            <a:avLst/>
-          </a:prstGeom>
-          <a:noFill/>
-          <a:ln>
-            <a:solidFill>
-              <a:schemeClr val="tx1"/>
-            </a:solidFill>
-          </a:ln>
-        </p:spPr>
-        <p:txBody>
-          <a:bodyPr wrap="square" rtlCol="0">
-            <a:spAutoFit/>
+          <p:cNvPr id="2" name="Title 1">
+            <a:extLst>
+              <a:ext uri="{FF2B5EF4-FFF2-40B4-BE49-F238E27FC236}">
+                <a16:creationId xmlns:a16="http://schemas.microsoft.com/office/drawing/2014/main" id="{2D38E52A-E703-A1C3-6B56-606A95BCA989}"/>
+              </a:ext>
+            </a:extLst>
+          </p:cNvPr>
+          <p:cNvSpPr>
+            <a:spLocks noGrp="1"/>
+          </p:cNvSpPr>
+          <p:nvPr>
+            <p:ph type="title"/>
+          </p:nvPr>
+        </p:nvSpPr>
+        <p:spPr/>
+        <p:txBody>
+          <a:bodyPr/>
+          <a:lstStyle/>
+          <a:p>
+            <a:r>
+              <a:rPr lang="en-US" dirty="0"/>
+              <a:t>accumulator design recipe (</a:t>
+            </a:r>
+            <a:r>
+              <a:rPr lang="en-US" dirty="0" err="1"/>
+              <a:t>htdf</a:t>
+            </a:r>
+            <a:r>
+              <a:rPr lang="en-US" dirty="0"/>
+              <a:t> + this)</a:t>
+            </a:r>
+          </a:p>
+        </p:txBody>
+      </p:sp>
+      <p:sp>
+        <p:nvSpPr>
+          <p:cNvPr id="3" name="Content Placeholder 2">
+            <a:extLst>
+              <a:ext uri="{FF2B5EF4-FFF2-40B4-BE49-F238E27FC236}">
+                <a16:creationId xmlns:a16="http://schemas.microsoft.com/office/drawing/2014/main" id="{DB3336A1-1181-BBDA-269A-121C95A043F5}"/>
+              </a:ext>
+            </a:extLst>
+          </p:cNvPr>
+          <p:cNvSpPr>
+            <a:spLocks noGrp="1"/>
+          </p:cNvSpPr>
+          <p:nvPr>
+            <p:ph idx="1"/>
+          </p:nvPr>
+        </p:nvSpPr>
+        <p:spPr/>
+        <p:txBody>
+          <a:bodyPr>
+            <a:normAutofit fontScale="92500" lnSpcReduction="20000"/>
           </a:bodyPr>
           <a:lstStyle/>
           <a:p>
-            <a:pPr algn="ctr"/>
-            <a:r>
-              <a:rPr lang="en-US" sz="2400" dirty="0"/>
-              <a:t>100</a:t>
-            </a:r>
-          </a:p>
-        </p:txBody>
-      </p:sp>
-      <p:sp>
-        <p:nvSpPr>
-          <p:cNvPr id="5" name="TextBox 4">
-            <a:extLst>
-              <a:ext uri="{FF2B5EF4-FFF2-40B4-BE49-F238E27FC236}">
-                <a16:creationId xmlns:a16="http://schemas.microsoft.com/office/drawing/2014/main" id="{62685299-1BC5-2E4D-8A7F-BC437DC253F6}"/>
-              </a:ext>
-            </a:extLst>
-          </p:cNvPr>
-          <p:cNvSpPr txBox="1"/>
-          <p:nvPr/>
-        </p:nvSpPr>
-        <p:spPr>
-          <a:xfrm>
-            <a:off x="2753060" y="1881579"/>
-            <a:ext cx="903111" cy="461665"/>
-          </a:xfrm>
-          <a:prstGeom prst="rect">
-            <a:avLst/>
-          </a:prstGeom>
-          <a:noFill/>
-          <a:ln>
-            <a:solidFill>
-              <a:schemeClr val="tx1"/>
-            </a:solidFill>
-          </a:ln>
-        </p:spPr>
-        <p:txBody>
-          <a:bodyPr wrap="square" rtlCol="0">
-            <a:spAutoFit/>
-          </a:bodyPr>
-          <a:lstStyle/>
-          <a:p>
-            <a:pPr algn="ctr"/>
-            <a:r>
-              <a:rPr lang="en-US" sz="2400" dirty="0"/>
-              <a:t>50</a:t>
-            </a:r>
-          </a:p>
-        </p:txBody>
-      </p:sp>
-      <p:sp>
-        <p:nvSpPr>
-          <p:cNvPr id="6" name="TextBox 5">
-            <a:extLst>
-              <a:ext uri="{FF2B5EF4-FFF2-40B4-BE49-F238E27FC236}">
-                <a16:creationId xmlns:a16="http://schemas.microsoft.com/office/drawing/2014/main" id="{EB59CB55-E64C-D04A-8293-538578586641}"/>
-              </a:ext>
-            </a:extLst>
-          </p:cNvPr>
-          <p:cNvSpPr txBox="1"/>
-          <p:nvPr/>
-        </p:nvSpPr>
-        <p:spPr>
-          <a:xfrm>
-            <a:off x="6933825" y="1879656"/>
-            <a:ext cx="1286933" cy="461665"/>
-          </a:xfrm>
-          <a:prstGeom prst="rect">
-            <a:avLst/>
-          </a:prstGeom>
-          <a:noFill/>
-          <a:ln>
-            <a:solidFill>
-              <a:schemeClr val="tx1"/>
-            </a:solidFill>
-          </a:ln>
-        </p:spPr>
-        <p:txBody>
-          <a:bodyPr wrap="square" rtlCol="0">
-            <a:spAutoFit/>
-          </a:bodyPr>
-          <a:lstStyle/>
-          <a:p>
-            <a:pPr algn="ctr"/>
-            <a:r>
-              <a:rPr lang="en-US" sz="2400" dirty="0"/>
-              <a:t>200</a:t>
-            </a:r>
-          </a:p>
-        </p:txBody>
-      </p:sp>
-      <p:sp>
-        <p:nvSpPr>
-          <p:cNvPr id="7" name="TextBox 6">
-            <a:extLst>
-              <a:ext uri="{FF2B5EF4-FFF2-40B4-BE49-F238E27FC236}">
-                <a16:creationId xmlns:a16="http://schemas.microsoft.com/office/drawing/2014/main" id="{79561617-195C-B147-8D93-DDFF3B980B4A}"/>
-              </a:ext>
-            </a:extLst>
-          </p:cNvPr>
-          <p:cNvSpPr txBox="1"/>
-          <p:nvPr/>
-        </p:nvSpPr>
-        <p:spPr>
-          <a:xfrm>
-            <a:off x="1777087" y="3231920"/>
-            <a:ext cx="582679" cy="461665"/>
-          </a:xfrm>
-          <a:prstGeom prst="rect">
-            <a:avLst/>
-          </a:prstGeom>
-          <a:noFill/>
-          <a:ln>
-            <a:solidFill>
-              <a:schemeClr val="tx1"/>
-            </a:solidFill>
-          </a:ln>
-        </p:spPr>
-        <p:txBody>
-          <a:bodyPr wrap="square" rtlCol="0">
-            <a:spAutoFit/>
-          </a:bodyPr>
-          <a:lstStyle/>
-          <a:p>
-            <a:pPr algn="ctr"/>
-            <a:r>
-              <a:rPr lang="en-US" sz="2400" dirty="0"/>
-              <a:t>25</a:t>
-            </a:r>
-          </a:p>
-        </p:txBody>
-      </p:sp>
-      <p:sp>
-        <p:nvSpPr>
-          <p:cNvPr id="8" name="TextBox 7">
-            <a:extLst>
-              <a:ext uri="{FF2B5EF4-FFF2-40B4-BE49-F238E27FC236}">
-                <a16:creationId xmlns:a16="http://schemas.microsoft.com/office/drawing/2014/main" id="{A706F2DE-16BE-BC47-8F7F-7D4CF7D7FC1B}"/>
-              </a:ext>
-            </a:extLst>
-          </p:cNvPr>
-          <p:cNvSpPr txBox="1"/>
-          <p:nvPr/>
-        </p:nvSpPr>
-        <p:spPr>
-          <a:xfrm>
-            <a:off x="4322539" y="3226480"/>
-            <a:ext cx="567330" cy="461665"/>
-          </a:xfrm>
-          <a:prstGeom prst="rect">
-            <a:avLst/>
-          </a:prstGeom>
-          <a:noFill/>
-          <a:ln>
-            <a:solidFill>
-              <a:schemeClr val="tx1"/>
-            </a:solidFill>
-          </a:ln>
-        </p:spPr>
-        <p:txBody>
-          <a:bodyPr wrap="square" rtlCol="0">
-            <a:spAutoFit/>
-          </a:bodyPr>
-          <a:lstStyle/>
-          <a:p>
-            <a:pPr algn="ctr"/>
-            <a:r>
-              <a:rPr lang="en-US" sz="2400" dirty="0"/>
-              <a:t>75</a:t>
-            </a:r>
-          </a:p>
-        </p:txBody>
-      </p:sp>
-      <p:sp>
-        <p:nvSpPr>
-          <p:cNvPr id="9" name="TextBox 8">
-            <a:extLst>
-              <a:ext uri="{FF2B5EF4-FFF2-40B4-BE49-F238E27FC236}">
-                <a16:creationId xmlns:a16="http://schemas.microsoft.com/office/drawing/2014/main" id="{7DE297A2-F7F1-2443-92E5-467DF4AF61D6}"/>
-              </a:ext>
-            </a:extLst>
-          </p:cNvPr>
-          <p:cNvSpPr txBox="1"/>
-          <p:nvPr/>
-        </p:nvSpPr>
-        <p:spPr>
-          <a:xfrm>
-            <a:off x="906290" y="4966603"/>
-            <a:ext cx="493644" cy="461665"/>
-          </a:xfrm>
-          <a:prstGeom prst="rect">
-            <a:avLst/>
-          </a:prstGeom>
-          <a:noFill/>
-          <a:ln>
-            <a:solidFill>
-              <a:schemeClr val="tx1"/>
-            </a:solidFill>
-          </a:ln>
-        </p:spPr>
-        <p:txBody>
-          <a:bodyPr wrap="square" rtlCol="0">
-            <a:spAutoFit/>
-          </a:bodyPr>
-          <a:lstStyle/>
-          <a:p>
-            <a:pPr algn="ctr"/>
-            <a:r>
-              <a:rPr lang="en-US" sz="2400" dirty="0"/>
-              <a:t>10</a:t>
-            </a:r>
-          </a:p>
-        </p:txBody>
-      </p:sp>
-      <p:sp>
-        <p:nvSpPr>
-          <p:cNvPr id="10" name="TextBox 9">
-            <a:extLst>
-              <a:ext uri="{FF2B5EF4-FFF2-40B4-BE49-F238E27FC236}">
-                <a16:creationId xmlns:a16="http://schemas.microsoft.com/office/drawing/2014/main" id="{4B6841B0-EE9A-F04E-80C2-C23050FDA9DD}"/>
-              </a:ext>
-            </a:extLst>
-          </p:cNvPr>
-          <p:cNvSpPr txBox="1"/>
-          <p:nvPr/>
-        </p:nvSpPr>
-        <p:spPr>
-          <a:xfrm>
-            <a:off x="2482289" y="4962255"/>
-            <a:ext cx="541542" cy="461665"/>
-          </a:xfrm>
-          <a:prstGeom prst="rect">
-            <a:avLst/>
-          </a:prstGeom>
-          <a:noFill/>
-          <a:ln>
-            <a:solidFill>
-              <a:schemeClr val="tx1"/>
-            </a:solidFill>
-          </a:ln>
-        </p:spPr>
-        <p:txBody>
-          <a:bodyPr wrap="square" rtlCol="0">
-            <a:spAutoFit/>
-          </a:bodyPr>
-          <a:lstStyle/>
-          <a:p>
-            <a:pPr algn="ctr"/>
-            <a:r>
-              <a:rPr lang="en-US" sz="2400" dirty="0"/>
-              <a:t>30</a:t>
-            </a:r>
-          </a:p>
-        </p:txBody>
-      </p:sp>
-      <p:sp>
-        <p:nvSpPr>
-          <p:cNvPr id="11" name="TextBox 10">
-            <a:extLst>
-              <a:ext uri="{FF2B5EF4-FFF2-40B4-BE49-F238E27FC236}">
-                <a16:creationId xmlns:a16="http://schemas.microsoft.com/office/drawing/2014/main" id="{763EFBAB-3DCD-6A4E-AB88-470C3FEE8499}"/>
-              </a:ext>
-            </a:extLst>
-          </p:cNvPr>
-          <p:cNvSpPr txBox="1"/>
-          <p:nvPr/>
-        </p:nvSpPr>
-        <p:spPr>
-          <a:xfrm>
-            <a:off x="3668375" y="4966602"/>
-            <a:ext cx="686598" cy="461665"/>
-          </a:xfrm>
-          <a:prstGeom prst="rect">
-            <a:avLst/>
-          </a:prstGeom>
-          <a:noFill/>
-          <a:ln>
-            <a:solidFill>
-              <a:schemeClr val="tx1"/>
-            </a:solidFill>
-          </a:ln>
-        </p:spPr>
-        <p:txBody>
-          <a:bodyPr wrap="square" rtlCol="0">
-            <a:spAutoFit/>
-          </a:bodyPr>
-          <a:lstStyle/>
-          <a:p>
-            <a:pPr algn="ctr"/>
-            <a:r>
-              <a:rPr lang="en-US" sz="2400" dirty="0"/>
-              <a:t>60</a:t>
-            </a:r>
-          </a:p>
-        </p:txBody>
-      </p:sp>
-      <p:cxnSp>
-        <p:nvCxnSpPr>
-          <p:cNvPr id="16" name="Straight Connector 15">
-            <a:extLst>
-              <a:ext uri="{FF2B5EF4-FFF2-40B4-BE49-F238E27FC236}">
-                <a16:creationId xmlns:a16="http://schemas.microsoft.com/office/drawing/2014/main" id="{7330CCD6-654B-4541-AF30-B1C0F877EA5C}"/>
-              </a:ext>
-            </a:extLst>
-          </p:cNvPr>
-          <p:cNvCxnSpPr>
-            <a:cxnSpLocks/>
-            <a:stCxn id="5" idx="2"/>
-            <a:endCxn id="7" idx="0"/>
-          </p:cNvCxnSpPr>
-          <p:nvPr/>
-        </p:nvCxnSpPr>
-        <p:spPr>
-          <a:xfrm flipH="1">
-            <a:off x="2068427" y="2343244"/>
-            <a:ext cx="1136189" cy="888676"/>
-          </a:xfrm>
-          <a:prstGeom prst="line">
-            <a:avLst/>
-          </a:prstGeom>
-        </p:spPr>
-        <p:style>
-          <a:lnRef idx="1">
-            <a:schemeClr val="accent1"/>
-          </a:lnRef>
-          <a:fillRef idx="0">
-            <a:schemeClr val="accent1"/>
-          </a:fillRef>
-          <a:effectRef idx="0">
-            <a:schemeClr val="accent1"/>
-          </a:effectRef>
-          <a:fontRef idx="minor">
-            <a:schemeClr val="tx1"/>
-          </a:fontRef>
-        </p:style>
-      </p:cxnSp>
-      <p:cxnSp>
-        <p:nvCxnSpPr>
-          <p:cNvPr id="19" name="Straight Connector 18">
-            <a:extLst>
-              <a:ext uri="{FF2B5EF4-FFF2-40B4-BE49-F238E27FC236}">
-                <a16:creationId xmlns:a16="http://schemas.microsoft.com/office/drawing/2014/main" id="{472A5B0E-E6F8-424E-81B0-BCAA1A6E50A4}"/>
-              </a:ext>
-            </a:extLst>
-          </p:cNvPr>
-          <p:cNvCxnSpPr>
-            <a:cxnSpLocks/>
-            <a:stCxn id="7" idx="2"/>
-            <a:endCxn id="9" idx="0"/>
-          </p:cNvCxnSpPr>
-          <p:nvPr/>
-        </p:nvCxnSpPr>
-        <p:spPr>
-          <a:xfrm flipH="1">
-            <a:off x="1153112" y="3693585"/>
-            <a:ext cx="915315" cy="1273018"/>
-          </a:xfrm>
-          <a:prstGeom prst="line">
-            <a:avLst/>
-          </a:prstGeom>
-        </p:spPr>
-        <p:style>
-          <a:lnRef idx="1">
-            <a:schemeClr val="accent1"/>
-          </a:lnRef>
-          <a:fillRef idx="0">
-            <a:schemeClr val="accent1"/>
-          </a:fillRef>
-          <a:effectRef idx="0">
-            <a:schemeClr val="accent1"/>
-          </a:effectRef>
-          <a:fontRef idx="minor">
-            <a:schemeClr val="tx1"/>
-          </a:fontRef>
-        </p:style>
-      </p:cxnSp>
-      <p:cxnSp>
-        <p:nvCxnSpPr>
-          <p:cNvPr id="22" name="Straight Connector 21">
-            <a:extLst>
-              <a:ext uri="{FF2B5EF4-FFF2-40B4-BE49-F238E27FC236}">
-                <a16:creationId xmlns:a16="http://schemas.microsoft.com/office/drawing/2014/main" id="{C1AD3755-D21B-934A-BC21-5F5989FEFACF}"/>
-              </a:ext>
-            </a:extLst>
-          </p:cNvPr>
-          <p:cNvCxnSpPr>
-            <a:cxnSpLocks/>
-            <a:stCxn id="7" idx="2"/>
-            <a:endCxn id="10" idx="0"/>
-          </p:cNvCxnSpPr>
-          <p:nvPr/>
-        </p:nvCxnSpPr>
-        <p:spPr>
-          <a:xfrm>
-            <a:off x="2068427" y="3693585"/>
-            <a:ext cx="684633" cy="1268670"/>
-          </a:xfrm>
-          <a:prstGeom prst="line">
-            <a:avLst/>
-          </a:prstGeom>
-        </p:spPr>
-        <p:style>
-          <a:lnRef idx="1">
-            <a:schemeClr val="accent1"/>
-          </a:lnRef>
-          <a:fillRef idx="0">
-            <a:schemeClr val="accent1"/>
-          </a:fillRef>
-          <a:effectRef idx="0">
-            <a:schemeClr val="accent1"/>
-          </a:effectRef>
-          <a:fontRef idx="minor">
-            <a:schemeClr val="tx1"/>
-          </a:fontRef>
-        </p:style>
-      </p:cxnSp>
-      <p:cxnSp>
-        <p:nvCxnSpPr>
-          <p:cNvPr id="25" name="Straight Connector 24">
-            <a:extLst>
-              <a:ext uri="{FF2B5EF4-FFF2-40B4-BE49-F238E27FC236}">
-                <a16:creationId xmlns:a16="http://schemas.microsoft.com/office/drawing/2014/main" id="{C865EE81-902B-7547-87CE-6AC1796D05EF}"/>
-              </a:ext>
-            </a:extLst>
-          </p:cNvPr>
-          <p:cNvCxnSpPr>
-            <a:cxnSpLocks/>
-            <a:stCxn id="8" idx="2"/>
-            <a:endCxn id="11" idx="0"/>
-          </p:cNvCxnSpPr>
-          <p:nvPr/>
-        </p:nvCxnSpPr>
-        <p:spPr>
-          <a:xfrm flipH="1">
-            <a:off x="4011674" y="3688145"/>
-            <a:ext cx="594530" cy="1278457"/>
-          </a:xfrm>
-          <a:prstGeom prst="line">
-            <a:avLst/>
-          </a:prstGeom>
-        </p:spPr>
-        <p:style>
-          <a:lnRef idx="1">
-            <a:schemeClr val="accent1"/>
-          </a:lnRef>
-          <a:fillRef idx="0">
-            <a:schemeClr val="accent1"/>
-          </a:fillRef>
-          <a:effectRef idx="0">
-            <a:schemeClr val="accent1"/>
-          </a:effectRef>
-          <a:fontRef idx="minor">
-            <a:schemeClr val="tx1"/>
-          </a:fontRef>
-        </p:style>
-      </p:cxnSp>
-      <p:cxnSp>
-        <p:nvCxnSpPr>
-          <p:cNvPr id="28" name="Straight Connector 27">
-            <a:extLst>
-              <a:ext uri="{FF2B5EF4-FFF2-40B4-BE49-F238E27FC236}">
-                <a16:creationId xmlns:a16="http://schemas.microsoft.com/office/drawing/2014/main" id="{09D3424B-86D5-E444-BB0D-19DEAA48D8B4}"/>
-              </a:ext>
-            </a:extLst>
-          </p:cNvPr>
-          <p:cNvCxnSpPr>
-            <a:cxnSpLocks/>
-            <a:stCxn id="5" idx="2"/>
-            <a:endCxn id="8" idx="0"/>
-          </p:cNvCxnSpPr>
-          <p:nvPr/>
-        </p:nvCxnSpPr>
-        <p:spPr>
-          <a:xfrm>
-            <a:off x="3204616" y="2343244"/>
-            <a:ext cx="1401588" cy="883236"/>
-          </a:xfrm>
-          <a:prstGeom prst="line">
-            <a:avLst/>
-          </a:prstGeom>
-        </p:spPr>
-        <p:style>
-          <a:lnRef idx="1">
-            <a:schemeClr val="accent1"/>
-          </a:lnRef>
-          <a:fillRef idx="0">
-            <a:schemeClr val="accent1"/>
-          </a:fillRef>
-          <a:effectRef idx="0">
-            <a:schemeClr val="accent1"/>
-          </a:effectRef>
-          <a:fontRef idx="minor">
-            <a:schemeClr val="tx1"/>
-          </a:fontRef>
-        </p:style>
-      </p:cxnSp>
-      <p:cxnSp>
-        <p:nvCxnSpPr>
-          <p:cNvPr id="31" name="Straight Connector 30">
-            <a:extLst>
-              <a:ext uri="{FF2B5EF4-FFF2-40B4-BE49-F238E27FC236}">
-                <a16:creationId xmlns:a16="http://schemas.microsoft.com/office/drawing/2014/main" id="{908F4582-E12D-F74C-BC42-C818F1B0E507}"/>
-              </a:ext>
-            </a:extLst>
-          </p:cNvPr>
-          <p:cNvCxnSpPr>
-            <a:cxnSpLocks/>
-            <a:stCxn id="4" idx="2"/>
-            <a:endCxn id="6" idx="0"/>
-          </p:cNvCxnSpPr>
-          <p:nvPr/>
-        </p:nvCxnSpPr>
-        <p:spPr>
-          <a:xfrm>
-            <a:off x="6162142" y="1042400"/>
-            <a:ext cx="1415150" cy="837256"/>
-          </a:xfrm>
-          <a:prstGeom prst="line">
-            <a:avLst/>
-          </a:prstGeom>
-        </p:spPr>
-        <p:style>
-          <a:lnRef idx="1">
-            <a:schemeClr val="accent1"/>
-          </a:lnRef>
-          <a:fillRef idx="0">
-            <a:schemeClr val="accent1"/>
-          </a:fillRef>
-          <a:effectRef idx="0">
-            <a:schemeClr val="accent1"/>
-          </a:effectRef>
-          <a:fontRef idx="minor">
-            <a:schemeClr val="tx1"/>
-          </a:fontRef>
-        </p:style>
-      </p:cxnSp>
-      <p:sp>
-        <p:nvSpPr>
-          <p:cNvPr id="23" name="TextBox 22">
-            <a:extLst>
-              <a:ext uri="{FF2B5EF4-FFF2-40B4-BE49-F238E27FC236}">
-                <a16:creationId xmlns:a16="http://schemas.microsoft.com/office/drawing/2014/main" id="{2411C8EC-62CC-F446-A10C-6B73C00B2106}"/>
-              </a:ext>
-            </a:extLst>
-          </p:cNvPr>
-          <p:cNvSpPr txBox="1"/>
-          <p:nvPr/>
-        </p:nvSpPr>
-        <p:spPr>
-          <a:xfrm>
-            <a:off x="5270288" y="4964321"/>
-            <a:ext cx="686598" cy="461665"/>
-          </a:xfrm>
-          <a:prstGeom prst="rect">
-            <a:avLst/>
-          </a:prstGeom>
-          <a:noFill/>
-          <a:ln>
-            <a:solidFill>
-              <a:schemeClr val="tx1"/>
-            </a:solidFill>
-          </a:ln>
-        </p:spPr>
-        <p:txBody>
-          <a:bodyPr wrap="square" rtlCol="0">
-            <a:spAutoFit/>
-          </a:bodyPr>
-          <a:lstStyle/>
-          <a:p>
-            <a:pPr algn="ctr"/>
-            <a:r>
-              <a:rPr lang="en-US" sz="2400" dirty="0"/>
-              <a:t>80</a:t>
-            </a:r>
-          </a:p>
-        </p:txBody>
-      </p:sp>
-      <p:cxnSp>
-        <p:nvCxnSpPr>
-          <p:cNvPr id="24" name="Straight Connector 23">
-            <a:extLst>
-              <a:ext uri="{FF2B5EF4-FFF2-40B4-BE49-F238E27FC236}">
-                <a16:creationId xmlns:a16="http://schemas.microsoft.com/office/drawing/2014/main" id="{BB4D2075-D65C-974B-AFF8-12EDA8093DD6}"/>
-              </a:ext>
-            </a:extLst>
-          </p:cNvPr>
-          <p:cNvCxnSpPr>
-            <a:cxnSpLocks/>
-            <a:stCxn id="8" idx="2"/>
-            <a:endCxn id="23" idx="0"/>
-          </p:cNvCxnSpPr>
-          <p:nvPr/>
-        </p:nvCxnSpPr>
-        <p:spPr>
-          <a:xfrm>
-            <a:off x="4606204" y="3688145"/>
-            <a:ext cx="1007383" cy="1276176"/>
-          </a:xfrm>
-          <a:prstGeom prst="line">
-            <a:avLst/>
-          </a:prstGeom>
-        </p:spPr>
-        <p:style>
-          <a:lnRef idx="1">
-            <a:schemeClr val="accent1"/>
-          </a:lnRef>
-          <a:fillRef idx="0">
-            <a:schemeClr val="accent1"/>
-          </a:fillRef>
-          <a:effectRef idx="0">
-            <a:schemeClr val="accent1"/>
-          </a:effectRef>
-          <a:fontRef idx="minor">
-            <a:schemeClr val="tx1"/>
-          </a:fontRef>
-        </p:style>
-      </p:cxnSp>
-      <p:cxnSp>
-        <p:nvCxnSpPr>
-          <p:cNvPr id="61" name="Straight Connector 60">
-            <a:extLst>
-              <a:ext uri="{FF2B5EF4-FFF2-40B4-BE49-F238E27FC236}">
-                <a16:creationId xmlns:a16="http://schemas.microsoft.com/office/drawing/2014/main" id="{6C1AAB4A-B535-844A-B59A-E9446D9CBD9B}"/>
-              </a:ext>
-            </a:extLst>
-          </p:cNvPr>
-          <p:cNvCxnSpPr>
-            <a:cxnSpLocks/>
-            <a:stCxn id="4" idx="2"/>
-            <a:endCxn id="5" idx="0"/>
-          </p:cNvCxnSpPr>
-          <p:nvPr/>
-        </p:nvCxnSpPr>
-        <p:spPr>
-          <a:xfrm flipH="1">
-            <a:off x="3204616" y="1042400"/>
-            <a:ext cx="2957526" cy="839179"/>
-          </a:xfrm>
-          <a:prstGeom prst="line">
-            <a:avLst/>
-          </a:prstGeom>
-        </p:spPr>
-        <p:style>
-          <a:lnRef idx="1">
-            <a:schemeClr val="accent1"/>
-          </a:lnRef>
-          <a:fillRef idx="0">
-            <a:schemeClr val="accent1"/>
-          </a:fillRef>
-          <a:effectRef idx="0">
-            <a:schemeClr val="accent1"/>
-          </a:effectRef>
-          <a:fontRef idx="minor">
-            <a:schemeClr val="tx1"/>
-          </a:fontRef>
-        </p:style>
-      </p:cxnSp>
+            <a:r>
+              <a:rPr lang="en-US" dirty="0"/>
+              <a:t>templating:</a:t>
+            </a:r>
+          </a:p>
+          <a:p>
+            <a:pPr lvl="1"/>
+            <a:r>
+              <a:rPr lang="en-US" dirty="0"/>
+              <a:t>recursive template wrapped in local and top-level function</a:t>
+            </a:r>
+          </a:p>
+          <a:p>
+            <a:pPr lvl="1"/>
+            <a:r>
+              <a:rPr lang="en-US" dirty="0"/>
+              <a:t>add acc(</a:t>
+            </a:r>
+            <a:r>
+              <a:rPr lang="en-US" dirty="0" err="1"/>
+              <a:t>umulator</a:t>
+            </a:r>
+            <a:r>
+              <a:rPr lang="en-US" dirty="0"/>
+              <a:t>) parameter(s) to inner function</a:t>
+            </a:r>
+          </a:p>
+          <a:p>
+            <a:pPr lvl="2"/>
+            <a:r>
+              <a:rPr lang="en-US" dirty="0"/>
+              <a:t>add acc after all …  (can use better name)</a:t>
+            </a:r>
+          </a:p>
+          <a:p>
+            <a:pPr lvl="2"/>
+            <a:r>
+              <a:rPr lang="en-US" dirty="0"/>
+              <a:t>add (… acc) in recursive call</a:t>
+            </a:r>
+          </a:p>
+          <a:p>
+            <a:pPr lvl="2"/>
+            <a:r>
+              <a:rPr lang="en-US" dirty="0"/>
+              <a:t>add … in trampoline</a:t>
+            </a:r>
+          </a:p>
+          <a:p>
+            <a:r>
+              <a:rPr lang="en-US" dirty="0"/>
+              <a:t>work out example progression of recursive calls</a:t>
+            </a:r>
+          </a:p>
+          <a:p>
+            <a:r>
+              <a:rPr lang="en-US" dirty="0"/>
+              <a:t>wish for what the accumulator should be at the end</a:t>
+            </a:r>
+          </a:p>
+          <a:p>
+            <a:r>
+              <a:rPr lang="en-US" dirty="0"/>
+              <a:t>work backward through progression to get accumulator at each step</a:t>
+            </a:r>
+          </a:p>
+          <a:p>
+            <a:r>
+              <a:rPr lang="en-US" dirty="0"/>
+              <a:t>design type and invariant (</a:t>
+            </a:r>
+            <a:r>
+              <a:rPr lang="en-US" u="sng" dirty="0"/>
+              <a:t>may</a:t>
+            </a:r>
+            <a:r>
+              <a:rPr lang="en-US" dirty="0"/>
+              <a:t> need a new data definition)</a:t>
+            </a:r>
+          </a:p>
+          <a:p>
+            <a:r>
+              <a:rPr lang="en-US" dirty="0"/>
+              <a:t>initialize invariant, preserve invariant, exploit invariant</a:t>
+            </a:r>
+          </a:p>
+          <a:p>
+            <a:r>
+              <a:rPr lang="en-US" dirty="0"/>
+              <a:t>test and debug</a:t>
+            </a:r>
+          </a:p>
+        </p:txBody>
+      </p:sp>
     </p:spTree>
     <p:extLst>
       <p:ext uri="{BB962C8B-B14F-4D97-AF65-F5344CB8AC3E}">
-        <p14:creationId xmlns:p14="http://schemas.microsoft.com/office/powerpoint/2010/main" val="4007180980"/>
+        <p14:creationId xmlns:p14="http://schemas.microsoft.com/office/powerpoint/2010/main" val="1660299820"/>
       </p:ext>
     </p:extLst>
   </p:cSld>
@@ -5696,753 +4444,40 @@
           <a:chExt cx="0" cy="0"/>
         </a:xfrm>
       </p:grpSpPr>
-      <p:sp>
-        <p:nvSpPr>
-          <p:cNvPr id="4" name="TextBox 3">
-            <a:extLst>
-              <a:ext uri="{FF2B5EF4-FFF2-40B4-BE49-F238E27FC236}">
-                <a16:creationId xmlns:a16="http://schemas.microsoft.com/office/drawing/2014/main" id="{1B8634E9-EDF6-AA44-9D39-BF81C76C9473}"/>
-              </a:ext>
-            </a:extLst>
-          </p:cNvPr>
-          <p:cNvSpPr txBox="1"/>
+      <p:pic>
+        <p:nvPicPr>
+          <p:cNvPr id="4" name="Picture 3">
+            <a:extLst>
+              <a:ext uri="{FF2B5EF4-FFF2-40B4-BE49-F238E27FC236}">
+                <a16:creationId xmlns:a16="http://schemas.microsoft.com/office/drawing/2014/main" id="{AD7317BB-9BFE-0E40-9799-5AC0B99E1486}"/>
+              </a:ext>
+            </a:extLst>
+          </p:cNvPr>
+          <p:cNvPicPr>
+            <a:picLocks noChangeAspect="1"/>
+          </p:cNvPicPr>
           <p:nvPr/>
-        </p:nvSpPr>
-        <p:spPr>
-          <a:xfrm>
-            <a:off x="5710586" y="580735"/>
-            <a:ext cx="903111" cy="461665"/>
+        </p:nvPicPr>
+        <p:blipFill>
+          <a:blip r:embed="rId2"/>
+          <a:stretch>
+            <a:fillRect/>
+          </a:stretch>
+        </p:blipFill>
+        <p:spPr>
+          <a:xfrm>
+            <a:off x="2209800" y="259134"/>
+            <a:ext cx="7772400" cy="6339731"/>
           </a:xfrm>
           <a:prstGeom prst="rect">
             <a:avLst/>
           </a:prstGeom>
-          <a:noFill/>
-          <a:ln>
-            <a:solidFill>
-              <a:schemeClr val="tx1"/>
-            </a:solidFill>
-          </a:ln>
-        </p:spPr>
-        <p:txBody>
-          <a:bodyPr wrap="square" rtlCol="0">
-            <a:spAutoFit/>
-          </a:bodyPr>
-          <a:lstStyle/>
-          <a:p>
-            <a:pPr algn="ctr"/>
-            <a:r>
-              <a:rPr lang="en-US" sz="2400" dirty="0"/>
-              <a:t>100</a:t>
-            </a:r>
-          </a:p>
-        </p:txBody>
-      </p:sp>
-      <p:sp>
-        <p:nvSpPr>
-          <p:cNvPr id="5" name="TextBox 4">
-            <a:extLst>
-              <a:ext uri="{FF2B5EF4-FFF2-40B4-BE49-F238E27FC236}">
-                <a16:creationId xmlns:a16="http://schemas.microsoft.com/office/drawing/2014/main" id="{62685299-1BC5-2E4D-8A7F-BC437DC253F6}"/>
-              </a:ext>
-            </a:extLst>
-          </p:cNvPr>
-          <p:cNvSpPr txBox="1"/>
-          <p:nvPr/>
-        </p:nvSpPr>
-        <p:spPr>
-          <a:xfrm>
-            <a:off x="2753060" y="1881579"/>
-            <a:ext cx="903111" cy="461665"/>
-          </a:xfrm>
-          <a:prstGeom prst="rect">
-            <a:avLst/>
-          </a:prstGeom>
-          <a:noFill/>
-          <a:ln>
-            <a:solidFill>
-              <a:schemeClr val="tx1"/>
-            </a:solidFill>
-          </a:ln>
-        </p:spPr>
-        <p:txBody>
-          <a:bodyPr wrap="square" rtlCol="0">
-            <a:spAutoFit/>
-          </a:bodyPr>
-          <a:lstStyle/>
-          <a:p>
-            <a:pPr algn="ctr"/>
-            <a:r>
-              <a:rPr lang="en-US" sz="2400" dirty="0"/>
-              <a:t>50</a:t>
-            </a:r>
-          </a:p>
-        </p:txBody>
-      </p:sp>
-      <p:sp>
-        <p:nvSpPr>
-          <p:cNvPr id="6" name="TextBox 5">
-            <a:extLst>
-              <a:ext uri="{FF2B5EF4-FFF2-40B4-BE49-F238E27FC236}">
-                <a16:creationId xmlns:a16="http://schemas.microsoft.com/office/drawing/2014/main" id="{EB59CB55-E64C-D04A-8293-538578586641}"/>
-              </a:ext>
-            </a:extLst>
-          </p:cNvPr>
-          <p:cNvSpPr txBox="1"/>
-          <p:nvPr/>
-        </p:nvSpPr>
-        <p:spPr>
-          <a:xfrm>
-            <a:off x="6933825" y="1879656"/>
-            <a:ext cx="1286933" cy="461665"/>
-          </a:xfrm>
-          <a:prstGeom prst="rect">
-            <a:avLst/>
-          </a:prstGeom>
-          <a:noFill/>
-          <a:ln>
-            <a:solidFill>
-              <a:schemeClr val="tx1"/>
-            </a:solidFill>
-          </a:ln>
-        </p:spPr>
-        <p:txBody>
-          <a:bodyPr wrap="square" rtlCol="0">
-            <a:spAutoFit/>
-          </a:bodyPr>
-          <a:lstStyle/>
-          <a:p>
-            <a:pPr algn="ctr"/>
-            <a:r>
-              <a:rPr lang="en-US" sz="2400" dirty="0"/>
-              <a:t>200</a:t>
-            </a:r>
-          </a:p>
-        </p:txBody>
-      </p:sp>
-      <p:sp>
-        <p:nvSpPr>
-          <p:cNvPr id="7" name="TextBox 6">
-            <a:extLst>
-              <a:ext uri="{FF2B5EF4-FFF2-40B4-BE49-F238E27FC236}">
-                <a16:creationId xmlns:a16="http://schemas.microsoft.com/office/drawing/2014/main" id="{79561617-195C-B147-8D93-DDFF3B980B4A}"/>
-              </a:ext>
-            </a:extLst>
-          </p:cNvPr>
-          <p:cNvSpPr txBox="1"/>
-          <p:nvPr/>
-        </p:nvSpPr>
-        <p:spPr>
-          <a:xfrm>
-            <a:off x="1777087" y="3231920"/>
-            <a:ext cx="582679" cy="461665"/>
-          </a:xfrm>
-          <a:prstGeom prst="rect">
-            <a:avLst/>
-          </a:prstGeom>
-          <a:noFill/>
-          <a:ln>
-            <a:solidFill>
-              <a:schemeClr val="tx1"/>
-            </a:solidFill>
-          </a:ln>
-        </p:spPr>
-        <p:txBody>
-          <a:bodyPr wrap="square" rtlCol="0">
-            <a:spAutoFit/>
-          </a:bodyPr>
-          <a:lstStyle/>
-          <a:p>
-            <a:pPr algn="ctr"/>
-            <a:r>
-              <a:rPr lang="en-US" sz="2400" dirty="0"/>
-              <a:t>25</a:t>
-            </a:r>
-          </a:p>
-        </p:txBody>
-      </p:sp>
-      <p:sp>
-        <p:nvSpPr>
-          <p:cNvPr id="8" name="TextBox 7">
-            <a:extLst>
-              <a:ext uri="{FF2B5EF4-FFF2-40B4-BE49-F238E27FC236}">
-                <a16:creationId xmlns:a16="http://schemas.microsoft.com/office/drawing/2014/main" id="{A706F2DE-16BE-BC47-8F7F-7D4CF7D7FC1B}"/>
-              </a:ext>
-            </a:extLst>
-          </p:cNvPr>
-          <p:cNvSpPr txBox="1"/>
-          <p:nvPr/>
-        </p:nvSpPr>
-        <p:spPr>
-          <a:xfrm>
-            <a:off x="4322539" y="3226480"/>
-            <a:ext cx="567330" cy="461665"/>
-          </a:xfrm>
-          <a:prstGeom prst="rect">
-            <a:avLst/>
-          </a:prstGeom>
-          <a:noFill/>
-          <a:ln>
-            <a:solidFill>
-              <a:schemeClr val="tx1"/>
-            </a:solidFill>
-          </a:ln>
-        </p:spPr>
-        <p:txBody>
-          <a:bodyPr wrap="square" rtlCol="0">
-            <a:spAutoFit/>
-          </a:bodyPr>
-          <a:lstStyle/>
-          <a:p>
-            <a:pPr algn="ctr"/>
-            <a:r>
-              <a:rPr lang="en-US" sz="2400" dirty="0"/>
-              <a:t>75</a:t>
-            </a:r>
-          </a:p>
-        </p:txBody>
-      </p:sp>
-      <p:sp>
-        <p:nvSpPr>
-          <p:cNvPr id="9" name="TextBox 8">
-            <a:extLst>
-              <a:ext uri="{FF2B5EF4-FFF2-40B4-BE49-F238E27FC236}">
-                <a16:creationId xmlns:a16="http://schemas.microsoft.com/office/drawing/2014/main" id="{7DE297A2-F7F1-2443-92E5-467DF4AF61D6}"/>
-              </a:ext>
-            </a:extLst>
-          </p:cNvPr>
-          <p:cNvSpPr txBox="1"/>
-          <p:nvPr/>
-        </p:nvSpPr>
-        <p:spPr>
-          <a:xfrm>
-            <a:off x="906290" y="4966603"/>
-            <a:ext cx="493644" cy="461665"/>
-          </a:xfrm>
-          <a:prstGeom prst="rect">
-            <a:avLst/>
-          </a:prstGeom>
-          <a:noFill/>
-          <a:ln>
-            <a:solidFill>
-              <a:schemeClr val="tx1"/>
-            </a:solidFill>
-          </a:ln>
-        </p:spPr>
-        <p:txBody>
-          <a:bodyPr wrap="square" rtlCol="0">
-            <a:spAutoFit/>
-          </a:bodyPr>
-          <a:lstStyle/>
-          <a:p>
-            <a:pPr algn="ctr"/>
-            <a:r>
-              <a:rPr lang="en-US" sz="2400" dirty="0"/>
-              <a:t>10</a:t>
-            </a:r>
-          </a:p>
-        </p:txBody>
-      </p:sp>
-      <p:sp>
-        <p:nvSpPr>
-          <p:cNvPr id="10" name="TextBox 9">
-            <a:extLst>
-              <a:ext uri="{FF2B5EF4-FFF2-40B4-BE49-F238E27FC236}">
-                <a16:creationId xmlns:a16="http://schemas.microsoft.com/office/drawing/2014/main" id="{4B6841B0-EE9A-F04E-80C2-C23050FDA9DD}"/>
-              </a:ext>
-            </a:extLst>
-          </p:cNvPr>
-          <p:cNvSpPr txBox="1"/>
-          <p:nvPr/>
-        </p:nvSpPr>
-        <p:spPr>
-          <a:xfrm>
-            <a:off x="2482289" y="4962255"/>
-            <a:ext cx="541542" cy="461665"/>
-          </a:xfrm>
-          <a:prstGeom prst="rect">
-            <a:avLst/>
-          </a:prstGeom>
-          <a:noFill/>
-          <a:ln>
-            <a:solidFill>
-              <a:schemeClr val="tx1"/>
-            </a:solidFill>
-          </a:ln>
-        </p:spPr>
-        <p:txBody>
-          <a:bodyPr wrap="square" rtlCol="0">
-            <a:spAutoFit/>
-          </a:bodyPr>
-          <a:lstStyle/>
-          <a:p>
-            <a:pPr algn="ctr"/>
-            <a:r>
-              <a:rPr lang="en-US" sz="2400" dirty="0"/>
-              <a:t>30</a:t>
-            </a:r>
-          </a:p>
-        </p:txBody>
-      </p:sp>
-      <p:sp>
-        <p:nvSpPr>
-          <p:cNvPr id="11" name="TextBox 10">
-            <a:extLst>
-              <a:ext uri="{FF2B5EF4-FFF2-40B4-BE49-F238E27FC236}">
-                <a16:creationId xmlns:a16="http://schemas.microsoft.com/office/drawing/2014/main" id="{763EFBAB-3DCD-6A4E-AB88-470C3FEE8499}"/>
-              </a:ext>
-            </a:extLst>
-          </p:cNvPr>
-          <p:cNvSpPr txBox="1"/>
-          <p:nvPr/>
-        </p:nvSpPr>
-        <p:spPr>
-          <a:xfrm>
-            <a:off x="3668375" y="4966602"/>
-            <a:ext cx="686598" cy="461665"/>
-          </a:xfrm>
-          <a:prstGeom prst="rect">
-            <a:avLst/>
-          </a:prstGeom>
-          <a:noFill/>
-          <a:ln>
-            <a:solidFill>
-              <a:schemeClr val="tx1"/>
-            </a:solidFill>
-          </a:ln>
-        </p:spPr>
-        <p:txBody>
-          <a:bodyPr wrap="square" rtlCol="0">
-            <a:spAutoFit/>
-          </a:bodyPr>
-          <a:lstStyle/>
-          <a:p>
-            <a:pPr algn="ctr"/>
-            <a:r>
-              <a:rPr lang="en-US" sz="2400" dirty="0"/>
-              <a:t>60</a:t>
-            </a:r>
-          </a:p>
-        </p:txBody>
-      </p:sp>
-      <p:cxnSp>
-        <p:nvCxnSpPr>
-          <p:cNvPr id="16" name="Straight Connector 15">
-            <a:extLst>
-              <a:ext uri="{FF2B5EF4-FFF2-40B4-BE49-F238E27FC236}">
-                <a16:creationId xmlns:a16="http://schemas.microsoft.com/office/drawing/2014/main" id="{7330CCD6-654B-4541-AF30-B1C0F877EA5C}"/>
-              </a:ext>
-            </a:extLst>
-          </p:cNvPr>
-          <p:cNvCxnSpPr>
-            <a:cxnSpLocks/>
-            <a:stCxn id="5" idx="2"/>
-            <a:endCxn id="7" idx="0"/>
-          </p:cNvCxnSpPr>
-          <p:nvPr/>
-        </p:nvCxnSpPr>
-        <p:spPr>
-          <a:xfrm flipH="1">
-            <a:off x="2068427" y="2343244"/>
-            <a:ext cx="1136189" cy="888676"/>
-          </a:xfrm>
-          <a:prstGeom prst="line">
-            <a:avLst/>
-          </a:prstGeom>
-        </p:spPr>
-        <p:style>
-          <a:lnRef idx="1">
-            <a:schemeClr val="accent1"/>
-          </a:lnRef>
-          <a:fillRef idx="0">
-            <a:schemeClr val="accent1"/>
-          </a:fillRef>
-          <a:effectRef idx="0">
-            <a:schemeClr val="accent1"/>
-          </a:effectRef>
-          <a:fontRef idx="minor">
-            <a:schemeClr val="tx1"/>
-          </a:fontRef>
-        </p:style>
-      </p:cxnSp>
-      <p:cxnSp>
-        <p:nvCxnSpPr>
-          <p:cNvPr id="19" name="Straight Connector 18">
-            <a:extLst>
-              <a:ext uri="{FF2B5EF4-FFF2-40B4-BE49-F238E27FC236}">
-                <a16:creationId xmlns:a16="http://schemas.microsoft.com/office/drawing/2014/main" id="{472A5B0E-E6F8-424E-81B0-BCAA1A6E50A4}"/>
-              </a:ext>
-            </a:extLst>
-          </p:cNvPr>
-          <p:cNvCxnSpPr>
-            <a:cxnSpLocks/>
-            <a:stCxn id="7" idx="2"/>
-            <a:endCxn id="9" idx="0"/>
-          </p:cNvCxnSpPr>
-          <p:nvPr/>
-        </p:nvCxnSpPr>
-        <p:spPr>
-          <a:xfrm flipH="1">
-            <a:off x="1153112" y="3693585"/>
-            <a:ext cx="915315" cy="1273018"/>
-          </a:xfrm>
-          <a:prstGeom prst="line">
-            <a:avLst/>
-          </a:prstGeom>
-        </p:spPr>
-        <p:style>
-          <a:lnRef idx="1">
-            <a:schemeClr val="accent1"/>
-          </a:lnRef>
-          <a:fillRef idx="0">
-            <a:schemeClr val="accent1"/>
-          </a:fillRef>
-          <a:effectRef idx="0">
-            <a:schemeClr val="accent1"/>
-          </a:effectRef>
-          <a:fontRef idx="minor">
-            <a:schemeClr val="tx1"/>
-          </a:fontRef>
-        </p:style>
-      </p:cxnSp>
-      <p:cxnSp>
-        <p:nvCxnSpPr>
-          <p:cNvPr id="22" name="Straight Connector 21">
-            <a:extLst>
-              <a:ext uri="{FF2B5EF4-FFF2-40B4-BE49-F238E27FC236}">
-                <a16:creationId xmlns:a16="http://schemas.microsoft.com/office/drawing/2014/main" id="{C1AD3755-D21B-934A-BC21-5F5989FEFACF}"/>
-              </a:ext>
-            </a:extLst>
-          </p:cNvPr>
-          <p:cNvCxnSpPr>
-            <a:cxnSpLocks/>
-            <a:stCxn id="7" idx="2"/>
-            <a:endCxn id="10" idx="0"/>
-          </p:cNvCxnSpPr>
-          <p:nvPr/>
-        </p:nvCxnSpPr>
-        <p:spPr>
-          <a:xfrm>
-            <a:off x="2068427" y="3693585"/>
-            <a:ext cx="684633" cy="1268670"/>
-          </a:xfrm>
-          <a:prstGeom prst="line">
-            <a:avLst/>
-          </a:prstGeom>
-        </p:spPr>
-        <p:style>
-          <a:lnRef idx="1">
-            <a:schemeClr val="accent1"/>
-          </a:lnRef>
-          <a:fillRef idx="0">
-            <a:schemeClr val="accent1"/>
-          </a:fillRef>
-          <a:effectRef idx="0">
-            <a:schemeClr val="accent1"/>
-          </a:effectRef>
-          <a:fontRef idx="minor">
-            <a:schemeClr val="tx1"/>
-          </a:fontRef>
-        </p:style>
-      </p:cxnSp>
-      <p:cxnSp>
-        <p:nvCxnSpPr>
-          <p:cNvPr id="25" name="Straight Connector 24">
-            <a:extLst>
-              <a:ext uri="{FF2B5EF4-FFF2-40B4-BE49-F238E27FC236}">
-                <a16:creationId xmlns:a16="http://schemas.microsoft.com/office/drawing/2014/main" id="{C865EE81-902B-7547-87CE-6AC1796D05EF}"/>
-              </a:ext>
-            </a:extLst>
-          </p:cNvPr>
-          <p:cNvCxnSpPr>
-            <a:cxnSpLocks/>
-            <a:stCxn id="8" idx="2"/>
-            <a:endCxn id="11" idx="0"/>
-          </p:cNvCxnSpPr>
-          <p:nvPr/>
-        </p:nvCxnSpPr>
-        <p:spPr>
-          <a:xfrm flipH="1">
-            <a:off x="4011674" y="3688145"/>
-            <a:ext cx="594530" cy="1278457"/>
-          </a:xfrm>
-          <a:prstGeom prst="line">
-            <a:avLst/>
-          </a:prstGeom>
-        </p:spPr>
-        <p:style>
-          <a:lnRef idx="1">
-            <a:schemeClr val="accent1"/>
-          </a:lnRef>
-          <a:fillRef idx="0">
-            <a:schemeClr val="accent1"/>
-          </a:fillRef>
-          <a:effectRef idx="0">
-            <a:schemeClr val="accent1"/>
-          </a:effectRef>
-          <a:fontRef idx="minor">
-            <a:schemeClr val="tx1"/>
-          </a:fontRef>
-        </p:style>
-      </p:cxnSp>
-      <p:cxnSp>
-        <p:nvCxnSpPr>
-          <p:cNvPr id="28" name="Straight Connector 27">
-            <a:extLst>
-              <a:ext uri="{FF2B5EF4-FFF2-40B4-BE49-F238E27FC236}">
-                <a16:creationId xmlns:a16="http://schemas.microsoft.com/office/drawing/2014/main" id="{09D3424B-86D5-E444-BB0D-19DEAA48D8B4}"/>
-              </a:ext>
-            </a:extLst>
-          </p:cNvPr>
-          <p:cNvCxnSpPr>
-            <a:cxnSpLocks/>
-            <a:stCxn id="5" idx="2"/>
-            <a:endCxn id="8" idx="0"/>
-          </p:cNvCxnSpPr>
-          <p:nvPr/>
-        </p:nvCxnSpPr>
-        <p:spPr>
-          <a:xfrm>
-            <a:off x="3204616" y="2343244"/>
-            <a:ext cx="1401588" cy="883236"/>
-          </a:xfrm>
-          <a:prstGeom prst="line">
-            <a:avLst/>
-          </a:prstGeom>
-        </p:spPr>
-        <p:style>
-          <a:lnRef idx="1">
-            <a:schemeClr val="accent1"/>
-          </a:lnRef>
-          <a:fillRef idx="0">
-            <a:schemeClr val="accent1"/>
-          </a:fillRef>
-          <a:effectRef idx="0">
-            <a:schemeClr val="accent1"/>
-          </a:effectRef>
-          <a:fontRef idx="minor">
-            <a:schemeClr val="tx1"/>
-          </a:fontRef>
-        </p:style>
-      </p:cxnSp>
-      <p:cxnSp>
-        <p:nvCxnSpPr>
-          <p:cNvPr id="31" name="Straight Connector 30">
-            <a:extLst>
-              <a:ext uri="{FF2B5EF4-FFF2-40B4-BE49-F238E27FC236}">
-                <a16:creationId xmlns:a16="http://schemas.microsoft.com/office/drawing/2014/main" id="{908F4582-E12D-F74C-BC42-C818F1B0E507}"/>
-              </a:ext>
-            </a:extLst>
-          </p:cNvPr>
-          <p:cNvCxnSpPr>
-            <a:cxnSpLocks/>
-            <a:stCxn id="4" idx="2"/>
-            <a:endCxn id="6" idx="0"/>
-          </p:cNvCxnSpPr>
-          <p:nvPr/>
-        </p:nvCxnSpPr>
-        <p:spPr>
-          <a:xfrm>
-            <a:off x="6162142" y="1042400"/>
-            <a:ext cx="1415150" cy="837256"/>
-          </a:xfrm>
-          <a:prstGeom prst="line">
-            <a:avLst/>
-          </a:prstGeom>
-        </p:spPr>
-        <p:style>
-          <a:lnRef idx="1">
-            <a:schemeClr val="accent1"/>
-          </a:lnRef>
-          <a:fillRef idx="0">
-            <a:schemeClr val="accent1"/>
-          </a:fillRef>
-          <a:effectRef idx="0">
-            <a:schemeClr val="accent1"/>
-          </a:effectRef>
-          <a:fontRef idx="minor">
-            <a:schemeClr val="tx1"/>
-          </a:fontRef>
-        </p:style>
-      </p:cxnSp>
-      <p:sp>
-        <p:nvSpPr>
-          <p:cNvPr id="23" name="TextBox 22">
-            <a:extLst>
-              <a:ext uri="{FF2B5EF4-FFF2-40B4-BE49-F238E27FC236}">
-                <a16:creationId xmlns:a16="http://schemas.microsoft.com/office/drawing/2014/main" id="{2411C8EC-62CC-F446-A10C-6B73C00B2106}"/>
-              </a:ext>
-            </a:extLst>
-          </p:cNvPr>
-          <p:cNvSpPr txBox="1"/>
-          <p:nvPr/>
-        </p:nvSpPr>
-        <p:spPr>
-          <a:xfrm>
-            <a:off x="5270288" y="4964321"/>
-            <a:ext cx="686598" cy="461665"/>
-          </a:xfrm>
-          <a:prstGeom prst="rect">
-            <a:avLst/>
-          </a:prstGeom>
-          <a:noFill/>
-          <a:ln>
-            <a:solidFill>
-              <a:schemeClr val="tx1"/>
-            </a:solidFill>
-          </a:ln>
-        </p:spPr>
-        <p:txBody>
-          <a:bodyPr wrap="square" rtlCol="0">
-            <a:spAutoFit/>
-          </a:bodyPr>
-          <a:lstStyle/>
-          <a:p>
-            <a:pPr algn="ctr"/>
-            <a:r>
-              <a:rPr lang="en-US" sz="2400" dirty="0"/>
-              <a:t>80</a:t>
-            </a:r>
-          </a:p>
-        </p:txBody>
-      </p:sp>
-      <p:cxnSp>
-        <p:nvCxnSpPr>
-          <p:cNvPr id="24" name="Straight Connector 23">
-            <a:extLst>
-              <a:ext uri="{FF2B5EF4-FFF2-40B4-BE49-F238E27FC236}">
-                <a16:creationId xmlns:a16="http://schemas.microsoft.com/office/drawing/2014/main" id="{BB4D2075-D65C-974B-AFF8-12EDA8093DD6}"/>
-              </a:ext>
-            </a:extLst>
-          </p:cNvPr>
-          <p:cNvCxnSpPr>
-            <a:cxnSpLocks/>
-            <a:stCxn id="8" idx="2"/>
-            <a:endCxn id="23" idx="0"/>
-          </p:cNvCxnSpPr>
-          <p:nvPr/>
-        </p:nvCxnSpPr>
-        <p:spPr>
-          <a:xfrm>
-            <a:off x="4606204" y="3688145"/>
-            <a:ext cx="1007383" cy="1276176"/>
-          </a:xfrm>
-          <a:prstGeom prst="line">
-            <a:avLst/>
-          </a:prstGeom>
-        </p:spPr>
-        <p:style>
-          <a:lnRef idx="1">
-            <a:schemeClr val="accent1"/>
-          </a:lnRef>
-          <a:fillRef idx="0">
-            <a:schemeClr val="accent1"/>
-          </a:fillRef>
-          <a:effectRef idx="0">
-            <a:schemeClr val="accent1"/>
-          </a:effectRef>
-          <a:fontRef idx="minor">
-            <a:schemeClr val="tx1"/>
-          </a:fontRef>
-        </p:style>
-      </p:cxnSp>
-      <p:cxnSp>
-        <p:nvCxnSpPr>
-          <p:cNvPr id="61" name="Straight Connector 60">
-            <a:extLst>
-              <a:ext uri="{FF2B5EF4-FFF2-40B4-BE49-F238E27FC236}">
-                <a16:creationId xmlns:a16="http://schemas.microsoft.com/office/drawing/2014/main" id="{6C1AAB4A-B535-844A-B59A-E9446D9CBD9B}"/>
-              </a:ext>
-            </a:extLst>
-          </p:cNvPr>
-          <p:cNvCxnSpPr>
-            <a:cxnSpLocks/>
-            <a:stCxn id="4" idx="2"/>
-            <a:endCxn id="5" idx="0"/>
-          </p:cNvCxnSpPr>
-          <p:nvPr/>
-        </p:nvCxnSpPr>
-        <p:spPr>
-          <a:xfrm flipH="1">
-            <a:off x="3204616" y="1042400"/>
-            <a:ext cx="2957526" cy="839179"/>
-          </a:xfrm>
-          <a:prstGeom prst="line">
-            <a:avLst/>
-          </a:prstGeom>
-        </p:spPr>
-        <p:style>
-          <a:lnRef idx="1">
-            <a:schemeClr val="accent1"/>
-          </a:lnRef>
-          <a:fillRef idx="0">
-            <a:schemeClr val="accent1"/>
-          </a:fillRef>
-          <a:effectRef idx="0">
-            <a:schemeClr val="accent1"/>
-          </a:effectRef>
-          <a:fontRef idx="minor">
-            <a:schemeClr val="tx1"/>
-          </a:fontRef>
-        </p:style>
-      </p:cxnSp>
-      <p:sp>
-        <p:nvSpPr>
-          <p:cNvPr id="14" name="TextBox 13">
-            <a:extLst>
-              <a:ext uri="{FF2B5EF4-FFF2-40B4-BE49-F238E27FC236}">
-                <a16:creationId xmlns:a16="http://schemas.microsoft.com/office/drawing/2014/main" id="{93CD4CAA-3146-6E73-1A9C-9556684936F5}"/>
-              </a:ext>
-            </a:extLst>
-          </p:cNvPr>
-          <p:cNvSpPr txBox="1"/>
-          <p:nvPr/>
-        </p:nvSpPr>
-        <p:spPr>
-          <a:xfrm>
-            <a:off x="5783942" y="5630934"/>
-            <a:ext cx="5505855" cy="646331"/>
-          </a:xfrm>
-          <a:prstGeom prst="rect">
-            <a:avLst/>
-          </a:prstGeom>
-          <a:noFill/>
-        </p:spPr>
-        <p:txBody>
-          <a:bodyPr wrap="square" rtlCol="0">
-            <a:spAutoFit/>
-          </a:bodyPr>
-          <a:lstStyle/>
-          <a:p>
-            <a:r>
-              <a:rPr lang="en-US" dirty="0">
-                <a:solidFill>
-                  <a:srgbClr val="FF0000"/>
-                </a:solidFill>
-              </a:rPr>
-              <a:t>Why is 80 OK here?</a:t>
-            </a:r>
-            <a:br>
-              <a:rPr lang="en-US" dirty="0">
-                <a:solidFill>
-                  <a:srgbClr val="FF0000"/>
-                </a:solidFill>
-              </a:rPr>
-            </a:br>
-            <a:r>
-              <a:rPr lang="en-US" dirty="0">
-                <a:solidFill>
-                  <a:srgbClr val="FF0000"/>
-                </a:solidFill>
-              </a:rPr>
-              <a:t>What range of numbers is OK here?</a:t>
-            </a:r>
-          </a:p>
-        </p:txBody>
-      </p:sp>
+        </p:spPr>
+      </p:pic>
     </p:spTree>
     <p:extLst>
       <p:ext uri="{BB962C8B-B14F-4D97-AF65-F5344CB8AC3E}">
-        <p14:creationId xmlns:p14="http://schemas.microsoft.com/office/powerpoint/2010/main" val="688007551"/>
+        <p14:creationId xmlns:p14="http://schemas.microsoft.com/office/powerpoint/2010/main" val="3099252108"/>
       </p:ext>
     </p:extLst>
   </p:cSld>
@@ -7158,103 +5193,10 @@
           </a:fontRef>
         </p:style>
       </p:cxnSp>
-      <p:sp>
-        <p:nvSpPr>
-          <p:cNvPr id="12" name="TextBox 11">
-            <a:extLst>
-              <a:ext uri="{FF2B5EF4-FFF2-40B4-BE49-F238E27FC236}">
-                <a16:creationId xmlns:a16="http://schemas.microsoft.com/office/drawing/2014/main" id="{E70C4210-7590-1CCD-6E82-433836370EDD}"/>
-              </a:ext>
-            </a:extLst>
-          </p:cNvPr>
-          <p:cNvSpPr txBox="1"/>
-          <p:nvPr/>
-        </p:nvSpPr>
-        <p:spPr>
-          <a:xfrm>
-            <a:off x="5783942" y="4496583"/>
-            <a:ext cx="1674056" cy="461665"/>
-          </a:xfrm>
-          <a:prstGeom prst="rect">
-            <a:avLst/>
-          </a:prstGeom>
-          <a:noFill/>
-        </p:spPr>
-        <p:txBody>
-          <a:bodyPr wrap="square" rtlCol="0">
-            <a:spAutoFit/>
-          </a:bodyPr>
-          <a:lstStyle/>
-          <a:p>
-            <a:r>
-              <a:rPr lang="en-US" sz="2400" dirty="0">
-                <a:solidFill>
-                  <a:srgbClr val="FF0000"/>
-                </a:solidFill>
-              </a:rPr>
-              <a:t>(75, 100)</a:t>
-            </a:r>
-          </a:p>
-        </p:txBody>
-      </p:sp>
-      <p:sp>
-        <p:nvSpPr>
-          <p:cNvPr id="14" name="TextBox 13">
-            <a:extLst>
-              <a:ext uri="{FF2B5EF4-FFF2-40B4-BE49-F238E27FC236}">
-                <a16:creationId xmlns:a16="http://schemas.microsoft.com/office/drawing/2014/main" id="{93CD4CAA-3146-6E73-1A9C-9556684936F5}"/>
-              </a:ext>
-            </a:extLst>
-          </p:cNvPr>
-          <p:cNvSpPr txBox="1"/>
-          <p:nvPr/>
-        </p:nvSpPr>
-        <p:spPr>
-          <a:xfrm>
-            <a:off x="5783942" y="5630934"/>
-            <a:ext cx="5505855" cy="646331"/>
-          </a:xfrm>
-          <a:prstGeom prst="rect">
-            <a:avLst/>
-          </a:prstGeom>
-          <a:noFill/>
-        </p:spPr>
-        <p:txBody>
-          <a:bodyPr wrap="square" rtlCol="0">
-            <a:spAutoFit/>
-          </a:bodyPr>
-          <a:lstStyle/>
-          <a:p>
-            <a:r>
-              <a:rPr lang="en-US" dirty="0">
-                <a:solidFill>
-                  <a:srgbClr val="FF0000"/>
-                </a:solidFill>
-              </a:rPr>
-              <a:t>Why is 80 OK here?</a:t>
-            </a:r>
-            <a:br>
-              <a:rPr lang="en-US" dirty="0">
-                <a:solidFill>
-                  <a:srgbClr val="FF0000"/>
-                </a:solidFill>
-              </a:rPr>
-            </a:br>
-            <a:r>
-              <a:rPr lang="en-US" dirty="0">
-                <a:solidFill>
-                  <a:srgbClr val="FF0000"/>
-                </a:solidFill>
-              </a:rPr>
-              <a:t>What range of numbers is OK here?</a:t>
-            </a:r>
-          </a:p>
-        </p:txBody>
-      </p:sp>
     </p:spTree>
     <p:extLst>
       <p:ext uri="{BB962C8B-B14F-4D97-AF65-F5344CB8AC3E}">
-        <p14:creationId xmlns:p14="http://schemas.microsoft.com/office/powerpoint/2010/main" val="4190853814"/>
+        <p14:creationId xmlns:p14="http://schemas.microsoft.com/office/powerpoint/2010/main" val="4007180980"/>
       </p:ext>
     </p:extLst>
   </p:cSld>
@@ -7281,40 +5223,1565 @@
           <a:chExt cx="0" cy="0"/>
         </a:xfrm>
       </p:grpSpPr>
-      <p:pic>
-        <p:nvPicPr>
-          <p:cNvPr id="2" name="Picture 1">
-            <a:extLst>
-              <a:ext uri="{FF2B5EF4-FFF2-40B4-BE49-F238E27FC236}">
-                <a16:creationId xmlns:a16="http://schemas.microsoft.com/office/drawing/2014/main" id="{46C14380-3F1F-A080-D86B-347442C3B59D}"/>
-              </a:ext>
-            </a:extLst>
-          </p:cNvPr>
-          <p:cNvPicPr>
-            <a:picLocks noChangeAspect="1"/>
-          </p:cNvPicPr>
+      <p:sp>
+        <p:nvSpPr>
+          <p:cNvPr id="4" name="TextBox 3">
+            <a:extLst>
+              <a:ext uri="{FF2B5EF4-FFF2-40B4-BE49-F238E27FC236}">
+                <a16:creationId xmlns:a16="http://schemas.microsoft.com/office/drawing/2014/main" id="{1B8634E9-EDF6-AA44-9D39-BF81C76C9473}"/>
+              </a:ext>
+            </a:extLst>
+          </p:cNvPr>
+          <p:cNvSpPr txBox="1"/>
           <p:nvPr/>
-        </p:nvPicPr>
-        <p:blipFill>
-          <a:blip r:embed="rId2"/>
-          <a:stretch>
-            <a:fillRect/>
-          </a:stretch>
-        </p:blipFill>
-        <p:spPr>
-          <a:xfrm>
-            <a:off x="2209800" y="1965020"/>
-            <a:ext cx="7772400" cy="2927959"/>
+        </p:nvSpPr>
+        <p:spPr>
+          <a:xfrm>
+            <a:off x="5710586" y="580735"/>
+            <a:ext cx="903111" cy="461665"/>
           </a:xfrm>
           <a:prstGeom prst="rect">
             <a:avLst/>
           </a:prstGeom>
-        </p:spPr>
-      </p:pic>
+          <a:noFill/>
+          <a:ln>
+            <a:solidFill>
+              <a:schemeClr val="tx1"/>
+            </a:solidFill>
+          </a:ln>
+        </p:spPr>
+        <p:txBody>
+          <a:bodyPr wrap="square" rtlCol="0">
+            <a:spAutoFit/>
+          </a:bodyPr>
+          <a:lstStyle/>
+          <a:p>
+            <a:pPr algn="ctr"/>
+            <a:r>
+              <a:rPr lang="en-US" sz="2400" dirty="0"/>
+              <a:t>100</a:t>
+            </a:r>
+          </a:p>
+        </p:txBody>
+      </p:sp>
+      <p:sp>
+        <p:nvSpPr>
+          <p:cNvPr id="5" name="TextBox 4">
+            <a:extLst>
+              <a:ext uri="{FF2B5EF4-FFF2-40B4-BE49-F238E27FC236}">
+                <a16:creationId xmlns:a16="http://schemas.microsoft.com/office/drawing/2014/main" id="{62685299-1BC5-2E4D-8A7F-BC437DC253F6}"/>
+              </a:ext>
+            </a:extLst>
+          </p:cNvPr>
+          <p:cNvSpPr txBox="1"/>
+          <p:nvPr/>
+        </p:nvSpPr>
+        <p:spPr>
+          <a:xfrm>
+            <a:off x="2753060" y="1881579"/>
+            <a:ext cx="903111" cy="461665"/>
+          </a:xfrm>
+          <a:prstGeom prst="rect">
+            <a:avLst/>
+          </a:prstGeom>
+          <a:noFill/>
+          <a:ln>
+            <a:solidFill>
+              <a:schemeClr val="tx1"/>
+            </a:solidFill>
+          </a:ln>
+        </p:spPr>
+        <p:txBody>
+          <a:bodyPr wrap="square" rtlCol="0">
+            <a:spAutoFit/>
+          </a:bodyPr>
+          <a:lstStyle/>
+          <a:p>
+            <a:pPr algn="ctr"/>
+            <a:r>
+              <a:rPr lang="en-US" sz="2400" dirty="0"/>
+              <a:t>50</a:t>
+            </a:r>
+          </a:p>
+        </p:txBody>
+      </p:sp>
+      <p:sp>
+        <p:nvSpPr>
+          <p:cNvPr id="6" name="TextBox 5">
+            <a:extLst>
+              <a:ext uri="{FF2B5EF4-FFF2-40B4-BE49-F238E27FC236}">
+                <a16:creationId xmlns:a16="http://schemas.microsoft.com/office/drawing/2014/main" id="{EB59CB55-E64C-D04A-8293-538578586641}"/>
+              </a:ext>
+            </a:extLst>
+          </p:cNvPr>
+          <p:cNvSpPr txBox="1"/>
+          <p:nvPr/>
+        </p:nvSpPr>
+        <p:spPr>
+          <a:xfrm>
+            <a:off x="6933825" y="1879656"/>
+            <a:ext cx="1286933" cy="461665"/>
+          </a:xfrm>
+          <a:prstGeom prst="rect">
+            <a:avLst/>
+          </a:prstGeom>
+          <a:noFill/>
+          <a:ln>
+            <a:solidFill>
+              <a:schemeClr val="tx1"/>
+            </a:solidFill>
+          </a:ln>
+        </p:spPr>
+        <p:txBody>
+          <a:bodyPr wrap="square" rtlCol="0">
+            <a:spAutoFit/>
+          </a:bodyPr>
+          <a:lstStyle/>
+          <a:p>
+            <a:pPr algn="ctr"/>
+            <a:r>
+              <a:rPr lang="en-US" sz="2400" dirty="0"/>
+              <a:t>200</a:t>
+            </a:r>
+          </a:p>
+        </p:txBody>
+      </p:sp>
+      <p:sp>
+        <p:nvSpPr>
+          <p:cNvPr id="7" name="TextBox 6">
+            <a:extLst>
+              <a:ext uri="{FF2B5EF4-FFF2-40B4-BE49-F238E27FC236}">
+                <a16:creationId xmlns:a16="http://schemas.microsoft.com/office/drawing/2014/main" id="{79561617-195C-B147-8D93-DDFF3B980B4A}"/>
+              </a:ext>
+            </a:extLst>
+          </p:cNvPr>
+          <p:cNvSpPr txBox="1"/>
+          <p:nvPr/>
+        </p:nvSpPr>
+        <p:spPr>
+          <a:xfrm>
+            <a:off x="1777087" y="3231920"/>
+            <a:ext cx="582679" cy="461665"/>
+          </a:xfrm>
+          <a:prstGeom prst="rect">
+            <a:avLst/>
+          </a:prstGeom>
+          <a:noFill/>
+          <a:ln>
+            <a:solidFill>
+              <a:schemeClr val="tx1"/>
+            </a:solidFill>
+          </a:ln>
+        </p:spPr>
+        <p:txBody>
+          <a:bodyPr wrap="square" rtlCol="0">
+            <a:spAutoFit/>
+          </a:bodyPr>
+          <a:lstStyle/>
+          <a:p>
+            <a:pPr algn="ctr"/>
+            <a:r>
+              <a:rPr lang="en-US" sz="2400" dirty="0"/>
+              <a:t>25</a:t>
+            </a:r>
+          </a:p>
+        </p:txBody>
+      </p:sp>
+      <p:sp>
+        <p:nvSpPr>
+          <p:cNvPr id="8" name="TextBox 7">
+            <a:extLst>
+              <a:ext uri="{FF2B5EF4-FFF2-40B4-BE49-F238E27FC236}">
+                <a16:creationId xmlns:a16="http://schemas.microsoft.com/office/drawing/2014/main" id="{A706F2DE-16BE-BC47-8F7F-7D4CF7D7FC1B}"/>
+              </a:ext>
+            </a:extLst>
+          </p:cNvPr>
+          <p:cNvSpPr txBox="1"/>
+          <p:nvPr/>
+        </p:nvSpPr>
+        <p:spPr>
+          <a:xfrm>
+            <a:off x="4322539" y="3226480"/>
+            <a:ext cx="567330" cy="461665"/>
+          </a:xfrm>
+          <a:prstGeom prst="rect">
+            <a:avLst/>
+          </a:prstGeom>
+          <a:noFill/>
+          <a:ln>
+            <a:solidFill>
+              <a:schemeClr val="tx1"/>
+            </a:solidFill>
+          </a:ln>
+        </p:spPr>
+        <p:txBody>
+          <a:bodyPr wrap="square" rtlCol="0">
+            <a:spAutoFit/>
+          </a:bodyPr>
+          <a:lstStyle/>
+          <a:p>
+            <a:pPr algn="ctr"/>
+            <a:r>
+              <a:rPr lang="en-US" sz="2400" dirty="0"/>
+              <a:t>75</a:t>
+            </a:r>
+          </a:p>
+        </p:txBody>
+      </p:sp>
+      <p:sp>
+        <p:nvSpPr>
+          <p:cNvPr id="9" name="TextBox 8">
+            <a:extLst>
+              <a:ext uri="{FF2B5EF4-FFF2-40B4-BE49-F238E27FC236}">
+                <a16:creationId xmlns:a16="http://schemas.microsoft.com/office/drawing/2014/main" id="{7DE297A2-F7F1-2443-92E5-467DF4AF61D6}"/>
+              </a:ext>
+            </a:extLst>
+          </p:cNvPr>
+          <p:cNvSpPr txBox="1"/>
+          <p:nvPr/>
+        </p:nvSpPr>
+        <p:spPr>
+          <a:xfrm>
+            <a:off x="906290" y="4966603"/>
+            <a:ext cx="493644" cy="461665"/>
+          </a:xfrm>
+          <a:prstGeom prst="rect">
+            <a:avLst/>
+          </a:prstGeom>
+          <a:noFill/>
+          <a:ln>
+            <a:solidFill>
+              <a:schemeClr val="tx1"/>
+            </a:solidFill>
+          </a:ln>
+        </p:spPr>
+        <p:txBody>
+          <a:bodyPr wrap="square" rtlCol="0">
+            <a:spAutoFit/>
+          </a:bodyPr>
+          <a:lstStyle/>
+          <a:p>
+            <a:pPr algn="ctr"/>
+            <a:r>
+              <a:rPr lang="en-US" sz="2400" dirty="0"/>
+              <a:t>10</a:t>
+            </a:r>
+          </a:p>
+        </p:txBody>
+      </p:sp>
+      <p:sp>
+        <p:nvSpPr>
+          <p:cNvPr id="10" name="TextBox 9">
+            <a:extLst>
+              <a:ext uri="{FF2B5EF4-FFF2-40B4-BE49-F238E27FC236}">
+                <a16:creationId xmlns:a16="http://schemas.microsoft.com/office/drawing/2014/main" id="{4B6841B0-EE9A-F04E-80C2-C23050FDA9DD}"/>
+              </a:ext>
+            </a:extLst>
+          </p:cNvPr>
+          <p:cNvSpPr txBox="1"/>
+          <p:nvPr/>
+        </p:nvSpPr>
+        <p:spPr>
+          <a:xfrm>
+            <a:off x="2482289" y="4962255"/>
+            <a:ext cx="541542" cy="461665"/>
+          </a:xfrm>
+          <a:prstGeom prst="rect">
+            <a:avLst/>
+          </a:prstGeom>
+          <a:noFill/>
+          <a:ln>
+            <a:solidFill>
+              <a:schemeClr val="tx1"/>
+            </a:solidFill>
+          </a:ln>
+        </p:spPr>
+        <p:txBody>
+          <a:bodyPr wrap="square" rtlCol="0">
+            <a:spAutoFit/>
+          </a:bodyPr>
+          <a:lstStyle/>
+          <a:p>
+            <a:pPr algn="ctr"/>
+            <a:r>
+              <a:rPr lang="en-US" sz="2400" dirty="0"/>
+              <a:t>30</a:t>
+            </a:r>
+          </a:p>
+        </p:txBody>
+      </p:sp>
+      <p:sp>
+        <p:nvSpPr>
+          <p:cNvPr id="11" name="TextBox 10">
+            <a:extLst>
+              <a:ext uri="{FF2B5EF4-FFF2-40B4-BE49-F238E27FC236}">
+                <a16:creationId xmlns:a16="http://schemas.microsoft.com/office/drawing/2014/main" id="{763EFBAB-3DCD-6A4E-AB88-470C3FEE8499}"/>
+              </a:ext>
+            </a:extLst>
+          </p:cNvPr>
+          <p:cNvSpPr txBox="1"/>
+          <p:nvPr/>
+        </p:nvSpPr>
+        <p:spPr>
+          <a:xfrm>
+            <a:off x="3668375" y="4966602"/>
+            <a:ext cx="686598" cy="461665"/>
+          </a:xfrm>
+          <a:prstGeom prst="rect">
+            <a:avLst/>
+          </a:prstGeom>
+          <a:noFill/>
+          <a:ln>
+            <a:solidFill>
+              <a:schemeClr val="tx1"/>
+            </a:solidFill>
+          </a:ln>
+        </p:spPr>
+        <p:txBody>
+          <a:bodyPr wrap="square" rtlCol="0">
+            <a:spAutoFit/>
+          </a:bodyPr>
+          <a:lstStyle/>
+          <a:p>
+            <a:pPr algn="ctr"/>
+            <a:r>
+              <a:rPr lang="en-US" sz="2400" dirty="0"/>
+              <a:t>60</a:t>
+            </a:r>
+          </a:p>
+        </p:txBody>
+      </p:sp>
+      <p:cxnSp>
+        <p:nvCxnSpPr>
+          <p:cNvPr id="16" name="Straight Connector 15">
+            <a:extLst>
+              <a:ext uri="{FF2B5EF4-FFF2-40B4-BE49-F238E27FC236}">
+                <a16:creationId xmlns:a16="http://schemas.microsoft.com/office/drawing/2014/main" id="{7330CCD6-654B-4541-AF30-B1C0F877EA5C}"/>
+              </a:ext>
+            </a:extLst>
+          </p:cNvPr>
+          <p:cNvCxnSpPr>
+            <a:cxnSpLocks/>
+            <a:stCxn id="5" idx="2"/>
+            <a:endCxn id="7" idx="0"/>
+          </p:cNvCxnSpPr>
+          <p:nvPr/>
+        </p:nvCxnSpPr>
+        <p:spPr>
+          <a:xfrm flipH="1">
+            <a:off x="2068427" y="2343244"/>
+            <a:ext cx="1136189" cy="888676"/>
+          </a:xfrm>
+          <a:prstGeom prst="line">
+            <a:avLst/>
+          </a:prstGeom>
+        </p:spPr>
+        <p:style>
+          <a:lnRef idx="1">
+            <a:schemeClr val="accent1"/>
+          </a:lnRef>
+          <a:fillRef idx="0">
+            <a:schemeClr val="accent1"/>
+          </a:fillRef>
+          <a:effectRef idx="0">
+            <a:schemeClr val="accent1"/>
+          </a:effectRef>
+          <a:fontRef idx="minor">
+            <a:schemeClr val="tx1"/>
+          </a:fontRef>
+        </p:style>
+      </p:cxnSp>
+      <p:cxnSp>
+        <p:nvCxnSpPr>
+          <p:cNvPr id="19" name="Straight Connector 18">
+            <a:extLst>
+              <a:ext uri="{FF2B5EF4-FFF2-40B4-BE49-F238E27FC236}">
+                <a16:creationId xmlns:a16="http://schemas.microsoft.com/office/drawing/2014/main" id="{472A5B0E-E6F8-424E-81B0-BCAA1A6E50A4}"/>
+              </a:ext>
+            </a:extLst>
+          </p:cNvPr>
+          <p:cNvCxnSpPr>
+            <a:cxnSpLocks/>
+            <a:stCxn id="7" idx="2"/>
+            <a:endCxn id="9" idx="0"/>
+          </p:cNvCxnSpPr>
+          <p:nvPr/>
+        </p:nvCxnSpPr>
+        <p:spPr>
+          <a:xfrm flipH="1">
+            <a:off x="1153112" y="3693585"/>
+            <a:ext cx="915315" cy="1273018"/>
+          </a:xfrm>
+          <a:prstGeom prst="line">
+            <a:avLst/>
+          </a:prstGeom>
+        </p:spPr>
+        <p:style>
+          <a:lnRef idx="1">
+            <a:schemeClr val="accent1"/>
+          </a:lnRef>
+          <a:fillRef idx="0">
+            <a:schemeClr val="accent1"/>
+          </a:fillRef>
+          <a:effectRef idx="0">
+            <a:schemeClr val="accent1"/>
+          </a:effectRef>
+          <a:fontRef idx="minor">
+            <a:schemeClr val="tx1"/>
+          </a:fontRef>
+        </p:style>
+      </p:cxnSp>
+      <p:cxnSp>
+        <p:nvCxnSpPr>
+          <p:cNvPr id="22" name="Straight Connector 21">
+            <a:extLst>
+              <a:ext uri="{FF2B5EF4-FFF2-40B4-BE49-F238E27FC236}">
+                <a16:creationId xmlns:a16="http://schemas.microsoft.com/office/drawing/2014/main" id="{C1AD3755-D21B-934A-BC21-5F5989FEFACF}"/>
+              </a:ext>
+            </a:extLst>
+          </p:cNvPr>
+          <p:cNvCxnSpPr>
+            <a:cxnSpLocks/>
+            <a:stCxn id="7" idx="2"/>
+            <a:endCxn id="10" idx="0"/>
+          </p:cNvCxnSpPr>
+          <p:nvPr/>
+        </p:nvCxnSpPr>
+        <p:spPr>
+          <a:xfrm>
+            <a:off x="2068427" y="3693585"/>
+            <a:ext cx="684633" cy="1268670"/>
+          </a:xfrm>
+          <a:prstGeom prst="line">
+            <a:avLst/>
+          </a:prstGeom>
+        </p:spPr>
+        <p:style>
+          <a:lnRef idx="1">
+            <a:schemeClr val="accent1"/>
+          </a:lnRef>
+          <a:fillRef idx="0">
+            <a:schemeClr val="accent1"/>
+          </a:fillRef>
+          <a:effectRef idx="0">
+            <a:schemeClr val="accent1"/>
+          </a:effectRef>
+          <a:fontRef idx="minor">
+            <a:schemeClr val="tx1"/>
+          </a:fontRef>
+        </p:style>
+      </p:cxnSp>
+      <p:cxnSp>
+        <p:nvCxnSpPr>
+          <p:cNvPr id="25" name="Straight Connector 24">
+            <a:extLst>
+              <a:ext uri="{FF2B5EF4-FFF2-40B4-BE49-F238E27FC236}">
+                <a16:creationId xmlns:a16="http://schemas.microsoft.com/office/drawing/2014/main" id="{C865EE81-902B-7547-87CE-6AC1796D05EF}"/>
+              </a:ext>
+            </a:extLst>
+          </p:cNvPr>
+          <p:cNvCxnSpPr>
+            <a:cxnSpLocks/>
+            <a:stCxn id="8" idx="2"/>
+            <a:endCxn id="11" idx="0"/>
+          </p:cNvCxnSpPr>
+          <p:nvPr/>
+        </p:nvCxnSpPr>
+        <p:spPr>
+          <a:xfrm flipH="1">
+            <a:off x="4011674" y="3688145"/>
+            <a:ext cx="594530" cy="1278457"/>
+          </a:xfrm>
+          <a:prstGeom prst="line">
+            <a:avLst/>
+          </a:prstGeom>
+        </p:spPr>
+        <p:style>
+          <a:lnRef idx="1">
+            <a:schemeClr val="accent1"/>
+          </a:lnRef>
+          <a:fillRef idx="0">
+            <a:schemeClr val="accent1"/>
+          </a:fillRef>
+          <a:effectRef idx="0">
+            <a:schemeClr val="accent1"/>
+          </a:effectRef>
+          <a:fontRef idx="minor">
+            <a:schemeClr val="tx1"/>
+          </a:fontRef>
+        </p:style>
+      </p:cxnSp>
+      <p:cxnSp>
+        <p:nvCxnSpPr>
+          <p:cNvPr id="28" name="Straight Connector 27">
+            <a:extLst>
+              <a:ext uri="{FF2B5EF4-FFF2-40B4-BE49-F238E27FC236}">
+                <a16:creationId xmlns:a16="http://schemas.microsoft.com/office/drawing/2014/main" id="{09D3424B-86D5-E444-BB0D-19DEAA48D8B4}"/>
+              </a:ext>
+            </a:extLst>
+          </p:cNvPr>
+          <p:cNvCxnSpPr>
+            <a:cxnSpLocks/>
+            <a:stCxn id="5" idx="2"/>
+            <a:endCxn id="8" idx="0"/>
+          </p:cNvCxnSpPr>
+          <p:nvPr/>
+        </p:nvCxnSpPr>
+        <p:spPr>
+          <a:xfrm>
+            <a:off x="3204616" y="2343244"/>
+            <a:ext cx="1401588" cy="883236"/>
+          </a:xfrm>
+          <a:prstGeom prst="line">
+            <a:avLst/>
+          </a:prstGeom>
+        </p:spPr>
+        <p:style>
+          <a:lnRef idx="1">
+            <a:schemeClr val="accent1"/>
+          </a:lnRef>
+          <a:fillRef idx="0">
+            <a:schemeClr val="accent1"/>
+          </a:fillRef>
+          <a:effectRef idx="0">
+            <a:schemeClr val="accent1"/>
+          </a:effectRef>
+          <a:fontRef idx="minor">
+            <a:schemeClr val="tx1"/>
+          </a:fontRef>
+        </p:style>
+      </p:cxnSp>
+      <p:cxnSp>
+        <p:nvCxnSpPr>
+          <p:cNvPr id="31" name="Straight Connector 30">
+            <a:extLst>
+              <a:ext uri="{FF2B5EF4-FFF2-40B4-BE49-F238E27FC236}">
+                <a16:creationId xmlns:a16="http://schemas.microsoft.com/office/drawing/2014/main" id="{908F4582-E12D-F74C-BC42-C818F1B0E507}"/>
+              </a:ext>
+            </a:extLst>
+          </p:cNvPr>
+          <p:cNvCxnSpPr>
+            <a:cxnSpLocks/>
+            <a:stCxn id="4" idx="2"/>
+            <a:endCxn id="6" idx="0"/>
+          </p:cNvCxnSpPr>
+          <p:nvPr/>
+        </p:nvCxnSpPr>
+        <p:spPr>
+          <a:xfrm>
+            <a:off x="6162142" y="1042400"/>
+            <a:ext cx="1415150" cy="837256"/>
+          </a:xfrm>
+          <a:prstGeom prst="line">
+            <a:avLst/>
+          </a:prstGeom>
+        </p:spPr>
+        <p:style>
+          <a:lnRef idx="1">
+            <a:schemeClr val="accent1"/>
+          </a:lnRef>
+          <a:fillRef idx="0">
+            <a:schemeClr val="accent1"/>
+          </a:fillRef>
+          <a:effectRef idx="0">
+            <a:schemeClr val="accent1"/>
+          </a:effectRef>
+          <a:fontRef idx="minor">
+            <a:schemeClr val="tx1"/>
+          </a:fontRef>
+        </p:style>
+      </p:cxnSp>
+      <p:sp>
+        <p:nvSpPr>
+          <p:cNvPr id="23" name="TextBox 22">
+            <a:extLst>
+              <a:ext uri="{FF2B5EF4-FFF2-40B4-BE49-F238E27FC236}">
+                <a16:creationId xmlns:a16="http://schemas.microsoft.com/office/drawing/2014/main" id="{2411C8EC-62CC-F446-A10C-6B73C00B2106}"/>
+              </a:ext>
+            </a:extLst>
+          </p:cNvPr>
+          <p:cNvSpPr txBox="1"/>
+          <p:nvPr/>
+        </p:nvSpPr>
+        <p:spPr>
+          <a:xfrm>
+            <a:off x="5270288" y="4964321"/>
+            <a:ext cx="686598" cy="461665"/>
+          </a:xfrm>
+          <a:prstGeom prst="rect">
+            <a:avLst/>
+          </a:prstGeom>
+          <a:noFill/>
+          <a:ln>
+            <a:solidFill>
+              <a:schemeClr val="tx1"/>
+            </a:solidFill>
+          </a:ln>
+        </p:spPr>
+        <p:txBody>
+          <a:bodyPr wrap="square" rtlCol="0">
+            <a:spAutoFit/>
+          </a:bodyPr>
+          <a:lstStyle/>
+          <a:p>
+            <a:pPr algn="ctr"/>
+            <a:r>
+              <a:rPr lang="en-US" sz="2400" dirty="0"/>
+              <a:t>80</a:t>
+            </a:r>
+          </a:p>
+        </p:txBody>
+      </p:sp>
+      <p:cxnSp>
+        <p:nvCxnSpPr>
+          <p:cNvPr id="24" name="Straight Connector 23">
+            <a:extLst>
+              <a:ext uri="{FF2B5EF4-FFF2-40B4-BE49-F238E27FC236}">
+                <a16:creationId xmlns:a16="http://schemas.microsoft.com/office/drawing/2014/main" id="{BB4D2075-D65C-974B-AFF8-12EDA8093DD6}"/>
+              </a:ext>
+            </a:extLst>
+          </p:cNvPr>
+          <p:cNvCxnSpPr>
+            <a:cxnSpLocks/>
+            <a:stCxn id="8" idx="2"/>
+            <a:endCxn id="23" idx="0"/>
+          </p:cNvCxnSpPr>
+          <p:nvPr/>
+        </p:nvCxnSpPr>
+        <p:spPr>
+          <a:xfrm>
+            <a:off x="4606204" y="3688145"/>
+            <a:ext cx="1007383" cy="1276176"/>
+          </a:xfrm>
+          <a:prstGeom prst="line">
+            <a:avLst/>
+          </a:prstGeom>
+        </p:spPr>
+        <p:style>
+          <a:lnRef idx="1">
+            <a:schemeClr val="accent1"/>
+          </a:lnRef>
+          <a:fillRef idx="0">
+            <a:schemeClr val="accent1"/>
+          </a:fillRef>
+          <a:effectRef idx="0">
+            <a:schemeClr val="accent1"/>
+          </a:effectRef>
+          <a:fontRef idx="minor">
+            <a:schemeClr val="tx1"/>
+          </a:fontRef>
+        </p:style>
+      </p:cxnSp>
+      <p:cxnSp>
+        <p:nvCxnSpPr>
+          <p:cNvPr id="61" name="Straight Connector 60">
+            <a:extLst>
+              <a:ext uri="{FF2B5EF4-FFF2-40B4-BE49-F238E27FC236}">
+                <a16:creationId xmlns:a16="http://schemas.microsoft.com/office/drawing/2014/main" id="{6C1AAB4A-B535-844A-B59A-E9446D9CBD9B}"/>
+              </a:ext>
+            </a:extLst>
+          </p:cNvPr>
+          <p:cNvCxnSpPr>
+            <a:cxnSpLocks/>
+            <a:stCxn id="4" idx="2"/>
+            <a:endCxn id="5" idx="0"/>
+          </p:cNvCxnSpPr>
+          <p:nvPr/>
+        </p:nvCxnSpPr>
+        <p:spPr>
+          <a:xfrm flipH="1">
+            <a:off x="3204616" y="1042400"/>
+            <a:ext cx="2957526" cy="839179"/>
+          </a:xfrm>
+          <a:prstGeom prst="line">
+            <a:avLst/>
+          </a:prstGeom>
+        </p:spPr>
+        <p:style>
+          <a:lnRef idx="1">
+            <a:schemeClr val="accent1"/>
+          </a:lnRef>
+          <a:fillRef idx="0">
+            <a:schemeClr val="accent1"/>
+          </a:fillRef>
+          <a:effectRef idx="0">
+            <a:schemeClr val="accent1"/>
+          </a:effectRef>
+          <a:fontRef idx="minor">
+            <a:schemeClr val="tx1"/>
+          </a:fontRef>
+        </p:style>
+      </p:cxnSp>
+      <p:sp>
+        <p:nvSpPr>
+          <p:cNvPr id="14" name="TextBox 13">
+            <a:extLst>
+              <a:ext uri="{FF2B5EF4-FFF2-40B4-BE49-F238E27FC236}">
+                <a16:creationId xmlns:a16="http://schemas.microsoft.com/office/drawing/2014/main" id="{93CD4CAA-3146-6E73-1A9C-9556684936F5}"/>
+              </a:ext>
+            </a:extLst>
+          </p:cNvPr>
+          <p:cNvSpPr txBox="1"/>
+          <p:nvPr/>
+        </p:nvSpPr>
+        <p:spPr>
+          <a:xfrm>
+            <a:off x="5783942" y="5630934"/>
+            <a:ext cx="5505855" cy="646331"/>
+          </a:xfrm>
+          <a:prstGeom prst="rect">
+            <a:avLst/>
+          </a:prstGeom>
+          <a:noFill/>
+        </p:spPr>
+        <p:txBody>
+          <a:bodyPr wrap="square" rtlCol="0">
+            <a:spAutoFit/>
+          </a:bodyPr>
+          <a:lstStyle/>
+          <a:p>
+            <a:r>
+              <a:rPr lang="en-US" dirty="0">
+                <a:solidFill>
+                  <a:srgbClr val="FF0000"/>
+                </a:solidFill>
+              </a:rPr>
+              <a:t>Why is 80 OK here?</a:t>
+            </a:r>
+            <a:br>
+              <a:rPr lang="en-US" dirty="0">
+                <a:solidFill>
+                  <a:srgbClr val="FF0000"/>
+                </a:solidFill>
+              </a:rPr>
+            </a:br>
+            <a:r>
+              <a:rPr lang="en-US" dirty="0">
+                <a:solidFill>
+                  <a:srgbClr val="FF0000"/>
+                </a:solidFill>
+              </a:rPr>
+              <a:t>What range of numbers is OK here?</a:t>
+            </a:r>
+          </a:p>
+        </p:txBody>
+      </p:sp>
     </p:spTree>
     <p:extLst>
       <p:ext uri="{BB962C8B-B14F-4D97-AF65-F5344CB8AC3E}">
-        <p14:creationId xmlns:p14="http://schemas.microsoft.com/office/powerpoint/2010/main" val="507859634"/>
+        <p14:creationId xmlns:p14="http://schemas.microsoft.com/office/powerpoint/2010/main" val="688007551"/>
+      </p:ext>
+    </p:extLst>
+  </p:cSld>
+  <p:clrMapOvr>
+    <a:masterClrMapping/>
+  </p:clrMapOvr>
+</p:sld>
+</file>
+
+<file path=ppt/slides/slide9.xml><?xml version="1.0" encoding="utf-8"?>
+<p:sld xmlns:a="http://schemas.openxmlformats.org/drawingml/2006/main" xmlns:r="http://schemas.openxmlformats.org/officeDocument/2006/relationships" xmlns:p="http://schemas.openxmlformats.org/presentationml/2006/main">
+  <p:cSld>
+    <p:spTree>
+      <p:nvGrpSpPr>
+        <p:cNvPr id="1" name=""/>
+        <p:cNvGrpSpPr/>
+        <p:nvPr/>
+      </p:nvGrpSpPr>
+      <p:grpSpPr>
+        <a:xfrm>
+          <a:off x="0" y="0"/>
+          <a:ext cx="0" cy="0"/>
+          <a:chOff x="0" y="0"/>
+          <a:chExt cx="0" cy="0"/>
+        </a:xfrm>
+      </p:grpSpPr>
+      <p:sp>
+        <p:nvSpPr>
+          <p:cNvPr id="4" name="TextBox 3">
+            <a:extLst>
+              <a:ext uri="{FF2B5EF4-FFF2-40B4-BE49-F238E27FC236}">
+                <a16:creationId xmlns:a16="http://schemas.microsoft.com/office/drawing/2014/main" id="{1B8634E9-EDF6-AA44-9D39-BF81C76C9473}"/>
+              </a:ext>
+            </a:extLst>
+          </p:cNvPr>
+          <p:cNvSpPr txBox="1"/>
+          <p:nvPr/>
+        </p:nvSpPr>
+        <p:spPr>
+          <a:xfrm>
+            <a:off x="5710586" y="580735"/>
+            <a:ext cx="903111" cy="461665"/>
+          </a:xfrm>
+          <a:prstGeom prst="rect">
+            <a:avLst/>
+          </a:prstGeom>
+          <a:noFill/>
+          <a:ln>
+            <a:solidFill>
+              <a:schemeClr val="tx1"/>
+            </a:solidFill>
+          </a:ln>
+        </p:spPr>
+        <p:txBody>
+          <a:bodyPr wrap="square" rtlCol="0">
+            <a:spAutoFit/>
+          </a:bodyPr>
+          <a:lstStyle/>
+          <a:p>
+            <a:pPr algn="ctr"/>
+            <a:r>
+              <a:rPr lang="en-US" sz="2400" dirty="0"/>
+              <a:t>100</a:t>
+            </a:r>
+          </a:p>
+        </p:txBody>
+      </p:sp>
+      <p:sp>
+        <p:nvSpPr>
+          <p:cNvPr id="5" name="TextBox 4">
+            <a:extLst>
+              <a:ext uri="{FF2B5EF4-FFF2-40B4-BE49-F238E27FC236}">
+                <a16:creationId xmlns:a16="http://schemas.microsoft.com/office/drawing/2014/main" id="{62685299-1BC5-2E4D-8A7F-BC437DC253F6}"/>
+              </a:ext>
+            </a:extLst>
+          </p:cNvPr>
+          <p:cNvSpPr txBox="1"/>
+          <p:nvPr/>
+        </p:nvSpPr>
+        <p:spPr>
+          <a:xfrm>
+            <a:off x="2753060" y="1881579"/>
+            <a:ext cx="903111" cy="461665"/>
+          </a:xfrm>
+          <a:prstGeom prst="rect">
+            <a:avLst/>
+          </a:prstGeom>
+          <a:noFill/>
+          <a:ln>
+            <a:solidFill>
+              <a:schemeClr val="tx1"/>
+            </a:solidFill>
+          </a:ln>
+        </p:spPr>
+        <p:txBody>
+          <a:bodyPr wrap="square" rtlCol="0">
+            <a:spAutoFit/>
+          </a:bodyPr>
+          <a:lstStyle/>
+          <a:p>
+            <a:pPr algn="ctr"/>
+            <a:r>
+              <a:rPr lang="en-US" sz="2400" dirty="0"/>
+              <a:t>50</a:t>
+            </a:r>
+          </a:p>
+        </p:txBody>
+      </p:sp>
+      <p:sp>
+        <p:nvSpPr>
+          <p:cNvPr id="6" name="TextBox 5">
+            <a:extLst>
+              <a:ext uri="{FF2B5EF4-FFF2-40B4-BE49-F238E27FC236}">
+                <a16:creationId xmlns:a16="http://schemas.microsoft.com/office/drawing/2014/main" id="{EB59CB55-E64C-D04A-8293-538578586641}"/>
+              </a:ext>
+            </a:extLst>
+          </p:cNvPr>
+          <p:cNvSpPr txBox="1"/>
+          <p:nvPr/>
+        </p:nvSpPr>
+        <p:spPr>
+          <a:xfrm>
+            <a:off x="6933825" y="1879656"/>
+            <a:ext cx="1286933" cy="461665"/>
+          </a:xfrm>
+          <a:prstGeom prst="rect">
+            <a:avLst/>
+          </a:prstGeom>
+          <a:noFill/>
+          <a:ln>
+            <a:solidFill>
+              <a:schemeClr val="tx1"/>
+            </a:solidFill>
+          </a:ln>
+        </p:spPr>
+        <p:txBody>
+          <a:bodyPr wrap="square" rtlCol="0">
+            <a:spAutoFit/>
+          </a:bodyPr>
+          <a:lstStyle/>
+          <a:p>
+            <a:pPr algn="ctr"/>
+            <a:r>
+              <a:rPr lang="en-US" sz="2400" dirty="0"/>
+              <a:t>200</a:t>
+            </a:r>
+          </a:p>
+        </p:txBody>
+      </p:sp>
+      <p:sp>
+        <p:nvSpPr>
+          <p:cNvPr id="7" name="TextBox 6">
+            <a:extLst>
+              <a:ext uri="{FF2B5EF4-FFF2-40B4-BE49-F238E27FC236}">
+                <a16:creationId xmlns:a16="http://schemas.microsoft.com/office/drawing/2014/main" id="{79561617-195C-B147-8D93-DDFF3B980B4A}"/>
+              </a:ext>
+            </a:extLst>
+          </p:cNvPr>
+          <p:cNvSpPr txBox="1"/>
+          <p:nvPr/>
+        </p:nvSpPr>
+        <p:spPr>
+          <a:xfrm>
+            <a:off x="1777087" y="3231920"/>
+            <a:ext cx="582679" cy="461665"/>
+          </a:xfrm>
+          <a:prstGeom prst="rect">
+            <a:avLst/>
+          </a:prstGeom>
+          <a:noFill/>
+          <a:ln>
+            <a:solidFill>
+              <a:schemeClr val="tx1"/>
+            </a:solidFill>
+          </a:ln>
+        </p:spPr>
+        <p:txBody>
+          <a:bodyPr wrap="square" rtlCol="0">
+            <a:spAutoFit/>
+          </a:bodyPr>
+          <a:lstStyle/>
+          <a:p>
+            <a:pPr algn="ctr"/>
+            <a:r>
+              <a:rPr lang="en-US" sz="2400" dirty="0"/>
+              <a:t>25</a:t>
+            </a:r>
+          </a:p>
+        </p:txBody>
+      </p:sp>
+      <p:sp>
+        <p:nvSpPr>
+          <p:cNvPr id="8" name="TextBox 7">
+            <a:extLst>
+              <a:ext uri="{FF2B5EF4-FFF2-40B4-BE49-F238E27FC236}">
+                <a16:creationId xmlns:a16="http://schemas.microsoft.com/office/drawing/2014/main" id="{A706F2DE-16BE-BC47-8F7F-7D4CF7D7FC1B}"/>
+              </a:ext>
+            </a:extLst>
+          </p:cNvPr>
+          <p:cNvSpPr txBox="1"/>
+          <p:nvPr/>
+        </p:nvSpPr>
+        <p:spPr>
+          <a:xfrm>
+            <a:off x="4322539" y="3226480"/>
+            <a:ext cx="567330" cy="461665"/>
+          </a:xfrm>
+          <a:prstGeom prst="rect">
+            <a:avLst/>
+          </a:prstGeom>
+          <a:noFill/>
+          <a:ln>
+            <a:solidFill>
+              <a:schemeClr val="tx1"/>
+            </a:solidFill>
+          </a:ln>
+        </p:spPr>
+        <p:txBody>
+          <a:bodyPr wrap="square" rtlCol="0">
+            <a:spAutoFit/>
+          </a:bodyPr>
+          <a:lstStyle/>
+          <a:p>
+            <a:pPr algn="ctr"/>
+            <a:r>
+              <a:rPr lang="en-US" sz="2400" dirty="0"/>
+              <a:t>75</a:t>
+            </a:r>
+          </a:p>
+        </p:txBody>
+      </p:sp>
+      <p:sp>
+        <p:nvSpPr>
+          <p:cNvPr id="9" name="TextBox 8">
+            <a:extLst>
+              <a:ext uri="{FF2B5EF4-FFF2-40B4-BE49-F238E27FC236}">
+                <a16:creationId xmlns:a16="http://schemas.microsoft.com/office/drawing/2014/main" id="{7DE297A2-F7F1-2443-92E5-467DF4AF61D6}"/>
+              </a:ext>
+            </a:extLst>
+          </p:cNvPr>
+          <p:cNvSpPr txBox="1"/>
+          <p:nvPr/>
+        </p:nvSpPr>
+        <p:spPr>
+          <a:xfrm>
+            <a:off x="906290" y="4966603"/>
+            <a:ext cx="493644" cy="461665"/>
+          </a:xfrm>
+          <a:prstGeom prst="rect">
+            <a:avLst/>
+          </a:prstGeom>
+          <a:noFill/>
+          <a:ln>
+            <a:solidFill>
+              <a:schemeClr val="tx1"/>
+            </a:solidFill>
+          </a:ln>
+        </p:spPr>
+        <p:txBody>
+          <a:bodyPr wrap="square" rtlCol="0">
+            <a:spAutoFit/>
+          </a:bodyPr>
+          <a:lstStyle/>
+          <a:p>
+            <a:pPr algn="ctr"/>
+            <a:r>
+              <a:rPr lang="en-US" sz="2400" dirty="0"/>
+              <a:t>10</a:t>
+            </a:r>
+          </a:p>
+        </p:txBody>
+      </p:sp>
+      <p:sp>
+        <p:nvSpPr>
+          <p:cNvPr id="10" name="TextBox 9">
+            <a:extLst>
+              <a:ext uri="{FF2B5EF4-FFF2-40B4-BE49-F238E27FC236}">
+                <a16:creationId xmlns:a16="http://schemas.microsoft.com/office/drawing/2014/main" id="{4B6841B0-EE9A-F04E-80C2-C23050FDA9DD}"/>
+              </a:ext>
+            </a:extLst>
+          </p:cNvPr>
+          <p:cNvSpPr txBox="1"/>
+          <p:nvPr/>
+        </p:nvSpPr>
+        <p:spPr>
+          <a:xfrm>
+            <a:off x="2482289" y="4962255"/>
+            <a:ext cx="541542" cy="461665"/>
+          </a:xfrm>
+          <a:prstGeom prst="rect">
+            <a:avLst/>
+          </a:prstGeom>
+          <a:noFill/>
+          <a:ln>
+            <a:solidFill>
+              <a:schemeClr val="tx1"/>
+            </a:solidFill>
+          </a:ln>
+        </p:spPr>
+        <p:txBody>
+          <a:bodyPr wrap="square" rtlCol="0">
+            <a:spAutoFit/>
+          </a:bodyPr>
+          <a:lstStyle/>
+          <a:p>
+            <a:pPr algn="ctr"/>
+            <a:r>
+              <a:rPr lang="en-US" sz="2400" dirty="0"/>
+              <a:t>30</a:t>
+            </a:r>
+          </a:p>
+        </p:txBody>
+      </p:sp>
+      <p:sp>
+        <p:nvSpPr>
+          <p:cNvPr id="11" name="TextBox 10">
+            <a:extLst>
+              <a:ext uri="{FF2B5EF4-FFF2-40B4-BE49-F238E27FC236}">
+                <a16:creationId xmlns:a16="http://schemas.microsoft.com/office/drawing/2014/main" id="{763EFBAB-3DCD-6A4E-AB88-470C3FEE8499}"/>
+              </a:ext>
+            </a:extLst>
+          </p:cNvPr>
+          <p:cNvSpPr txBox="1"/>
+          <p:nvPr/>
+        </p:nvSpPr>
+        <p:spPr>
+          <a:xfrm>
+            <a:off x="3668375" y="4966602"/>
+            <a:ext cx="686598" cy="461665"/>
+          </a:xfrm>
+          <a:prstGeom prst="rect">
+            <a:avLst/>
+          </a:prstGeom>
+          <a:noFill/>
+          <a:ln>
+            <a:solidFill>
+              <a:schemeClr val="tx1"/>
+            </a:solidFill>
+          </a:ln>
+        </p:spPr>
+        <p:txBody>
+          <a:bodyPr wrap="square" rtlCol="0">
+            <a:spAutoFit/>
+          </a:bodyPr>
+          <a:lstStyle/>
+          <a:p>
+            <a:pPr algn="ctr"/>
+            <a:r>
+              <a:rPr lang="en-US" sz="2400" dirty="0"/>
+              <a:t>60</a:t>
+            </a:r>
+          </a:p>
+        </p:txBody>
+      </p:sp>
+      <p:cxnSp>
+        <p:nvCxnSpPr>
+          <p:cNvPr id="16" name="Straight Connector 15">
+            <a:extLst>
+              <a:ext uri="{FF2B5EF4-FFF2-40B4-BE49-F238E27FC236}">
+                <a16:creationId xmlns:a16="http://schemas.microsoft.com/office/drawing/2014/main" id="{7330CCD6-654B-4541-AF30-B1C0F877EA5C}"/>
+              </a:ext>
+            </a:extLst>
+          </p:cNvPr>
+          <p:cNvCxnSpPr>
+            <a:cxnSpLocks/>
+            <a:stCxn id="5" idx="2"/>
+            <a:endCxn id="7" idx="0"/>
+          </p:cNvCxnSpPr>
+          <p:nvPr/>
+        </p:nvCxnSpPr>
+        <p:spPr>
+          <a:xfrm flipH="1">
+            <a:off x="2068427" y="2343244"/>
+            <a:ext cx="1136189" cy="888676"/>
+          </a:xfrm>
+          <a:prstGeom prst="line">
+            <a:avLst/>
+          </a:prstGeom>
+        </p:spPr>
+        <p:style>
+          <a:lnRef idx="1">
+            <a:schemeClr val="accent1"/>
+          </a:lnRef>
+          <a:fillRef idx="0">
+            <a:schemeClr val="accent1"/>
+          </a:fillRef>
+          <a:effectRef idx="0">
+            <a:schemeClr val="accent1"/>
+          </a:effectRef>
+          <a:fontRef idx="minor">
+            <a:schemeClr val="tx1"/>
+          </a:fontRef>
+        </p:style>
+      </p:cxnSp>
+      <p:cxnSp>
+        <p:nvCxnSpPr>
+          <p:cNvPr id="19" name="Straight Connector 18">
+            <a:extLst>
+              <a:ext uri="{FF2B5EF4-FFF2-40B4-BE49-F238E27FC236}">
+                <a16:creationId xmlns:a16="http://schemas.microsoft.com/office/drawing/2014/main" id="{472A5B0E-E6F8-424E-81B0-BCAA1A6E50A4}"/>
+              </a:ext>
+            </a:extLst>
+          </p:cNvPr>
+          <p:cNvCxnSpPr>
+            <a:cxnSpLocks/>
+            <a:stCxn id="7" idx="2"/>
+            <a:endCxn id="9" idx="0"/>
+          </p:cNvCxnSpPr>
+          <p:nvPr/>
+        </p:nvCxnSpPr>
+        <p:spPr>
+          <a:xfrm flipH="1">
+            <a:off x="1153112" y="3693585"/>
+            <a:ext cx="915315" cy="1273018"/>
+          </a:xfrm>
+          <a:prstGeom prst="line">
+            <a:avLst/>
+          </a:prstGeom>
+        </p:spPr>
+        <p:style>
+          <a:lnRef idx="1">
+            <a:schemeClr val="accent1"/>
+          </a:lnRef>
+          <a:fillRef idx="0">
+            <a:schemeClr val="accent1"/>
+          </a:fillRef>
+          <a:effectRef idx="0">
+            <a:schemeClr val="accent1"/>
+          </a:effectRef>
+          <a:fontRef idx="minor">
+            <a:schemeClr val="tx1"/>
+          </a:fontRef>
+        </p:style>
+      </p:cxnSp>
+      <p:cxnSp>
+        <p:nvCxnSpPr>
+          <p:cNvPr id="22" name="Straight Connector 21">
+            <a:extLst>
+              <a:ext uri="{FF2B5EF4-FFF2-40B4-BE49-F238E27FC236}">
+                <a16:creationId xmlns:a16="http://schemas.microsoft.com/office/drawing/2014/main" id="{C1AD3755-D21B-934A-BC21-5F5989FEFACF}"/>
+              </a:ext>
+            </a:extLst>
+          </p:cNvPr>
+          <p:cNvCxnSpPr>
+            <a:cxnSpLocks/>
+            <a:stCxn id="7" idx="2"/>
+            <a:endCxn id="10" idx="0"/>
+          </p:cNvCxnSpPr>
+          <p:nvPr/>
+        </p:nvCxnSpPr>
+        <p:spPr>
+          <a:xfrm>
+            <a:off x="2068427" y="3693585"/>
+            <a:ext cx="684633" cy="1268670"/>
+          </a:xfrm>
+          <a:prstGeom prst="line">
+            <a:avLst/>
+          </a:prstGeom>
+        </p:spPr>
+        <p:style>
+          <a:lnRef idx="1">
+            <a:schemeClr val="accent1"/>
+          </a:lnRef>
+          <a:fillRef idx="0">
+            <a:schemeClr val="accent1"/>
+          </a:fillRef>
+          <a:effectRef idx="0">
+            <a:schemeClr val="accent1"/>
+          </a:effectRef>
+          <a:fontRef idx="minor">
+            <a:schemeClr val="tx1"/>
+          </a:fontRef>
+        </p:style>
+      </p:cxnSp>
+      <p:cxnSp>
+        <p:nvCxnSpPr>
+          <p:cNvPr id="25" name="Straight Connector 24">
+            <a:extLst>
+              <a:ext uri="{FF2B5EF4-FFF2-40B4-BE49-F238E27FC236}">
+                <a16:creationId xmlns:a16="http://schemas.microsoft.com/office/drawing/2014/main" id="{C865EE81-902B-7547-87CE-6AC1796D05EF}"/>
+              </a:ext>
+            </a:extLst>
+          </p:cNvPr>
+          <p:cNvCxnSpPr>
+            <a:cxnSpLocks/>
+            <a:stCxn id="8" idx="2"/>
+            <a:endCxn id="11" idx="0"/>
+          </p:cNvCxnSpPr>
+          <p:nvPr/>
+        </p:nvCxnSpPr>
+        <p:spPr>
+          <a:xfrm flipH="1">
+            <a:off x="4011674" y="3688145"/>
+            <a:ext cx="594530" cy="1278457"/>
+          </a:xfrm>
+          <a:prstGeom prst="line">
+            <a:avLst/>
+          </a:prstGeom>
+        </p:spPr>
+        <p:style>
+          <a:lnRef idx="1">
+            <a:schemeClr val="accent1"/>
+          </a:lnRef>
+          <a:fillRef idx="0">
+            <a:schemeClr val="accent1"/>
+          </a:fillRef>
+          <a:effectRef idx="0">
+            <a:schemeClr val="accent1"/>
+          </a:effectRef>
+          <a:fontRef idx="minor">
+            <a:schemeClr val="tx1"/>
+          </a:fontRef>
+        </p:style>
+      </p:cxnSp>
+      <p:cxnSp>
+        <p:nvCxnSpPr>
+          <p:cNvPr id="28" name="Straight Connector 27">
+            <a:extLst>
+              <a:ext uri="{FF2B5EF4-FFF2-40B4-BE49-F238E27FC236}">
+                <a16:creationId xmlns:a16="http://schemas.microsoft.com/office/drawing/2014/main" id="{09D3424B-86D5-E444-BB0D-19DEAA48D8B4}"/>
+              </a:ext>
+            </a:extLst>
+          </p:cNvPr>
+          <p:cNvCxnSpPr>
+            <a:cxnSpLocks/>
+            <a:stCxn id="5" idx="2"/>
+            <a:endCxn id="8" idx="0"/>
+          </p:cNvCxnSpPr>
+          <p:nvPr/>
+        </p:nvCxnSpPr>
+        <p:spPr>
+          <a:xfrm>
+            <a:off x="3204616" y="2343244"/>
+            <a:ext cx="1401588" cy="883236"/>
+          </a:xfrm>
+          <a:prstGeom prst="line">
+            <a:avLst/>
+          </a:prstGeom>
+        </p:spPr>
+        <p:style>
+          <a:lnRef idx="1">
+            <a:schemeClr val="accent1"/>
+          </a:lnRef>
+          <a:fillRef idx="0">
+            <a:schemeClr val="accent1"/>
+          </a:fillRef>
+          <a:effectRef idx="0">
+            <a:schemeClr val="accent1"/>
+          </a:effectRef>
+          <a:fontRef idx="minor">
+            <a:schemeClr val="tx1"/>
+          </a:fontRef>
+        </p:style>
+      </p:cxnSp>
+      <p:cxnSp>
+        <p:nvCxnSpPr>
+          <p:cNvPr id="31" name="Straight Connector 30">
+            <a:extLst>
+              <a:ext uri="{FF2B5EF4-FFF2-40B4-BE49-F238E27FC236}">
+                <a16:creationId xmlns:a16="http://schemas.microsoft.com/office/drawing/2014/main" id="{908F4582-E12D-F74C-BC42-C818F1B0E507}"/>
+              </a:ext>
+            </a:extLst>
+          </p:cNvPr>
+          <p:cNvCxnSpPr>
+            <a:cxnSpLocks/>
+            <a:stCxn id="4" idx="2"/>
+            <a:endCxn id="6" idx="0"/>
+          </p:cNvCxnSpPr>
+          <p:nvPr/>
+        </p:nvCxnSpPr>
+        <p:spPr>
+          <a:xfrm>
+            <a:off x="6162142" y="1042400"/>
+            <a:ext cx="1415150" cy="837256"/>
+          </a:xfrm>
+          <a:prstGeom prst="line">
+            <a:avLst/>
+          </a:prstGeom>
+        </p:spPr>
+        <p:style>
+          <a:lnRef idx="1">
+            <a:schemeClr val="accent1"/>
+          </a:lnRef>
+          <a:fillRef idx="0">
+            <a:schemeClr val="accent1"/>
+          </a:fillRef>
+          <a:effectRef idx="0">
+            <a:schemeClr val="accent1"/>
+          </a:effectRef>
+          <a:fontRef idx="minor">
+            <a:schemeClr val="tx1"/>
+          </a:fontRef>
+        </p:style>
+      </p:cxnSp>
+      <p:sp>
+        <p:nvSpPr>
+          <p:cNvPr id="23" name="TextBox 22">
+            <a:extLst>
+              <a:ext uri="{FF2B5EF4-FFF2-40B4-BE49-F238E27FC236}">
+                <a16:creationId xmlns:a16="http://schemas.microsoft.com/office/drawing/2014/main" id="{2411C8EC-62CC-F446-A10C-6B73C00B2106}"/>
+              </a:ext>
+            </a:extLst>
+          </p:cNvPr>
+          <p:cNvSpPr txBox="1"/>
+          <p:nvPr/>
+        </p:nvSpPr>
+        <p:spPr>
+          <a:xfrm>
+            <a:off x="5270288" y="4964321"/>
+            <a:ext cx="686598" cy="461665"/>
+          </a:xfrm>
+          <a:prstGeom prst="rect">
+            <a:avLst/>
+          </a:prstGeom>
+          <a:noFill/>
+          <a:ln>
+            <a:solidFill>
+              <a:schemeClr val="tx1"/>
+            </a:solidFill>
+          </a:ln>
+        </p:spPr>
+        <p:txBody>
+          <a:bodyPr wrap="square" rtlCol="0">
+            <a:spAutoFit/>
+          </a:bodyPr>
+          <a:lstStyle/>
+          <a:p>
+            <a:pPr algn="ctr"/>
+            <a:r>
+              <a:rPr lang="en-US" sz="2400" dirty="0"/>
+              <a:t>80</a:t>
+            </a:r>
+          </a:p>
+        </p:txBody>
+      </p:sp>
+      <p:cxnSp>
+        <p:nvCxnSpPr>
+          <p:cNvPr id="24" name="Straight Connector 23">
+            <a:extLst>
+              <a:ext uri="{FF2B5EF4-FFF2-40B4-BE49-F238E27FC236}">
+                <a16:creationId xmlns:a16="http://schemas.microsoft.com/office/drawing/2014/main" id="{BB4D2075-D65C-974B-AFF8-12EDA8093DD6}"/>
+              </a:ext>
+            </a:extLst>
+          </p:cNvPr>
+          <p:cNvCxnSpPr>
+            <a:cxnSpLocks/>
+            <a:stCxn id="8" idx="2"/>
+            <a:endCxn id="23" idx="0"/>
+          </p:cNvCxnSpPr>
+          <p:nvPr/>
+        </p:nvCxnSpPr>
+        <p:spPr>
+          <a:xfrm>
+            <a:off x="4606204" y="3688145"/>
+            <a:ext cx="1007383" cy="1276176"/>
+          </a:xfrm>
+          <a:prstGeom prst="line">
+            <a:avLst/>
+          </a:prstGeom>
+        </p:spPr>
+        <p:style>
+          <a:lnRef idx="1">
+            <a:schemeClr val="accent1"/>
+          </a:lnRef>
+          <a:fillRef idx="0">
+            <a:schemeClr val="accent1"/>
+          </a:fillRef>
+          <a:effectRef idx="0">
+            <a:schemeClr val="accent1"/>
+          </a:effectRef>
+          <a:fontRef idx="minor">
+            <a:schemeClr val="tx1"/>
+          </a:fontRef>
+        </p:style>
+      </p:cxnSp>
+      <p:cxnSp>
+        <p:nvCxnSpPr>
+          <p:cNvPr id="61" name="Straight Connector 60">
+            <a:extLst>
+              <a:ext uri="{FF2B5EF4-FFF2-40B4-BE49-F238E27FC236}">
+                <a16:creationId xmlns:a16="http://schemas.microsoft.com/office/drawing/2014/main" id="{6C1AAB4A-B535-844A-B59A-E9446D9CBD9B}"/>
+              </a:ext>
+            </a:extLst>
+          </p:cNvPr>
+          <p:cNvCxnSpPr>
+            <a:cxnSpLocks/>
+            <a:stCxn id="4" idx="2"/>
+            <a:endCxn id="5" idx="0"/>
+          </p:cNvCxnSpPr>
+          <p:nvPr/>
+        </p:nvCxnSpPr>
+        <p:spPr>
+          <a:xfrm flipH="1">
+            <a:off x="3204616" y="1042400"/>
+            <a:ext cx="2957526" cy="839179"/>
+          </a:xfrm>
+          <a:prstGeom prst="line">
+            <a:avLst/>
+          </a:prstGeom>
+        </p:spPr>
+        <p:style>
+          <a:lnRef idx="1">
+            <a:schemeClr val="accent1"/>
+          </a:lnRef>
+          <a:fillRef idx="0">
+            <a:schemeClr val="accent1"/>
+          </a:fillRef>
+          <a:effectRef idx="0">
+            <a:schemeClr val="accent1"/>
+          </a:effectRef>
+          <a:fontRef idx="minor">
+            <a:schemeClr val="tx1"/>
+          </a:fontRef>
+        </p:style>
+      </p:cxnSp>
+      <p:sp>
+        <p:nvSpPr>
+          <p:cNvPr id="12" name="TextBox 11">
+            <a:extLst>
+              <a:ext uri="{FF2B5EF4-FFF2-40B4-BE49-F238E27FC236}">
+                <a16:creationId xmlns:a16="http://schemas.microsoft.com/office/drawing/2014/main" id="{E70C4210-7590-1CCD-6E82-433836370EDD}"/>
+              </a:ext>
+            </a:extLst>
+          </p:cNvPr>
+          <p:cNvSpPr txBox="1"/>
+          <p:nvPr/>
+        </p:nvSpPr>
+        <p:spPr>
+          <a:xfrm>
+            <a:off x="5783942" y="4496583"/>
+            <a:ext cx="1674056" cy="461665"/>
+          </a:xfrm>
+          <a:prstGeom prst="rect">
+            <a:avLst/>
+          </a:prstGeom>
+          <a:noFill/>
+        </p:spPr>
+        <p:txBody>
+          <a:bodyPr wrap="square" rtlCol="0">
+            <a:spAutoFit/>
+          </a:bodyPr>
+          <a:lstStyle/>
+          <a:p>
+            <a:r>
+              <a:rPr lang="en-US" sz="2400" dirty="0">
+                <a:solidFill>
+                  <a:srgbClr val="FF0000"/>
+                </a:solidFill>
+              </a:rPr>
+              <a:t>(75, 100)</a:t>
+            </a:r>
+          </a:p>
+        </p:txBody>
+      </p:sp>
+      <p:sp>
+        <p:nvSpPr>
+          <p:cNvPr id="14" name="TextBox 13">
+            <a:extLst>
+              <a:ext uri="{FF2B5EF4-FFF2-40B4-BE49-F238E27FC236}">
+                <a16:creationId xmlns:a16="http://schemas.microsoft.com/office/drawing/2014/main" id="{93CD4CAA-3146-6E73-1A9C-9556684936F5}"/>
+              </a:ext>
+            </a:extLst>
+          </p:cNvPr>
+          <p:cNvSpPr txBox="1"/>
+          <p:nvPr/>
+        </p:nvSpPr>
+        <p:spPr>
+          <a:xfrm>
+            <a:off x="5783942" y="5630934"/>
+            <a:ext cx="5505855" cy="646331"/>
+          </a:xfrm>
+          <a:prstGeom prst="rect">
+            <a:avLst/>
+          </a:prstGeom>
+          <a:noFill/>
+        </p:spPr>
+        <p:txBody>
+          <a:bodyPr wrap="square" rtlCol="0">
+            <a:spAutoFit/>
+          </a:bodyPr>
+          <a:lstStyle/>
+          <a:p>
+            <a:r>
+              <a:rPr lang="en-US" dirty="0">
+                <a:solidFill>
+                  <a:srgbClr val="FF0000"/>
+                </a:solidFill>
+              </a:rPr>
+              <a:t>Why is 80 OK here?</a:t>
+            </a:r>
+            <a:br>
+              <a:rPr lang="en-US" dirty="0">
+                <a:solidFill>
+                  <a:srgbClr val="FF0000"/>
+                </a:solidFill>
+              </a:rPr>
+            </a:br>
+            <a:r>
+              <a:rPr lang="en-US" dirty="0">
+                <a:solidFill>
+                  <a:srgbClr val="FF0000"/>
+                </a:solidFill>
+              </a:rPr>
+              <a:t>What range of numbers is OK here?</a:t>
+            </a:r>
+          </a:p>
+        </p:txBody>
+      </p:sp>
+    </p:spTree>
+    <p:extLst>
+      <p:ext uri="{BB962C8B-B14F-4D97-AF65-F5344CB8AC3E}">
+        <p14:creationId xmlns:p14="http://schemas.microsoft.com/office/powerpoint/2010/main" val="4190853814"/>
       </p:ext>
     </p:extLst>
   </p:cSld>

--- a/instructor/l18/l18-pad.pptx
+++ b/instructor/l18/l18-pad.pptx
@@ -14,7 +14,8 @@
     <p:sldId id="256" r:id="rId8"/>
     <p:sldId id="262" r:id="rId9"/>
     <p:sldId id="263" r:id="rId10"/>
-    <p:sldId id="260" r:id="rId11"/>
+    <p:sldId id="267" r:id="rId11"/>
+    <p:sldId id="260" r:id="rId12"/>
   </p:sldIdLst>
   <p:sldSz cx="12192000" cy="6858000"/>
   <p:notesSz cx="6858000" cy="9144000"/>
@@ -268,7 +269,7 @@
           <a:p>
             <a:fld id="{B259A58A-5D35-C149-92D6-90CB95B83E4C}" type="datetimeFigureOut">
               <a:rPr lang="en-US" smtClean="0"/>
-              <a:t>11/20/23</a:t>
+              <a:t>11/13/24</a:t>
             </a:fld>
             <a:endParaRPr lang="en-US"/>
           </a:p>
@@ -466,7 +467,7 @@
           <a:p>
             <a:fld id="{B259A58A-5D35-C149-92D6-90CB95B83E4C}" type="datetimeFigureOut">
               <a:rPr lang="en-US" smtClean="0"/>
-              <a:t>11/20/23</a:t>
+              <a:t>11/13/24</a:t>
             </a:fld>
             <a:endParaRPr lang="en-US"/>
           </a:p>
@@ -674,7 +675,7 @@
           <a:p>
             <a:fld id="{B259A58A-5D35-C149-92D6-90CB95B83E4C}" type="datetimeFigureOut">
               <a:rPr lang="en-US" smtClean="0"/>
-              <a:t>11/20/23</a:t>
+              <a:t>11/13/24</a:t>
             </a:fld>
             <a:endParaRPr lang="en-US"/>
           </a:p>
@@ -872,7 +873,7 @@
           <a:p>
             <a:fld id="{B259A58A-5D35-C149-92D6-90CB95B83E4C}" type="datetimeFigureOut">
               <a:rPr lang="en-US" smtClean="0"/>
-              <a:t>11/20/23</a:t>
+              <a:t>11/13/24</a:t>
             </a:fld>
             <a:endParaRPr lang="en-US"/>
           </a:p>
@@ -1147,7 +1148,7 @@
           <a:p>
             <a:fld id="{B259A58A-5D35-C149-92D6-90CB95B83E4C}" type="datetimeFigureOut">
               <a:rPr lang="en-US" smtClean="0"/>
-              <a:t>11/20/23</a:t>
+              <a:t>11/13/24</a:t>
             </a:fld>
             <a:endParaRPr lang="en-US"/>
           </a:p>
@@ -1412,7 +1413,7 @@
           <a:p>
             <a:fld id="{B259A58A-5D35-C149-92D6-90CB95B83E4C}" type="datetimeFigureOut">
               <a:rPr lang="en-US" smtClean="0"/>
-              <a:t>11/20/23</a:t>
+              <a:t>11/13/24</a:t>
             </a:fld>
             <a:endParaRPr lang="en-US"/>
           </a:p>
@@ -1824,7 +1825,7 @@
           <a:p>
             <a:fld id="{B259A58A-5D35-C149-92D6-90CB95B83E4C}" type="datetimeFigureOut">
               <a:rPr lang="en-US" smtClean="0"/>
-              <a:t>11/20/23</a:t>
+              <a:t>11/13/24</a:t>
             </a:fld>
             <a:endParaRPr lang="en-US"/>
           </a:p>
@@ -1965,7 +1966,7 @@
           <a:p>
             <a:fld id="{B259A58A-5D35-C149-92D6-90CB95B83E4C}" type="datetimeFigureOut">
               <a:rPr lang="en-US" smtClean="0"/>
-              <a:t>11/20/23</a:t>
+              <a:t>11/13/24</a:t>
             </a:fld>
             <a:endParaRPr lang="en-US"/>
           </a:p>
@@ -2078,7 +2079,7 @@
           <a:p>
             <a:fld id="{B259A58A-5D35-C149-92D6-90CB95B83E4C}" type="datetimeFigureOut">
               <a:rPr lang="en-US" smtClean="0"/>
-              <a:t>11/20/23</a:t>
+              <a:t>11/13/24</a:t>
             </a:fld>
             <a:endParaRPr lang="en-US"/>
           </a:p>
@@ -2389,7 +2390,7 @@
           <a:p>
             <a:fld id="{B259A58A-5D35-C149-92D6-90CB95B83E4C}" type="datetimeFigureOut">
               <a:rPr lang="en-US" smtClean="0"/>
-              <a:t>11/20/23</a:t>
+              <a:t>11/13/24</a:t>
             </a:fld>
             <a:endParaRPr lang="en-US"/>
           </a:p>
@@ -2677,7 +2678,7 @@
           <a:p>
             <a:fld id="{B259A58A-5D35-C149-92D6-90CB95B83E4C}" type="datetimeFigureOut">
               <a:rPr lang="en-US" smtClean="0"/>
-              <a:t>11/20/23</a:t>
+              <a:t>11/13/24</a:t>
             </a:fld>
             <a:endParaRPr lang="en-US"/>
           </a:p>
@@ -2918,7 +2919,7 @@
           <a:p>
             <a:fld id="{B259A58A-5D35-C149-92D6-90CB95B83E4C}" type="datetimeFigureOut">
               <a:rPr lang="en-US" smtClean="0"/>
-              <a:t>11/20/23</a:t>
+              <a:t>11/13/24</a:t>
             </a:fld>
             <a:endParaRPr lang="en-US"/>
           </a:p>
@@ -3442,6 +3443,1451 @@
   <p:cSld>
     <p:spTree>
       <p:nvGrpSpPr>
+        <p:cNvPr id="1" name="">
+          <a:extLst>
+            <a:ext uri="{FF2B5EF4-FFF2-40B4-BE49-F238E27FC236}">
+              <a16:creationId xmlns:a16="http://schemas.microsoft.com/office/drawing/2014/main" id="{C23952CA-B032-7A99-EDD7-837D4FCF5F9F}"/>
+            </a:ext>
+          </a:extLst>
+        </p:cNvPr>
+        <p:cNvGrpSpPr/>
+        <p:nvPr/>
+      </p:nvGrpSpPr>
+      <p:grpSpPr>
+        <a:xfrm>
+          <a:off x="0" y="0"/>
+          <a:ext cx="0" cy="0"/>
+          <a:chOff x="0" y="0"/>
+          <a:chExt cx="0" cy="0"/>
+        </a:xfrm>
+      </p:grpSpPr>
+      <p:sp>
+        <p:nvSpPr>
+          <p:cNvPr id="4" name="TextBox 3">
+            <a:extLst>
+              <a:ext uri="{FF2B5EF4-FFF2-40B4-BE49-F238E27FC236}">
+                <a16:creationId xmlns:a16="http://schemas.microsoft.com/office/drawing/2014/main" id="{C3F47F81-2495-C183-D03E-5EFBE6E5B37B}"/>
+              </a:ext>
+            </a:extLst>
+          </p:cNvPr>
+          <p:cNvSpPr txBox="1"/>
+          <p:nvPr/>
+        </p:nvSpPr>
+        <p:spPr>
+          <a:xfrm>
+            <a:off x="5710586" y="580735"/>
+            <a:ext cx="903111" cy="461665"/>
+          </a:xfrm>
+          <a:prstGeom prst="rect">
+            <a:avLst/>
+          </a:prstGeom>
+          <a:noFill/>
+          <a:ln>
+            <a:solidFill>
+              <a:schemeClr val="tx1"/>
+            </a:solidFill>
+          </a:ln>
+        </p:spPr>
+        <p:txBody>
+          <a:bodyPr wrap="square" rtlCol="0">
+            <a:spAutoFit/>
+          </a:bodyPr>
+          <a:lstStyle/>
+          <a:p>
+            <a:pPr algn="ctr"/>
+            <a:r>
+              <a:rPr lang="en-US" sz="2400" dirty="0"/>
+              <a:t>100</a:t>
+            </a:r>
+          </a:p>
+        </p:txBody>
+      </p:sp>
+      <p:sp>
+        <p:nvSpPr>
+          <p:cNvPr id="5" name="TextBox 4">
+            <a:extLst>
+              <a:ext uri="{FF2B5EF4-FFF2-40B4-BE49-F238E27FC236}">
+                <a16:creationId xmlns:a16="http://schemas.microsoft.com/office/drawing/2014/main" id="{4CAB59FC-3252-BCB8-220E-F5E5EBFA4B82}"/>
+              </a:ext>
+            </a:extLst>
+          </p:cNvPr>
+          <p:cNvSpPr txBox="1"/>
+          <p:nvPr/>
+        </p:nvSpPr>
+        <p:spPr>
+          <a:xfrm>
+            <a:off x="2753060" y="1881579"/>
+            <a:ext cx="903111" cy="461665"/>
+          </a:xfrm>
+          <a:prstGeom prst="rect">
+            <a:avLst/>
+          </a:prstGeom>
+          <a:noFill/>
+          <a:ln>
+            <a:solidFill>
+              <a:schemeClr val="tx1"/>
+            </a:solidFill>
+          </a:ln>
+        </p:spPr>
+        <p:txBody>
+          <a:bodyPr wrap="square" rtlCol="0">
+            <a:spAutoFit/>
+          </a:bodyPr>
+          <a:lstStyle/>
+          <a:p>
+            <a:pPr algn="ctr"/>
+            <a:r>
+              <a:rPr lang="en-US" sz="2400" dirty="0"/>
+              <a:t>50</a:t>
+            </a:r>
+          </a:p>
+        </p:txBody>
+      </p:sp>
+      <p:sp>
+        <p:nvSpPr>
+          <p:cNvPr id="6" name="TextBox 5">
+            <a:extLst>
+              <a:ext uri="{FF2B5EF4-FFF2-40B4-BE49-F238E27FC236}">
+                <a16:creationId xmlns:a16="http://schemas.microsoft.com/office/drawing/2014/main" id="{F1C5394B-FF87-836E-EA0C-559C80F53410}"/>
+              </a:ext>
+            </a:extLst>
+          </p:cNvPr>
+          <p:cNvSpPr txBox="1"/>
+          <p:nvPr/>
+        </p:nvSpPr>
+        <p:spPr>
+          <a:xfrm>
+            <a:off x="6933825" y="1879656"/>
+            <a:ext cx="1286933" cy="461665"/>
+          </a:xfrm>
+          <a:prstGeom prst="rect">
+            <a:avLst/>
+          </a:prstGeom>
+          <a:noFill/>
+          <a:ln>
+            <a:solidFill>
+              <a:schemeClr val="tx1"/>
+            </a:solidFill>
+          </a:ln>
+        </p:spPr>
+        <p:txBody>
+          <a:bodyPr wrap="square" rtlCol="0">
+            <a:spAutoFit/>
+          </a:bodyPr>
+          <a:lstStyle/>
+          <a:p>
+            <a:pPr algn="ctr"/>
+            <a:r>
+              <a:rPr lang="en-US" sz="2400" dirty="0"/>
+              <a:t>200</a:t>
+            </a:r>
+          </a:p>
+        </p:txBody>
+      </p:sp>
+      <p:sp>
+        <p:nvSpPr>
+          <p:cNvPr id="7" name="TextBox 6">
+            <a:extLst>
+              <a:ext uri="{FF2B5EF4-FFF2-40B4-BE49-F238E27FC236}">
+                <a16:creationId xmlns:a16="http://schemas.microsoft.com/office/drawing/2014/main" id="{D4CC1276-1935-2FAA-C461-5F3D26022187}"/>
+              </a:ext>
+            </a:extLst>
+          </p:cNvPr>
+          <p:cNvSpPr txBox="1"/>
+          <p:nvPr/>
+        </p:nvSpPr>
+        <p:spPr>
+          <a:xfrm>
+            <a:off x="1777087" y="3231920"/>
+            <a:ext cx="582679" cy="461665"/>
+          </a:xfrm>
+          <a:prstGeom prst="rect">
+            <a:avLst/>
+          </a:prstGeom>
+          <a:noFill/>
+          <a:ln>
+            <a:solidFill>
+              <a:schemeClr val="tx1"/>
+            </a:solidFill>
+          </a:ln>
+        </p:spPr>
+        <p:txBody>
+          <a:bodyPr wrap="square" rtlCol="0">
+            <a:spAutoFit/>
+          </a:bodyPr>
+          <a:lstStyle/>
+          <a:p>
+            <a:pPr algn="ctr"/>
+            <a:r>
+              <a:rPr lang="en-US" sz="2400" dirty="0"/>
+              <a:t>25</a:t>
+            </a:r>
+          </a:p>
+        </p:txBody>
+      </p:sp>
+      <p:sp>
+        <p:nvSpPr>
+          <p:cNvPr id="8" name="TextBox 7">
+            <a:extLst>
+              <a:ext uri="{FF2B5EF4-FFF2-40B4-BE49-F238E27FC236}">
+                <a16:creationId xmlns:a16="http://schemas.microsoft.com/office/drawing/2014/main" id="{0CEB8F79-DB5F-396F-38A5-6F2A0FCC2269}"/>
+              </a:ext>
+            </a:extLst>
+          </p:cNvPr>
+          <p:cNvSpPr txBox="1"/>
+          <p:nvPr/>
+        </p:nvSpPr>
+        <p:spPr>
+          <a:xfrm>
+            <a:off x="4322539" y="3226480"/>
+            <a:ext cx="567330" cy="461665"/>
+          </a:xfrm>
+          <a:prstGeom prst="rect">
+            <a:avLst/>
+          </a:prstGeom>
+          <a:noFill/>
+          <a:ln>
+            <a:solidFill>
+              <a:schemeClr val="tx1"/>
+            </a:solidFill>
+          </a:ln>
+        </p:spPr>
+        <p:txBody>
+          <a:bodyPr wrap="square" rtlCol="0">
+            <a:spAutoFit/>
+          </a:bodyPr>
+          <a:lstStyle/>
+          <a:p>
+            <a:pPr algn="ctr"/>
+            <a:r>
+              <a:rPr lang="en-US" sz="2400" dirty="0"/>
+              <a:t>75</a:t>
+            </a:r>
+          </a:p>
+        </p:txBody>
+      </p:sp>
+      <p:sp>
+        <p:nvSpPr>
+          <p:cNvPr id="9" name="TextBox 8">
+            <a:extLst>
+              <a:ext uri="{FF2B5EF4-FFF2-40B4-BE49-F238E27FC236}">
+                <a16:creationId xmlns:a16="http://schemas.microsoft.com/office/drawing/2014/main" id="{997D24B5-0617-BBAD-D47C-4DA0A015123E}"/>
+              </a:ext>
+            </a:extLst>
+          </p:cNvPr>
+          <p:cNvSpPr txBox="1"/>
+          <p:nvPr/>
+        </p:nvSpPr>
+        <p:spPr>
+          <a:xfrm>
+            <a:off x="906290" y="4966603"/>
+            <a:ext cx="493644" cy="461665"/>
+          </a:xfrm>
+          <a:prstGeom prst="rect">
+            <a:avLst/>
+          </a:prstGeom>
+          <a:noFill/>
+          <a:ln>
+            <a:solidFill>
+              <a:schemeClr val="tx1"/>
+            </a:solidFill>
+          </a:ln>
+        </p:spPr>
+        <p:txBody>
+          <a:bodyPr wrap="square" rtlCol="0">
+            <a:spAutoFit/>
+          </a:bodyPr>
+          <a:lstStyle/>
+          <a:p>
+            <a:pPr algn="ctr"/>
+            <a:r>
+              <a:rPr lang="en-US" sz="2400" dirty="0"/>
+              <a:t>10</a:t>
+            </a:r>
+          </a:p>
+        </p:txBody>
+      </p:sp>
+      <p:sp>
+        <p:nvSpPr>
+          <p:cNvPr id="10" name="TextBox 9">
+            <a:extLst>
+              <a:ext uri="{FF2B5EF4-FFF2-40B4-BE49-F238E27FC236}">
+                <a16:creationId xmlns:a16="http://schemas.microsoft.com/office/drawing/2014/main" id="{80E15718-C9D6-A924-121C-D3484E370248}"/>
+              </a:ext>
+            </a:extLst>
+          </p:cNvPr>
+          <p:cNvSpPr txBox="1"/>
+          <p:nvPr/>
+        </p:nvSpPr>
+        <p:spPr>
+          <a:xfrm>
+            <a:off x="2482289" y="4962255"/>
+            <a:ext cx="541542" cy="461665"/>
+          </a:xfrm>
+          <a:prstGeom prst="rect">
+            <a:avLst/>
+          </a:prstGeom>
+          <a:noFill/>
+          <a:ln>
+            <a:solidFill>
+              <a:schemeClr val="tx1"/>
+            </a:solidFill>
+          </a:ln>
+        </p:spPr>
+        <p:txBody>
+          <a:bodyPr wrap="square" rtlCol="0">
+            <a:spAutoFit/>
+          </a:bodyPr>
+          <a:lstStyle/>
+          <a:p>
+            <a:pPr algn="ctr"/>
+            <a:r>
+              <a:rPr lang="en-US" sz="2400" dirty="0"/>
+              <a:t>30</a:t>
+            </a:r>
+          </a:p>
+        </p:txBody>
+      </p:sp>
+      <p:sp>
+        <p:nvSpPr>
+          <p:cNvPr id="11" name="TextBox 10">
+            <a:extLst>
+              <a:ext uri="{FF2B5EF4-FFF2-40B4-BE49-F238E27FC236}">
+                <a16:creationId xmlns:a16="http://schemas.microsoft.com/office/drawing/2014/main" id="{18F2890D-96E6-9ECD-71EC-639B8B4D116D}"/>
+              </a:ext>
+            </a:extLst>
+          </p:cNvPr>
+          <p:cNvSpPr txBox="1"/>
+          <p:nvPr/>
+        </p:nvSpPr>
+        <p:spPr>
+          <a:xfrm>
+            <a:off x="3668375" y="4966602"/>
+            <a:ext cx="686598" cy="461665"/>
+          </a:xfrm>
+          <a:prstGeom prst="rect">
+            <a:avLst/>
+          </a:prstGeom>
+          <a:noFill/>
+          <a:ln>
+            <a:solidFill>
+              <a:schemeClr val="tx1"/>
+            </a:solidFill>
+          </a:ln>
+        </p:spPr>
+        <p:txBody>
+          <a:bodyPr wrap="square" rtlCol="0">
+            <a:spAutoFit/>
+          </a:bodyPr>
+          <a:lstStyle/>
+          <a:p>
+            <a:pPr algn="ctr"/>
+            <a:r>
+              <a:rPr lang="en-US" sz="2400" dirty="0"/>
+              <a:t>60</a:t>
+            </a:r>
+          </a:p>
+        </p:txBody>
+      </p:sp>
+      <p:cxnSp>
+        <p:nvCxnSpPr>
+          <p:cNvPr id="16" name="Straight Connector 15">
+            <a:extLst>
+              <a:ext uri="{FF2B5EF4-FFF2-40B4-BE49-F238E27FC236}">
+                <a16:creationId xmlns:a16="http://schemas.microsoft.com/office/drawing/2014/main" id="{F36F0B52-948C-E9CC-41FA-AC6C3262CF32}"/>
+              </a:ext>
+            </a:extLst>
+          </p:cNvPr>
+          <p:cNvCxnSpPr>
+            <a:cxnSpLocks/>
+            <a:stCxn id="5" idx="2"/>
+            <a:endCxn id="7" idx="0"/>
+          </p:cNvCxnSpPr>
+          <p:nvPr/>
+        </p:nvCxnSpPr>
+        <p:spPr>
+          <a:xfrm flipH="1">
+            <a:off x="2068427" y="2343244"/>
+            <a:ext cx="1136189" cy="888676"/>
+          </a:xfrm>
+          <a:prstGeom prst="line">
+            <a:avLst/>
+          </a:prstGeom>
+        </p:spPr>
+        <p:style>
+          <a:lnRef idx="1">
+            <a:schemeClr val="accent1"/>
+          </a:lnRef>
+          <a:fillRef idx="0">
+            <a:schemeClr val="accent1"/>
+          </a:fillRef>
+          <a:effectRef idx="0">
+            <a:schemeClr val="accent1"/>
+          </a:effectRef>
+          <a:fontRef idx="minor">
+            <a:schemeClr val="tx1"/>
+          </a:fontRef>
+        </p:style>
+      </p:cxnSp>
+      <p:cxnSp>
+        <p:nvCxnSpPr>
+          <p:cNvPr id="19" name="Straight Connector 18">
+            <a:extLst>
+              <a:ext uri="{FF2B5EF4-FFF2-40B4-BE49-F238E27FC236}">
+                <a16:creationId xmlns:a16="http://schemas.microsoft.com/office/drawing/2014/main" id="{A827F355-80DF-F2C3-076E-8AEE5AA82130}"/>
+              </a:ext>
+            </a:extLst>
+          </p:cNvPr>
+          <p:cNvCxnSpPr>
+            <a:cxnSpLocks/>
+            <a:stCxn id="7" idx="2"/>
+            <a:endCxn id="9" idx="0"/>
+          </p:cNvCxnSpPr>
+          <p:nvPr/>
+        </p:nvCxnSpPr>
+        <p:spPr>
+          <a:xfrm flipH="1">
+            <a:off x="1153112" y="3693585"/>
+            <a:ext cx="915315" cy="1273018"/>
+          </a:xfrm>
+          <a:prstGeom prst="line">
+            <a:avLst/>
+          </a:prstGeom>
+        </p:spPr>
+        <p:style>
+          <a:lnRef idx="1">
+            <a:schemeClr val="accent1"/>
+          </a:lnRef>
+          <a:fillRef idx="0">
+            <a:schemeClr val="accent1"/>
+          </a:fillRef>
+          <a:effectRef idx="0">
+            <a:schemeClr val="accent1"/>
+          </a:effectRef>
+          <a:fontRef idx="minor">
+            <a:schemeClr val="tx1"/>
+          </a:fontRef>
+        </p:style>
+      </p:cxnSp>
+      <p:cxnSp>
+        <p:nvCxnSpPr>
+          <p:cNvPr id="22" name="Straight Connector 21">
+            <a:extLst>
+              <a:ext uri="{FF2B5EF4-FFF2-40B4-BE49-F238E27FC236}">
+                <a16:creationId xmlns:a16="http://schemas.microsoft.com/office/drawing/2014/main" id="{601DB86D-F61C-C932-7BDF-30055E4332C4}"/>
+              </a:ext>
+            </a:extLst>
+          </p:cNvPr>
+          <p:cNvCxnSpPr>
+            <a:cxnSpLocks/>
+            <a:stCxn id="7" idx="2"/>
+            <a:endCxn id="10" idx="0"/>
+          </p:cNvCxnSpPr>
+          <p:nvPr/>
+        </p:nvCxnSpPr>
+        <p:spPr>
+          <a:xfrm>
+            <a:off x="2068427" y="3693585"/>
+            <a:ext cx="684633" cy="1268670"/>
+          </a:xfrm>
+          <a:prstGeom prst="line">
+            <a:avLst/>
+          </a:prstGeom>
+        </p:spPr>
+        <p:style>
+          <a:lnRef idx="1">
+            <a:schemeClr val="accent1"/>
+          </a:lnRef>
+          <a:fillRef idx="0">
+            <a:schemeClr val="accent1"/>
+          </a:fillRef>
+          <a:effectRef idx="0">
+            <a:schemeClr val="accent1"/>
+          </a:effectRef>
+          <a:fontRef idx="minor">
+            <a:schemeClr val="tx1"/>
+          </a:fontRef>
+        </p:style>
+      </p:cxnSp>
+      <p:cxnSp>
+        <p:nvCxnSpPr>
+          <p:cNvPr id="25" name="Straight Connector 24">
+            <a:extLst>
+              <a:ext uri="{FF2B5EF4-FFF2-40B4-BE49-F238E27FC236}">
+                <a16:creationId xmlns:a16="http://schemas.microsoft.com/office/drawing/2014/main" id="{3D9870CA-5ECB-D97B-342E-4C27FEA2E87C}"/>
+              </a:ext>
+            </a:extLst>
+          </p:cNvPr>
+          <p:cNvCxnSpPr>
+            <a:cxnSpLocks/>
+            <a:stCxn id="8" idx="2"/>
+            <a:endCxn id="11" idx="0"/>
+          </p:cNvCxnSpPr>
+          <p:nvPr/>
+        </p:nvCxnSpPr>
+        <p:spPr>
+          <a:xfrm flipH="1">
+            <a:off x="4011674" y="3688145"/>
+            <a:ext cx="594530" cy="1278457"/>
+          </a:xfrm>
+          <a:prstGeom prst="line">
+            <a:avLst/>
+          </a:prstGeom>
+        </p:spPr>
+        <p:style>
+          <a:lnRef idx="1">
+            <a:schemeClr val="accent1"/>
+          </a:lnRef>
+          <a:fillRef idx="0">
+            <a:schemeClr val="accent1"/>
+          </a:fillRef>
+          <a:effectRef idx="0">
+            <a:schemeClr val="accent1"/>
+          </a:effectRef>
+          <a:fontRef idx="minor">
+            <a:schemeClr val="tx1"/>
+          </a:fontRef>
+        </p:style>
+      </p:cxnSp>
+      <p:cxnSp>
+        <p:nvCxnSpPr>
+          <p:cNvPr id="28" name="Straight Connector 27">
+            <a:extLst>
+              <a:ext uri="{FF2B5EF4-FFF2-40B4-BE49-F238E27FC236}">
+                <a16:creationId xmlns:a16="http://schemas.microsoft.com/office/drawing/2014/main" id="{F6D3B157-663D-49AC-C855-FF6CCC3A1068}"/>
+              </a:ext>
+            </a:extLst>
+          </p:cNvPr>
+          <p:cNvCxnSpPr>
+            <a:cxnSpLocks/>
+            <a:stCxn id="5" idx="2"/>
+            <a:endCxn id="8" idx="0"/>
+          </p:cNvCxnSpPr>
+          <p:nvPr/>
+        </p:nvCxnSpPr>
+        <p:spPr>
+          <a:xfrm>
+            <a:off x="3204616" y="2343244"/>
+            <a:ext cx="1401588" cy="883236"/>
+          </a:xfrm>
+          <a:prstGeom prst="line">
+            <a:avLst/>
+          </a:prstGeom>
+        </p:spPr>
+        <p:style>
+          <a:lnRef idx="1">
+            <a:schemeClr val="accent1"/>
+          </a:lnRef>
+          <a:fillRef idx="0">
+            <a:schemeClr val="accent1"/>
+          </a:fillRef>
+          <a:effectRef idx="0">
+            <a:schemeClr val="accent1"/>
+          </a:effectRef>
+          <a:fontRef idx="minor">
+            <a:schemeClr val="tx1"/>
+          </a:fontRef>
+        </p:style>
+      </p:cxnSp>
+      <p:cxnSp>
+        <p:nvCxnSpPr>
+          <p:cNvPr id="31" name="Straight Connector 30">
+            <a:extLst>
+              <a:ext uri="{FF2B5EF4-FFF2-40B4-BE49-F238E27FC236}">
+                <a16:creationId xmlns:a16="http://schemas.microsoft.com/office/drawing/2014/main" id="{0EADF06D-78C0-EF11-1A32-6FD2DA9604A5}"/>
+              </a:ext>
+            </a:extLst>
+          </p:cNvPr>
+          <p:cNvCxnSpPr>
+            <a:cxnSpLocks/>
+            <a:stCxn id="4" idx="2"/>
+            <a:endCxn id="6" idx="0"/>
+          </p:cNvCxnSpPr>
+          <p:nvPr/>
+        </p:nvCxnSpPr>
+        <p:spPr>
+          <a:xfrm>
+            <a:off x="6162142" y="1042400"/>
+            <a:ext cx="1415150" cy="837256"/>
+          </a:xfrm>
+          <a:prstGeom prst="line">
+            <a:avLst/>
+          </a:prstGeom>
+        </p:spPr>
+        <p:style>
+          <a:lnRef idx="1">
+            <a:schemeClr val="accent1"/>
+          </a:lnRef>
+          <a:fillRef idx="0">
+            <a:schemeClr val="accent1"/>
+          </a:fillRef>
+          <a:effectRef idx="0">
+            <a:schemeClr val="accent1"/>
+          </a:effectRef>
+          <a:fontRef idx="minor">
+            <a:schemeClr val="tx1"/>
+          </a:fontRef>
+        </p:style>
+      </p:cxnSp>
+      <p:sp>
+        <p:nvSpPr>
+          <p:cNvPr id="23" name="TextBox 22">
+            <a:extLst>
+              <a:ext uri="{FF2B5EF4-FFF2-40B4-BE49-F238E27FC236}">
+                <a16:creationId xmlns:a16="http://schemas.microsoft.com/office/drawing/2014/main" id="{211C2107-1703-FEEF-7E66-30D84AACB253}"/>
+              </a:ext>
+            </a:extLst>
+          </p:cNvPr>
+          <p:cNvSpPr txBox="1"/>
+          <p:nvPr/>
+        </p:nvSpPr>
+        <p:spPr>
+          <a:xfrm>
+            <a:off x="5270288" y="4964321"/>
+            <a:ext cx="686598" cy="461665"/>
+          </a:xfrm>
+          <a:prstGeom prst="rect">
+            <a:avLst/>
+          </a:prstGeom>
+          <a:noFill/>
+          <a:ln>
+            <a:solidFill>
+              <a:schemeClr val="tx1"/>
+            </a:solidFill>
+          </a:ln>
+        </p:spPr>
+        <p:txBody>
+          <a:bodyPr wrap="square" rtlCol="0">
+            <a:spAutoFit/>
+          </a:bodyPr>
+          <a:lstStyle/>
+          <a:p>
+            <a:pPr algn="ctr"/>
+            <a:r>
+              <a:rPr lang="en-US" sz="2400" dirty="0"/>
+              <a:t>80</a:t>
+            </a:r>
+          </a:p>
+        </p:txBody>
+      </p:sp>
+      <p:cxnSp>
+        <p:nvCxnSpPr>
+          <p:cNvPr id="24" name="Straight Connector 23">
+            <a:extLst>
+              <a:ext uri="{FF2B5EF4-FFF2-40B4-BE49-F238E27FC236}">
+                <a16:creationId xmlns:a16="http://schemas.microsoft.com/office/drawing/2014/main" id="{A054F628-CB38-673E-D3A1-251580803949}"/>
+              </a:ext>
+            </a:extLst>
+          </p:cNvPr>
+          <p:cNvCxnSpPr>
+            <a:cxnSpLocks/>
+            <a:stCxn id="8" idx="2"/>
+            <a:endCxn id="23" idx="0"/>
+          </p:cNvCxnSpPr>
+          <p:nvPr/>
+        </p:nvCxnSpPr>
+        <p:spPr>
+          <a:xfrm>
+            <a:off x="4606204" y="3688145"/>
+            <a:ext cx="1007383" cy="1276176"/>
+          </a:xfrm>
+          <a:prstGeom prst="line">
+            <a:avLst/>
+          </a:prstGeom>
+        </p:spPr>
+        <p:style>
+          <a:lnRef idx="1">
+            <a:schemeClr val="accent1"/>
+          </a:lnRef>
+          <a:fillRef idx="0">
+            <a:schemeClr val="accent1"/>
+          </a:fillRef>
+          <a:effectRef idx="0">
+            <a:schemeClr val="accent1"/>
+          </a:effectRef>
+          <a:fontRef idx="minor">
+            <a:schemeClr val="tx1"/>
+          </a:fontRef>
+        </p:style>
+      </p:cxnSp>
+      <p:cxnSp>
+        <p:nvCxnSpPr>
+          <p:cNvPr id="61" name="Straight Connector 60">
+            <a:extLst>
+              <a:ext uri="{FF2B5EF4-FFF2-40B4-BE49-F238E27FC236}">
+                <a16:creationId xmlns:a16="http://schemas.microsoft.com/office/drawing/2014/main" id="{10A341A7-71A5-267A-E197-8C84416141C9}"/>
+              </a:ext>
+            </a:extLst>
+          </p:cNvPr>
+          <p:cNvCxnSpPr>
+            <a:cxnSpLocks/>
+            <a:stCxn id="4" idx="2"/>
+            <a:endCxn id="5" idx="0"/>
+          </p:cNvCxnSpPr>
+          <p:nvPr/>
+        </p:nvCxnSpPr>
+        <p:spPr>
+          <a:xfrm flipH="1">
+            <a:off x="3204616" y="1042400"/>
+            <a:ext cx="2957526" cy="839179"/>
+          </a:xfrm>
+          <a:prstGeom prst="line">
+            <a:avLst/>
+          </a:prstGeom>
+        </p:spPr>
+        <p:style>
+          <a:lnRef idx="1">
+            <a:schemeClr val="accent1"/>
+          </a:lnRef>
+          <a:fillRef idx="0">
+            <a:schemeClr val="accent1"/>
+          </a:fillRef>
+          <a:effectRef idx="0">
+            <a:schemeClr val="accent1"/>
+          </a:effectRef>
+          <a:fontRef idx="minor">
+            <a:schemeClr val="tx1"/>
+          </a:fontRef>
+        </p:style>
+      </p:cxnSp>
+      <p:sp>
+        <p:nvSpPr>
+          <p:cNvPr id="12" name="TextBox 11">
+            <a:extLst>
+              <a:ext uri="{FF2B5EF4-FFF2-40B4-BE49-F238E27FC236}">
+                <a16:creationId xmlns:a16="http://schemas.microsoft.com/office/drawing/2014/main" id="{3D76A66D-37AB-456C-CE22-284636310918}"/>
+              </a:ext>
+            </a:extLst>
+          </p:cNvPr>
+          <p:cNvSpPr txBox="1"/>
+          <p:nvPr/>
+        </p:nvSpPr>
+        <p:spPr>
+          <a:xfrm>
+            <a:off x="5133757" y="4502656"/>
+            <a:ext cx="1674056" cy="400110"/>
+          </a:xfrm>
+          <a:prstGeom prst="rect">
+            <a:avLst/>
+          </a:prstGeom>
+          <a:noFill/>
+        </p:spPr>
+        <p:txBody>
+          <a:bodyPr wrap="square" rtlCol="0">
+            <a:spAutoFit/>
+          </a:bodyPr>
+          <a:lstStyle/>
+          <a:p>
+            <a:pPr algn="ctr"/>
+            <a:r>
+              <a:rPr lang="en-US" sz="2000" dirty="0">
+                <a:solidFill>
+                  <a:srgbClr val="FF0000"/>
+                </a:solidFill>
+              </a:rPr>
+              <a:t>(75, 100)</a:t>
+            </a:r>
+          </a:p>
+        </p:txBody>
+      </p:sp>
+      <p:sp>
+        <p:nvSpPr>
+          <p:cNvPr id="2" name="TextBox 1">
+            <a:extLst>
+              <a:ext uri="{FF2B5EF4-FFF2-40B4-BE49-F238E27FC236}">
+                <a16:creationId xmlns:a16="http://schemas.microsoft.com/office/drawing/2014/main" id="{1275A3B5-D28C-32EF-6DFE-D6E901C7715D}"/>
+              </a:ext>
+            </a:extLst>
+          </p:cNvPr>
+          <p:cNvSpPr txBox="1"/>
+          <p:nvPr/>
+        </p:nvSpPr>
+        <p:spPr>
+          <a:xfrm>
+            <a:off x="3755723" y="4504412"/>
+            <a:ext cx="1674056" cy="400110"/>
+          </a:xfrm>
+          <a:prstGeom prst="rect">
+            <a:avLst/>
+          </a:prstGeom>
+          <a:noFill/>
+        </p:spPr>
+        <p:txBody>
+          <a:bodyPr wrap="square" rtlCol="0">
+            <a:spAutoFit/>
+          </a:bodyPr>
+          <a:lstStyle/>
+          <a:p>
+            <a:pPr algn="ctr"/>
+            <a:r>
+              <a:rPr lang="en-US" sz="2000" dirty="0">
+                <a:solidFill>
+                  <a:srgbClr val="FF0000"/>
+                </a:solidFill>
+              </a:rPr>
+              <a:t>(50, 75)</a:t>
+            </a:r>
+          </a:p>
+        </p:txBody>
+      </p:sp>
+      <p:sp>
+        <p:nvSpPr>
+          <p:cNvPr id="3" name="TextBox 2">
+            <a:extLst>
+              <a:ext uri="{FF2B5EF4-FFF2-40B4-BE49-F238E27FC236}">
+                <a16:creationId xmlns:a16="http://schemas.microsoft.com/office/drawing/2014/main" id="{3727373A-D03E-2F41-3AF7-533F9DE05293}"/>
+              </a:ext>
+            </a:extLst>
+          </p:cNvPr>
+          <p:cNvSpPr txBox="1"/>
+          <p:nvPr/>
+        </p:nvSpPr>
+        <p:spPr>
+          <a:xfrm>
+            <a:off x="2248319" y="4510617"/>
+            <a:ext cx="1674056" cy="400110"/>
+          </a:xfrm>
+          <a:prstGeom prst="rect">
+            <a:avLst/>
+          </a:prstGeom>
+          <a:noFill/>
+        </p:spPr>
+        <p:txBody>
+          <a:bodyPr wrap="square" rtlCol="0">
+            <a:spAutoFit/>
+          </a:bodyPr>
+          <a:lstStyle/>
+          <a:p>
+            <a:pPr algn="ctr"/>
+            <a:r>
+              <a:rPr lang="en-US" sz="2000" dirty="0">
+                <a:solidFill>
+                  <a:srgbClr val="FF0000"/>
+                </a:solidFill>
+              </a:rPr>
+              <a:t>(25, 50)</a:t>
+            </a:r>
+          </a:p>
+        </p:txBody>
+      </p:sp>
+      <p:sp>
+        <p:nvSpPr>
+          <p:cNvPr id="13" name="TextBox 12">
+            <a:extLst>
+              <a:ext uri="{FF2B5EF4-FFF2-40B4-BE49-F238E27FC236}">
+                <a16:creationId xmlns:a16="http://schemas.microsoft.com/office/drawing/2014/main" id="{452705B4-BFAB-9272-5AD3-023946843249}"/>
+              </a:ext>
+            </a:extLst>
+          </p:cNvPr>
+          <p:cNvSpPr txBox="1"/>
+          <p:nvPr/>
+        </p:nvSpPr>
+        <p:spPr>
+          <a:xfrm>
+            <a:off x="-63286" y="4510617"/>
+            <a:ext cx="1674056" cy="400110"/>
+          </a:xfrm>
+          <a:prstGeom prst="rect">
+            <a:avLst/>
+          </a:prstGeom>
+          <a:noFill/>
+        </p:spPr>
+        <p:txBody>
+          <a:bodyPr wrap="square" rtlCol="0">
+            <a:spAutoFit/>
+          </a:bodyPr>
+          <a:lstStyle/>
+          <a:p>
+            <a:pPr algn="ctr"/>
+            <a:r>
+              <a:rPr lang="en-US" sz="2000" dirty="0">
+                <a:solidFill>
+                  <a:srgbClr val="FF0000"/>
+                </a:solidFill>
+              </a:rPr>
+              <a:t>(-inf, 25)</a:t>
+            </a:r>
+          </a:p>
+        </p:txBody>
+      </p:sp>
+      <p:sp>
+        <p:nvSpPr>
+          <p:cNvPr id="15" name="TextBox 14">
+            <a:extLst>
+              <a:ext uri="{FF2B5EF4-FFF2-40B4-BE49-F238E27FC236}">
+                <a16:creationId xmlns:a16="http://schemas.microsoft.com/office/drawing/2014/main" id="{E849E222-B4C6-18EF-EC3D-3C0FD235A4C4}"/>
+              </a:ext>
+            </a:extLst>
+          </p:cNvPr>
+          <p:cNvSpPr txBox="1"/>
+          <p:nvPr/>
+        </p:nvSpPr>
+        <p:spPr>
+          <a:xfrm>
+            <a:off x="831195" y="2859748"/>
+            <a:ext cx="1674056" cy="400110"/>
+          </a:xfrm>
+          <a:prstGeom prst="rect">
+            <a:avLst/>
+          </a:prstGeom>
+          <a:noFill/>
+        </p:spPr>
+        <p:txBody>
+          <a:bodyPr wrap="square" rtlCol="0">
+            <a:spAutoFit/>
+          </a:bodyPr>
+          <a:lstStyle/>
+          <a:p>
+            <a:pPr algn="ctr"/>
+            <a:r>
+              <a:rPr lang="en-US" sz="2000" dirty="0">
+                <a:solidFill>
+                  <a:srgbClr val="FF0000"/>
+                </a:solidFill>
+              </a:rPr>
+              <a:t>(-inf, 50)</a:t>
+            </a:r>
+          </a:p>
+        </p:txBody>
+      </p:sp>
+      <p:sp>
+        <p:nvSpPr>
+          <p:cNvPr id="17" name="TextBox 16">
+            <a:extLst>
+              <a:ext uri="{FF2B5EF4-FFF2-40B4-BE49-F238E27FC236}">
+                <a16:creationId xmlns:a16="http://schemas.microsoft.com/office/drawing/2014/main" id="{94D23334-8EAE-B6BB-D042-305FA6159B73}"/>
+              </a:ext>
+            </a:extLst>
+          </p:cNvPr>
+          <p:cNvSpPr txBox="1"/>
+          <p:nvPr/>
+        </p:nvSpPr>
+        <p:spPr>
+          <a:xfrm>
+            <a:off x="2042312" y="1422476"/>
+            <a:ext cx="1674056" cy="400110"/>
+          </a:xfrm>
+          <a:prstGeom prst="rect">
+            <a:avLst/>
+          </a:prstGeom>
+          <a:noFill/>
+        </p:spPr>
+        <p:txBody>
+          <a:bodyPr wrap="square" rtlCol="0">
+            <a:spAutoFit/>
+          </a:bodyPr>
+          <a:lstStyle/>
+          <a:p>
+            <a:pPr algn="ctr"/>
+            <a:r>
+              <a:rPr lang="en-US" sz="2000" dirty="0">
+                <a:solidFill>
+                  <a:srgbClr val="FF0000"/>
+                </a:solidFill>
+              </a:rPr>
+              <a:t>(-inf, 100)</a:t>
+            </a:r>
+          </a:p>
+        </p:txBody>
+      </p:sp>
+      <p:sp>
+        <p:nvSpPr>
+          <p:cNvPr id="18" name="TextBox 17">
+            <a:extLst>
+              <a:ext uri="{FF2B5EF4-FFF2-40B4-BE49-F238E27FC236}">
+                <a16:creationId xmlns:a16="http://schemas.microsoft.com/office/drawing/2014/main" id="{E47CBFE2-2395-04D3-0F1C-49C9727F7206}"/>
+              </a:ext>
+            </a:extLst>
+          </p:cNvPr>
+          <p:cNvSpPr txBox="1"/>
+          <p:nvPr/>
+        </p:nvSpPr>
+        <p:spPr>
+          <a:xfrm>
+            <a:off x="7179394" y="1422476"/>
+            <a:ext cx="1674056" cy="400110"/>
+          </a:xfrm>
+          <a:prstGeom prst="rect">
+            <a:avLst/>
+          </a:prstGeom>
+          <a:noFill/>
+        </p:spPr>
+        <p:txBody>
+          <a:bodyPr wrap="square" rtlCol="0">
+            <a:spAutoFit/>
+          </a:bodyPr>
+          <a:lstStyle/>
+          <a:p>
+            <a:pPr algn="ctr"/>
+            <a:r>
+              <a:rPr lang="en-US" sz="2000" dirty="0">
+                <a:solidFill>
+                  <a:srgbClr val="FF0000"/>
+                </a:solidFill>
+              </a:rPr>
+              <a:t>(100, +inf)</a:t>
+            </a:r>
+          </a:p>
+        </p:txBody>
+      </p:sp>
+      <p:sp>
+        <p:nvSpPr>
+          <p:cNvPr id="20" name="TextBox 19">
+            <a:extLst>
+              <a:ext uri="{FF2B5EF4-FFF2-40B4-BE49-F238E27FC236}">
+                <a16:creationId xmlns:a16="http://schemas.microsoft.com/office/drawing/2014/main" id="{BDDE47CF-E84A-9E36-4556-203B9E9ED5D1}"/>
+              </a:ext>
+            </a:extLst>
+          </p:cNvPr>
+          <p:cNvSpPr txBox="1"/>
+          <p:nvPr/>
+        </p:nvSpPr>
+        <p:spPr>
+          <a:xfrm>
+            <a:off x="4547040" y="2859748"/>
+            <a:ext cx="1674056" cy="400110"/>
+          </a:xfrm>
+          <a:prstGeom prst="rect">
+            <a:avLst/>
+          </a:prstGeom>
+          <a:noFill/>
+        </p:spPr>
+        <p:txBody>
+          <a:bodyPr wrap="square" rtlCol="0">
+            <a:spAutoFit/>
+          </a:bodyPr>
+          <a:lstStyle/>
+          <a:p>
+            <a:pPr algn="ctr"/>
+            <a:r>
+              <a:rPr lang="en-US" sz="2000" dirty="0">
+                <a:solidFill>
+                  <a:srgbClr val="FF0000"/>
+                </a:solidFill>
+              </a:rPr>
+              <a:t>(50, 100)</a:t>
+            </a:r>
+          </a:p>
+        </p:txBody>
+      </p:sp>
+      <p:sp>
+        <p:nvSpPr>
+          <p:cNvPr id="21" name="TextBox 20">
+            <a:extLst>
+              <a:ext uri="{FF2B5EF4-FFF2-40B4-BE49-F238E27FC236}">
+                <a16:creationId xmlns:a16="http://schemas.microsoft.com/office/drawing/2014/main" id="{D25A24AD-DF60-A534-AE9C-70E119BBFCB2}"/>
+              </a:ext>
+            </a:extLst>
+          </p:cNvPr>
+          <p:cNvSpPr txBox="1"/>
+          <p:nvPr/>
+        </p:nvSpPr>
+        <p:spPr>
+          <a:xfrm>
+            <a:off x="4547040" y="118545"/>
+            <a:ext cx="1674056" cy="400110"/>
+          </a:xfrm>
+          <a:prstGeom prst="rect">
+            <a:avLst/>
+          </a:prstGeom>
+          <a:noFill/>
+        </p:spPr>
+        <p:txBody>
+          <a:bodyPr wrap="square" rtlCol="0">
+            <a:spAutoFit/>
+          </a:bodyPr>
+          <a:lstStyle/>
+          <a:p>
+            <a:pPr algn="ctr"/>
+            <a:r>
+              <a:rPr lang="en-US" sz="2000" dirty="0">
+                <a:solidFill>
+                  <a:srgbClr val="FF0000"/>
+                </a:solidFill>
+              </a:rPr>
+              <a:t>(-inf, +inf)</a:t>
+            </a:r>
+          </a:p>
+        </p:txBody>
+      </p:sp>
+      <p:cxnSp>
+        <p:nvCxnSpPr>
+          <p:cNvPr id="27" name="Straight Arrow Connector 26">
+            <a:extLst>
+              <a:ext uri="{FF2B5EF4-FFF2-40B4-BE49-F238E27FC236}">
+                <a16:creationId xmlns:a16="http://schemas.microsoft.com/office/drawing/2014/main" id="{6A49F970-673A-B78A-9825-EC5C7C8B7ED3}"/>
+              </a:ext>
+            </a:extLst>
+          </p:cNvPr>
+          <p:cNvCxnSpPr>
+            <a:cxnSpLocks/>
+          </p:cNvCxnSpPr>
+          <p:nvPr/>
+        </p:nvCxnSpPr>
+        <p:spPr>
+          <a:xfrm flipV="1">
+            <a:off x="3401436" y="901818"/>
+            <a:ext cx="2470938" cy="559210"/>
+          </a:xfrm>
+          <a:prstGeom prst="straightConnector1">
+            <a:avLst/>
+          </a:prstGeom>
+          <a:ln w="38100">
+            <a:tailEnd type="triangle"/>
+          </a:ln>
+        </p:spPr>
+        <p:style>
+          <a:lnRef idx="1">
+            <a:schemeClr val="accent1"/>
+          </a:lnRef>
+          <a:fillRef idx="0">
+            <a:schemeClr val="accent1"/>
+          </a:fillRef>
+          <a:effectRef idx="0">
+            <a:schemeClr val="accent1"/>
+          </a:effectRef>
+          <a:fontRef idx="minor">
+            <a:schemeClr val="tx1"/>
+          </a:fontRef>
+        </p:style>
+      </p:cxnSp>
+      <p:cxnSp>
+        <p:nvCxnSpPr>
+          <p:cNvPr id="44" name="Straight Arrow Connector 43">
+            <a:extLst>
+              <a:ext uri="{FF2B5EF4-FFF2-40B4-BE49-F238E27FC236}">
+                <a16:creationId xmlns:a16="http://schemas.microsoft.com/office/drawing/2014/main" id="{B1A997B3-EF81-214D-FB2D-F35B145073EE}"/>
+              </a:ext>
+            </a:extLst>
+          </p:cNvPr>
+          <p:cNvCxnSpPr>
+            <a:cxnSpLocks/>
+          </p:cNvCxnSpPr>
+          <p:nvPr/>
+        </p:nvCxnSpPr>
+        <p:spPr>
+          <a:xfrm flipV="1">
+            <a:off x="5613587" y="1054218"/>
+            <a:ext cx="411187" cy="1807453"/>
+          </a:xfrm>
+          <a:prstGeom prst="straightConnector1">
+            <a:avLst/>
+          </a:prstGeom>
+          <a:ln w="38100">
+            <a:tailEnd type="triangle"/>
+          </a:ln>
+        </p:spPr>
+        <p:style>
+          <a:lnRef idx="1">
+            <a:schemeClr val="accent1"/>
+          </a:lnRef>
+          <a:fillRef idx="0">
+            <a:schemeClr val="accent1"/>
+          </a:fillRef>
+          <a:effectRef idx="0">
+            <a:schemeClr val="accent1"/>
+          </a:effectRef>
+          <a:fontRef idx="minor">
+            <a:schemeClr val="tx1"/>
+          </a:fontRef>
+        </p:style>
+      </p:cxnSp>
+      <p:cxnSp>
+        <p:nvCxnSpPr>
+          <p:cNvPr id="46" name="Straight Arrow Connector 45">
+            <a:extLst>
+              <a:ext uri="{FF2B5EF4-FFF2-40B4-BE49-F238E27FC236}">
+                <a16:creationId xmlns:a16="http://schemas.microsoft.com/office/drawing/2014/main" id="{C69B8509-D9C3-40C5-67D0-38FB6E4AADBB}"/>
+              </a:ext>
+            </a:extLst>
+          </p:cNvPr>
+          <p:cNvCxnSpPr>
+            <a:cxnSpLocks/>
+          </p:cNvCxnSpPr>
+          <p:nvPr/>
+        </p:nvCxnSpPr>
+        <p:spPr>
+          <a:xfrm flipH="1" flipV="1">
+            <a:off x="6194775" y="1181423"/>
+            <a:ext cx="54500" cy="3329194"/>
+          </a:xfrm>
+          <a:prstGeom prst="straightConnector1">
+            <a:avLst/>
+          </a:prstGeom>
+          <a:ln w="38100">
+            <a:tailEnd type="triangle"/>
+          </a:ln>
+        </p:spPr>
+        <p:style>
+          <a:lnRef idx="1">
+            <a:schemeClr val="accent1"/>
+          </a:lnRef>
+          <a:fillRef idx="0">
+            <a:schemeClr val="accent1"/>
+          </a:fillRef>
+          <a:effectRef idx="0">
+            <a:schemeClr val="accent1"/>
+          </a:effectRef>
+          <a:fontRef idx="minor">
+            <a:schemeClr val="tx1"/>
+          </a:fontRef>
+        </p:style>
+      </p:cxnSp>
+      <p:cxnSp>
+        <p:nvCxnSpPr>
+          <p:cNvPr id="49" name="Straight Arrow Connector 48">
+            <a:extLst>
+              <a:ext uri="{FF2B5EF4-FFF2-40B4-BE49-F238E27FC236}">
+                <a16:creationId xmlns:a16="http://schemas.microsoft.com/office/drawing/2014/main" id="{3E2A2CDA-0213-3CEC-AAEC-4EC631958669}"/>
+              </a:ext>
+            </a:extLst>
+          </p:cNvPr>
+          <p:cNvCxnSpPr>
+            <a:cxnSpLocks/>
+          </p:cNvCxnSpPr>
+          <p:nvPr/>
+        </p:nvCxnSpPr>
+        <p:spPr>
+          <a:xfrm flipH="1" flipV="1">
+            <a:off x="3334248" y="2285198"/>
+            <a:ext cx="974691" cy="2281294"/>
+          </a:xfrm>
+          <a:prstGeom prst="straightConnector1">
+            <a:avLst/>
+          </a:prstGeom>
+          <a:ln w="38100">
+            <a:prstDash val="dash"/>
+            <a:tailEnd type="triangle"/>
+          </a:ln>
+        </p:spPr>
+        <p:style>
+          <a:lnRef idx="1">
+            <a:schemeClr val="accent1"/>
+          </a:lnRef>
+          <a:fillRef idx="0">
+            <a:schemeClr val="accent1"/>
+          </a:fillRef>
+          <a:effectRef idx="0">
+            <a:schemeClr val="accent1"/>
+          </a:effectRef>
+          <a:fontRef idx="minor">
+            <a:schemeClr val="tx1"/>
+          </a:fontRef>
+        </p:style>
+      </p:cxnSp>
+      <p:cxnSp>
+        <p:nvCxnSpPr>
+          <p:cNvPr id="52" name="Straight Arrow Connector 51">
+            <a:extLst>
+              <a:ext uri="{FF2B5EF4-FFF2-40B4-BE49-F238E27FC236}">
+                <a16:creationId xmlns:a16="http://schemas.microsoft.com/office/drawing/2014/main" id="{A79BBE3C-F774-0271-5CB5-857A56E4CC41}"/>
+              </a:ext>
+            </a:extLst>
+          </p:cNvPr>
+          <p:cNvCxnSpPr>
+            <a:cxnSpLocks/>
+          </p:cNvCxnSpPr>
+          <p:nvPr/>
+        </p:nvCxnSpPr>
+        <p:spPr>
+          <a:xfrm flipH="1" flipV="1">
+            <a:off x="3511556" y="2233670"/>
+            <a:ext cx="1449263" cy="797299"/>
+          </a:xfrm>
+          <a:prstGeom prst="straightConnector1">
+            <a:avLst/>
+          </a:prstGeom>
+          <a:ln w="38100">
+            <a:prstDash val="dash"/>
+            <a:tailEnd type="triangle"/>
+          </a:ln>
+        </p:spPr>
+        <p:style>
+          <a:lnRef idx="1">
+            <a:schemeClr val="accent1"/>
+          </a:lnRef>
+          <a:fillRef idx="0">
+            <a:schemeClr val="accent1"/>
+          </a:fillRef>
+          <a:effectRef idx="0">
+            <a:schemeClr val="accent1"/>
+          </a:effectRef>
+          <a:fontRef idx="minor">
+            <a:schemeClr val="tx1"/>
+          </a:fontRef>
+        </p:style>
+      </p:cxnSp>
+      <p:cxnSp>
+        <p:nvCxnSpPr>
+          <p:cNvPr id="55" name="Straight Arrow Connector 54">
+            <a:extLst>
+              <a:ext uri="{FF2B5EF4-FFF2-40B4-BE49-F238E27FC236}">
+                <a16:creationId xmlns:a16="http://schemas.microsoft.com/office/drawing/2014/main" id="{331CCF18-4AF8-FA25-46B8-8322ECF9F997}"/>
+              </a:ext>
+            </a:extLst>
+          </p:cNvPr>
+          <p:cNvCxnSpPr>
+            <a:cxnSpLocks/>
+          </p:cNvCxnSpPr>
+          <p:nvPr/>
+        </p:nvCxnSpPr>
+        <p:spPr>
+          <a:xfrm>
+            <a:off x="7389001" y="5035415"/>
+            <a:ext cx="831757" cy="0"/>
+          </a:xfrm>
+          <a:prstGeom prst="straightConnector1">
+            <a:avLst/>
+          </a:prstGeom>
+          <a:ln w="38100">
+            <a:tailEnd type="triangle"/>
+          </a:ln>
+        </p:spPr>
+        <p:style>
+          <a:lnRef idx="1">
+            <a:schemeClr val="accent1"/>
+          </a:lnRef>
+          <a:fillRef idx="0">
+            <a:schemeClr val="accent1"/>
+          </a:fillRef>
+          <a:effectRef idx="0">
+            <a:schemeClr val="accent1"/>
+          </a:effectRef>
+          <a:fontRef idx="minor">
+            <a:schemeClr val="tx1"/>
+          </a:fontRef>
+        </p:style>
+      </p:cxnSp>
+      <p:cxnSp>
+        <p:nvCxnSpPr>
+          <p:cNvPr id="57" name="Straight Arrow Connector 56">
+            <a:extLst>
+              <a:ext uri="{FF2B5EF4-FFF2-40B4-BE49-F238E27FC236}">
+                <a16:creationId xmlns:a16="http://schemas.microsoft.com/office/drawing/2014/main" id="{18FB8DA3-EB97-8D8D-1134-1DC5045B27C9}"/>
+              </a:ext>
+            </a:extLst>
+          </p:cNvPr>
+          <p:cNvCxnSpPr>
+            <a:cxnSpLocks/>
+          </p:cNvCxnSpPr>
+          <p:nvPr/>
+        </p:nvCxnSpPr>
+        <p:spPr>
+          <a:xfrm>
+            <a:off x="7389001" y="4064811"/>
+            <a:ext cx="831757" cy="0"/>
+          </a:xfrm>
+          <a:prstGeom prst="straightConnector1">
+            <a:avLst/>
+          </a:prstGeom>
+          <a:ln w="38100">
+            <a:prstDash val="dash"/>
+            <a:tailEnd type="triangle"/>
+          </a:ln>
+        </p:spPr>
+        <p:style>
+          <a:lnRef idx="1">
+            <a:schemeClr val="accent1"/>
+          </a:lnRef>
+          <a:fillRef idx="0">
+            <a:schemeClr val="accent1"/>
+          </a:fillRef>
+          <a:effectRef idx="0">
+            <a:schemeClr val="accent1"/>
+          </a:effectRef>
+          <a:fontRef idx="minor">
+            <a:schemeClr val="tx1"/>
+          </a:fontRef>
+        </p:style>
+      </p:cxnSp>
+      <p:sp>
+        <p:nvSpPr>
+          <p:cNvPr id="62" name="TextBox 61">
+            <a:extLst>
+              <a:ext uri="{FF2B5EF4-FFF2-40B4-BE49-F238E27FC236}">
+                <a16:creationId xmlns:a16="http://schemas.microsoft.com/office/drawing/2014/main" id="{33603E8A-3150-3455-6C23-4C6D4544A662}"/>
+              </a:ext>
+            </a:extLst>
+          </p:cNvPr>
+          <p:cNvSpPr txBox="1"/>
+          <p:nvPr/>
+        </p:nvSpPr>
+        <p:spPr>
+          <a:xfrm>
+            <a:off x="8513805" y="3842951"/>
+            <a:ext cx="3417749" cy="646331"/>
+          </a:xfrm>
+          <a:prstGeom prst="rect">
+            <a:avLst/>
+          </a:prstGeom>
+          <a:noFill/>
+        </p:spPr>
+        <p:txBody>
+          <a:bodyPr wrap="square" rtlCol="0">
+            <a:spAutoFit/>
+          </a:bodyPr>
+          <a:lstStyle/>
+          <a:p>
+            <a:r>
+              <a:rPr lang="en-US" dirty="0"/>
+              <a:t>lower comes from most recent right branch parent</a:t>
+            </a:r>
+          </a:p>
+        </p:txBody>
+      </p:sp>
+      <p:sp>
+        <p:nvSpPr>
+          <p:cNvPr id="63" name="TextBox 62">
+            <a:extLst>
+              <a:ext uri="{FF2B5EF4-FFF2-40B4-BE49-F238E27FC236}">
+                <a16:creationId xmlns:a16="http://schemas.microsoft.com/office/drawing/2014/main" id="{022ED517-8C60-A40A-9B13-902E1D0F3E87}"/>
+              </a:ext>
+            </a:extLst>
+          </p:cNvPr>
+          <p:cNvSpPr txBox="1"/>
+          <p:nvPr/>
+        </p:nvSpPr>
+        <p:spPr>
+          <a:xfrm>
+            <a:off x="8513805" y="4712249"/>
+            <a:ext cx="3417749" cy="646331"/>
+          </a:xfrm>
+          <a:prstGeom prst="rect">
+            <a:avLst/>
+          </a:prstGeom>
+          <a:noFill/>
+        </p:spPr>
+        <p:txBody>
+          <a:bodyPr wrap="square" rtlCol="0">
+            <a:spAutoFit/>
+          </a:bodyPr>
+          <a:lstStyle/>
+          <a:p>
+            <a:r>
+              <a:rPr lang="en-US" dirty="0"/>
+              <a:t>upper comes from most recent left branch parent</a:t>
+            </a:r>
+          </a:p>
+        </p:txBody>
+      </p:sp>
+    </p:spTree>
+    <p:extLst>
+      <p:ext uri="{BB962C8B-B14F-4D97-AF65-F5344CB8AC3E}">
+        <p14:creationId xmlns:p14="http://schemas.microsoft.com/office/powerpoint/2010/main" val="3898132803"/>
+      </p:ext>
+    </p:extLst>
+  </p:cSld>
+  <p:clrMapOvr>
+    <a:masterClrMapping/>
+  </p:clrMapOvr>
+</p:sld>
+</file>
+
+<file path=ppt/slides/slide11.xml><?xml version="1.0" encoding="utf-8"?>
+<p:sld xmlns:a="http://schemas.openxmlformats.org/drawingml/2006/main" xmlns:r="http://schemas.openxmlformats.org/officeDocument/2006/relationships" xmlns:p="http://schemas.openxmlformats.org/presentationml/2006/main">
+  <p:cSld>
+    <p:spTree>
+      <p:nvGrpSpPr>
         <p:cNvPr id="1" name=""/>
         <p:cNvGrpSpPr/>
         <p:nvPr/>
@@ -6699,8 +8145,8 @@
         </p:nvSpPr>
         <p:spPr>
           <a:xfrm>
-            <a:off x="5783942" y="4496583"/>
-            <a:ext cx="1674056" cy="461665"/>
+            <a:off x="5133757" y="4502656"/>
+            <a:ext cx="1674056" cy="400110"/>
           </a:xfrm>
           <a:prstGeom prst="rect">
             <a:avLst/>
@@ -6713,8 +8159,9 @@
           </a:bodyPr>
           <a:lstStyle/>
           <a:p>
-            <a:r>
-              <a:rPr lang="en-US" sz="2400" dirty="0">
+            <a:pPr algn="ctr"/>
+            <a:r>
+              <a:rPr lang="en-US" sz="2000" dirty="0">
                 <a:solidFill>
                   <a:srgbClr val="FF0000"/>
                 </a:solidFill>
@@ -6726,10 +8173,10 @@
       </p:sp>
       <p:sp>
         <p:nvSpPr>
-          <p:cNvPr id="14" name="TextBox 13">
-            <a:extLst>
-              <a:ext uri="{FF2B5EF4-FFF2-40B4-BE49-F238E27FC236}">
-                <a16:creationId xmlns:a16="http://schemas.microsoft.com/office/drawing/2014/main" id="{93CD4CAA-3146-6E73-1A9C-9556684936F5}"/>
+          <p:cNvPr id="2" name="TextBox 1">
+            <a:extLst>
+              <a:ext uri="{FF2B5EF4-FFF2-40B4-BE49-F238E27FC236}">
+                <a16:creationId xmlns:a16="http://schemas.microsoft.com/office/drawing/2014/main" id="{60BC985E-D54B-7928-FE62-653BE8FB7881}"/>
               </a:ext>
             </a:extLst>
           </p:cNvPr>
@@ -6738,8 +8185,8 @@
         </p:nvSpPr>
         <p:spPr>
           <a:xfrm>
-            <a:off x="5783942" y="5630934"/>
-            <a:ext cx="5505855" cy="646331"/>
+            <a:off x="3755723" y="4504412"/>
+            <a:ext cx="1674056" cy="400110"/>
           </a:xfrm>
           <a:prstGeom prst="rect">
             <a:avLst/>
@@ -6752,28 +8199,294 @@
           </a:bodyPr>
           <a:lstStyle/>
           <a:p>
-            <a:r>
-              <a:rPr lang="en-US" dirty="0">
+            <a:pPr algn="ctr"/>
+            <a:r>
+              <a:rPr lang="en-US" sz="2000" dirty="0">
                 <a:solidFill>
                   <a:srgbClr val="FF0000"/>
                 </a:solidFill>
               </a:rPr>
-              <a:t>Why is 80 OK here?</a:t>
-            </a:r>
-            <a:br>
-              <a:rPr lang="en-US" dirty="0">
+              <a:t>(50, 75)</a:t>
+            </a:r>
+          </a:p>
+        </p:txBody>
+      </p:sp>
+      <p:sp>
+        <p:nvSpPr>
+          <p:cNvPr id="3" name="TextBox 2">
+            <a:extLst>
+              <a:ext uri="{FF2B5EF4-FFF2-40B4-BE49-F238E27FC236}">
+                <a16:creationId xmlns:a16="http://schemas.microsoft.com/office/drawing/2014/main" id="{4F2B3E6C-C416-3B43-2DB9-BBB5472F7359}"/>
+              </a:ext>
+            </a:extLst>
+          </p:cNvPr>
+          <p:cNvSpPr txBox="1"/>
+          <p:nvPr/>
+        </p:nvSpPr>
+        <p:spPr>
+          <a:xfrm>
+            <a:off x="2248319" y="4510617"/>
+            <a:ext cx="1674056" cy="400110"/>
+          </a:xfrm>
+          <a:prstGeom prst="rect">
+            <a:avLst/>
+          </a:prstGeom>
+          <a:noFill/>
+        </p:spPr>
+        <p:txBody>
+          <a:bodyPr wrap="square" rtlCol="0">
+            <a:spAutoFit/>
+          </a:bodyPr>
+          <a:lstStyle/>
+          <a:p>
+            <a:pPr algn="ctr"/>
+            <a:r>
+              <a:rPr lang="en-US" sz="2000" dirty="0">
                 <a:solidFill>
                   <a:srgbClr val="FF0000"/>
                 </a:solidFill>
               </a:rPr>
-            </a:br>
-            <a:r>
-              <a:rPr lang="en-US" dirty="0">
+              <a:t>(25, 50)</a:t>
+            </a:r>
+          </a:p>
+        </p:txBody>
+      </p:sp>
+      <p:sp>
+        <p:nvSpPr>
+          <p:cNvPr id="13" name="TextBox 12">
+            <a:extLst>
+              <a:ext uri="{FF2B5EF4-FFF2-40B4-BE49-F238E27FC236}">
+                <a16:creationId xmlns:a16="http://schemas.microsoft.com/office/drawing/2014/main" id="{5DAFDFA1-6C6A-C8BA-1BE7-02AD15A64808}"/>
+              </a:ext>
+            </a:extLst>
+          </p:cNvPr>
+          <p:cNvSpPr txBox="1"/>
+          <p:nvPr/>
+        </p:nvSpPr>
+        <p:spPr>
+          <a:xfrm>
+            <a:off x="-63286" y="4510617"/>
+            <a:ext cx="1674056" cy="400110"/>
+          </a:xfrm>
+          <a:prstGeom prst="rect">
+            <a:avLst/>
+          </a:prstGeom>
+          <a:noFill/>
+        </p:spPr>
+        <p:txBody>
+          <a:bodyPr wrap="square" rtlCol="0">
+            <a:spAutoFit/>
+          </a:bodyPr>
+          <a:lstStyle/>
+          <a:p>
+            <a:pPr algn="ctr"/>
+            <a:r>
+              <a:rPr lang="en-US" sz="2000" dirty="0">
                 <a:solidFill>
                   <a:srgbClr val="FF0000"/>
                 </a:solidFill>
               </a:rPr>
-              <a:t>What range of numbers is OK here?</a:t>
+              <a:t>(-inf, 25)</a:t>
+            </a:r>
+          </a:p>
+        </p:txBody>
+      </p:sp>
+      <p:sp>
+        <p:nvSpPr>
+          <p:cNvPr id="15" name="TextBox 14">
+            <a:extLst>
+              <a:ext uri="{FF2B5EF4-FFF2-40B4-BE49-F238E27FC236}">
+                <a16:creationId xmlns:a16="http://schemas.microsoft.com/office/drawing/2014/main" id="{2264C567-F179-CBBB-AE5A-63414E2628CB}"/>
+              </a:ext>
+            </a:extLst>
+          </p:cNvPr>
+          <p:cNvSpPr txBox="1"/>
+          <p:nvPr/>
+        </p:nvSpPr>
+        <p:spPr>
+          <a:xfrm>
+            <a:off x="831195" y="2859748"/>
+            <a:ext cx="1674056" cy="400110"/>
+          </a:xfrm>
+          <a:prstGeom prst="rect">
+            <a:avLst/>
+          </a:prstGeom>
+          <a:noFill/>
+        </p:spPr>
+        <p:txBody>
+          <a:bodyPr wrap="square" rtlCol="0">
+            <a:spAutoFit/>
+          </a:bodyPr>
+          <a:lstStyle/>
+          <a:p>
+            <a:pPr algn="ctr"/>
+            <a:r>
+              <a:rPr lang="en-US" sz="2000" dirty="0">
+                <a:solidFill>
+                  <a:srgbClr val="FF0000"/>
+                </a:solidFill>
+              </a:rPr>
+              <a:t>(-inf, 50)</a:t>
+            </a:r>
+          </a:p>
+        </p:txBody>
+      </p:sp>
+      <p:sp>
+        <p:nvSpPr>
+          <p:cNvPr id="17" name="TextBox 16">
+            <a:extLst>
+              <a:ext uri="{FF2B5EF4-FFF2-40B4-BE49-F238E27FC236}">
+                <a16:creationId xmlns:a16="http://schemas.microsoft.com/office/drawing/2014/main" id="{27B1375C-8916-37E8-C316-246764E28FB3}"/>
+              </a:ext>
+            </a:extLst>
+          </p:cNvPr>
+          <p:cNvSpPr txBox="1"/>
+          <p:nvPr/>
+        </p:nvSpPr>
+        <p:spPr>
+          <a:xfrm>
+            <a:off x="2042312" y="1422476"/>
+            <a:ext cx="1674056" cy="400110"/>
+          </a:xfrm>
+          <a:prstGeom prst="rect">
+            <a:avLst/>
+          </a:prstGeom>
+          <a:noFill/>
+        </p:spPr>
+        <p:txBody>
+          <a:bodyPr wrap="square" rtlCol="0">
+            <a:spAutoFit/>
+          </a:bodyPr>
+          <a:lstStyle/>
+          <a:p>
+            <a:pPr algn="ctr"/>
+            <a:r>
+              <a:rPr lang="en-US" sz="2000" dirty="0">
+                <a:solidFill>
+                  <a:srgbClr val="FF0000"/>
+                </a:solidFill>
+              </a:rPr>
+              <a:t>(-inf, 100)</a:t>
+            </a:r>
+          </a:p>
+        </p:txBody>
+      </p:sp>
+      <p:sp>
+        <p:nvSpPr>
+          <p:cNvPr id="18" name="TextBox 17">
+            <a:extLst>
+              <a:ext uri="{FF2B5EF4-FFF2-40B4-BE49-F238E27FC236}">
+                <a16:creationId xmlns:a16="http://schemas.microsoft.com/office/drawing/2014/main" id="{62AE6961-1125-9AEA-E258-97C005FAF44D}"/>
+              </a:ext>
+            </a:extLst>
+          </p:cNvPr>
+          <p:cNvSpPr txBox="1"/>
+          <p:nvPr/>
+        </p:nvSpPr>
+        <p:spPr>
+          <a:xfrm>
+            <a:off x="7179394" y="1422476"/>
+            <a:ext cx="1674056" cy="400110"/>
+          </a:xfrm>
+          <a:prstGeom prst="rect">
+            <a:avLst/>
+          </a:prstGeom>
+          <a:noFill/>
+        </p:spPr>
+        <p:txBody>
+          <a:bodyPr wrap="square" rtlCol="0">
+            <a:spAutoFit/>
+          </a:bodyPr>
+          <a:lstStyle/>
+          <a:p>
+            <a:pPr algn="ctr"/>
+            <a:r>
+              <a:rPr lang="en-US" sz="2000" dirty="0">
+                <a:solidFill>
+                  <a:srgbClr val="FF0000"/>
+                </a:solidFill>
+              </a:rPr>
+              <a:t>(100, +inf)</a:t>
+            </a:r>
+          </a:p>
+        </p:txBody>
+      </p:sp>
+      <p:sp>
+        <p:nvSpPr>
+          <p:cNvPr id="20" name="TextBox 19">
+            <a:extLst>
+              <a:ext uri="{FF2B5EF4-FFF2-40B4-BE49-F238E27FC236}">
+                <a16:creationId xmlns:a16="http://schemas.microsoft.com/office/drawing/2014/main" id="{48F38CF2-30F5-9014-2B54-381A0314FC02}"/>
+              </a:ext>
+            </a:extLst>
+          </p:cNvPr>
+          <p:cNvSpPr txBox="1"/>
+          <p:nvPr/>
+        </p:nvSpPr>
+        <p:spPr>
+          <a:xfrm>
+            <a:off x="4547040" y="2859748"/>
+            <a:ext cx="1674056" cy="400110"/>
+          </a:xfrm>
+          <a:prstGeom prst="rect">
+            <a:avLst/>
+          </a:prstGeom>
+          <a:noFill/>
+        </p:spPr>
+        <p:txBody>
+          <a:bodyPr wrap="square" rtlCol="0">
+            <a:spAutoFit/>
+          </a:bodyPr>
+          <a:lstStyle/>
+          <a:p>
+            <a:pPr algn="ctr"/>
+            <a:r>
+              <a:rPr lang="en-US" sz="2000" dirty="0">
+                <a:solidFill>
+                  <a:srgbClr val="FF0000"/>
+                </a:solidFill>
+              </a:rPr>
+              <a:t>(50, 100)</a:t>
+            </a:r>
+          </a:p>
+        </p:txBody>
+      </p:sp>
+      <p:sp>
+        <p:nvSpPr>
+          <p:cNvPr id="21" name="TextBox 20">
+            <a:extLst>
+              <a:ext uri="{FF2B5EF4-FFF2-40B4-BE49-F238E27FC236}">
+                <a16:creationId xmlns:a16="http://schemas.microsoft.com/office/drawing/2014/main" id="{2D1EC994-A8C7-AD0B-6E60-E2F01C1A73CB}"/>
+              </a:ext>
+            </a:extLst>
+          </p:cNvPr>
+          <p:cNvSpPr txBox="1"/>
+          <p:nvPr/>
+        </p:nvSpPr>
+        <p:spPr>
+          <a:xfrm>
+            <a:off x="4547040" y="118545"/>
+            <a:ext cx="1674056" cy="400110"/>
+          </a:xfrm>
+          <a:prstGeom prst="rect">
+            <a:avLst/>
+          </a:prstGeom>
+          <a:noFill/>
+        </p:spPr>
+        <p:txBody>
+          <a:bodyPr wrap="square" rtlCol="0">
+            <a:spAutoFit/>
+          </a:bodyPr>
+          <a:lstStyle/>
+          <a:p>
+            <a:pPr algn="ctr"/>
+            <a:r>
+              <a:rPr lang="en-US" sz="2000" dirty="0">
+                <a:solidFill>
+                  <a:srgbClr val="FF0000"/>
+                </a:solidFill>
+              </a:rPr>
+              <a:t>(-inf, +inf)</a:t>
             </a:r>
           </a:p>
         </p:txBody>

--- a/instructor/l18/l18-pad.pptx
+++ b/instructor/l18/l18-pad.pptx
@@ -269,7 +269,7 @@
           <a:p>
             <a:fld id="{B259A58A-5D35-C149-92D6-90CB95B83E4C}" type="datetimeFigureOut">
               <a:rPr lang="en-US" smtClean="0"/>
-              <a:t>11/13/24</a:t>
+              <a:t>11/18/25</a:t>
             </a:fld>
             <a:endParaRPr lang="en-US"/>
           </a:p>
@@ -467,7 +467,7 @@
           <a:p>
             <a:fld id="{B259A58A-5D35-C149-92D6-90CB95B83E4C}" type="datetimeFigureOut">
               <a:rPr lang="en-US" smtClean="0"/>
-              <a:t>11/13/24</a:t>
+              <a:t>11/18/25</a:t>
             </a:fld>
             <a:endParaRPr lang="en-US"/>
           </a:p>
@@ -675,7 +675,7 @@
           <a:p>
             <a:fld id="{B259A58A-5D35-C149-92D6-90CB95B83E4C}" type="datetimeFigureOut">
               <a:rPr lang="en-US" smtClean="0"/>
-              <a:t>11/13/24</a:t>
+              <a:t>11/18/25</a:t>
             </a:fld>
             <a:endParaRPr lang="en-US"/>
           </a:p>
@@ -873,7 +873,7 @@
           <a:p>
             <a:fld id="{B259A58A-5D35-C149-92D6-90CB95B83E4C}" type="datetimeFigureOut">
               <a:rPr lang="en-US" smtClean="0"/>
-              <a:t>11/13/24</a:t>
+              <a:t>11/18/25</a:t>
             </a:fld>
             <a:endParaRPr lang="en-US"/>
           </a:p>
@@ -1148,7 +1148,7 @@
           <a:p>
             <a:fld id="{B259A58A-5D35-C149-92D6-90CB95B83E4C}" type="datetimeFigureOut">
               <a:rPr lang="en-US" smtClean="0"/>
-              <a:t>11/13/24</a:t>
+              <a:t>11/18/25</a:t>
             </a:fld>
             <a:endParaRPr lang="en-US"/>
           </a:p>
@@ -1413,7 +1413,7 @@
           <a:p>
             <a:fld id="{B259A58A-5D35-C149-92D6-90CB95B83E4C}" type="datetimeFigureOut">
               <a:rPr lang="en-US" smtClean="0"/>
-              <a:t>11/13/24</a:t>
+              <a:t>11/18/25</a:t>
             </a:fld>
             <a:endParaRPr lang="en-US"/>
           </a:p>
@@ -1825,7 +1825,7 @@
           <a:p>
             <a:fld id="{B259A58A-5D35-C149-92D6-90CB95B83E4C}" type="datetimeFigureOut">
               <a:rPr lang="en-US" smtClean="0"/>
-              <a:t>11/13/24</a:t>
+              <a:t>11/18/25</a:t>
             </a:fld>
             <a:endParaRPr lang="en-US"/>
           </a:p>
@@ -1966,7 +1966,7 @@
           <a:p>
             <a:fld id="{B259A58A-5D35-C149-92D6-90CB95B83E4C}" type="datetimeFigureOut">
               <a:rPr lang="en-US" smtClean="0"/>
-              <a:t>11/13/24</a:t>
+              <a:t>11/18/25</a:t>
             </a:fld>
             <a:endParaRPr lang="en-US"/>
           </a:p>
@@ -2079,7 +2079,7 @@
           <a:p>
             <a:fld id="{B259A58A-5D35-C149-92D6-90CB95B83E4C}" type="datetimeFigureOut">
               <a:rPr lang="en-US" smtClean="0"/>
-              <a:t>11/13/24</a:t>
+              <a:t>11/18/25</a:t>
             </a:fld>
             <a:endParaRPr lang="en-US"/>
           </a:p>
@@ -2390,7 +2390,7 @@
           <a:p>
             <a:fld id="{B259A58A-5D35-C149-92D6-90CB95B83E4C}" type="datetimeFigureOut">
               <a:rPr lang="en-US" smtClean="0"/>
-              <a:t>11/13/24</a:t>
+              <a:t>11/18/25</a:t>
             </a:fld>
             <a:endParaRPr lang="en-US"/>
           </a:p>
@@ -2678,7 +2678,7 @@
           <a:p>
             <a:fld id="{B259A58A-5D35-C149-92D6-90CB95B83E4C}" type="datetimeFigureOut">
               <a:rPr lang="en-US" smtClean="0"/>
-              <a:t>11/13/24</a:t>
+              <a:t>11/18/25</a:t>
             </a:fld>
             <a:endParaRPr lang="en-US"/>
           </a:p>
@@ -2919,7 +2919,7 @@
           <a:p>
             <a:fld id="{B259A58A-5D35-C149-92D6-90CB95B83E4C}" type="datetimeFigureOut">
               <a:rPr lang="en-US" smtClean="0"/>
-              <a:t>11/13/24</a:t>
+              <a:t>11/18/25</a:t>
             </a:fld>
             <a:endParaRPr lang="en-US"/>
           </a:p>
@@ -3320,7 +3320,7 @@
 </file>
 
 <file path=ppt/slides/slide1.xml><?xml version="1.0" encoding="utf-8"?>
-<p:sld xmlns:a="http://schemas.openxmlformats.org/drawingml/2006/main" xmlns:r="http://schemas.openxmlformats.org/officeDocument/2006/relationships" xmlns:p="http://schemas.openxmlformats.org/presentationml/2006/main">
+<p:sld xmlns:a="http://schemas.openxmlformats.org/drawingml/2006/main" xmlns:r="http://schemas.openxmlformats.org/officeDocument/2006/relationships" xmlns:p="http://schemas.openxmlformats.org/presentationml/2006/main" show="0">
   <p:cSld>
     <p:spTree>
       <p:nvGrpSpPr>
@@ -4944,7 +4944,7 @@
 </file>
 
 <file path=ppt/slides/slide2.xml><?xml version="1.0" encoding="utf-8"?>
-<p:sld xmlns:a="http://schemas.openxmlformats.org/drawingml/2006/main" xmlns:r="http://schemas.openxmlformats.org/officeDocument/2006/relationships" xmlns:p="http://schemas.openxmlformats.org/presentationml/2006/main">
+<p:sld xmlns:a="http://schemas.openxmlformats.org/drawingml/2006/main" xmlns:r="http://schemas.openxmlformats.org/officeDocument/2006/relationships" xmlns:p="http://schemas.openxmlformats.org/presentationml/2006/main" show="0">
   <p:cSld>
     <p:spTree>
       <p:nvGrpSpPr>
